--- a/javascript技术分享/mui以及推送分享.pptx
+++ b/javascript技术分享/mui以及推送分享.pptx
@@ -5573,62 +5573,6 @@
       </p:grpSpPr>
       <p:sp>
         <p:nvSpPr>
-          <p:cNvPr id="2" name="内容占位符 1"/>
-          <p:cNvSpPr>
-            <a:spLocks noGrp="1"/>
-          </p:cNvSpPr>
-          <p:nvPr>
-            <p:ph idx="1"/>
-          </p:nvPr>
-        </p:nvSpPr>
-        <p:spPr>
-          <a:xfrm>
-            <a:off x="359999" y="980728"/>
-            <a:ext cx="7307665" cy="5184072"/>
-          </a:xfrm>
-        </p:spPr>
-        <p:txBody>
-          <a:bodyPr/>
-          <a:lstStyle/>
-          <a:p>
-            <a:r>
-              <a:rPr lang="zh-CN" altLang="en-US" dirty="0" smtClean="0"/>
-              <a:t>数字天堂网络科技公司出品的一个最</a:t>
-            </a:r>
-            <a:r>
-              <a:rPr lang="zh-CN" altLang="en-US" dirty="0"/>
-              <a:t>接近原生</a:t>
-            </a:r>
-            <a:r>
-              <a:rPr lang="en-US" altLang="zh-CN" dirty="0"/>
-              <a:t>APP</a:t>
-            </a:r>
-            <a:r>
-              <a:rPr lang="zh-CN" altLang="en-US" dirty="0"/>
-              <a:t>体验的高性能前端</a:t>
-            </a:r>
-            <a:r>
-              <a:rPr lang="zh-CN" altLang="en-US" dirty="0" smtClean="0"/>
-              <a:t>框架</a:t>
-            </a:r>
-            <a:endParaRPr lang="en-US" altLang="zh-CN" dirty="0" smtClean="0"/>
-          </a:p>
-          <a:p>
-            <a:endParaRPr lang="en-US" altLang="zh-CN" dirty="0" smtClean="0"/>
-          </a:p>
-          <a:p>
-            <a:endParaRPr lang="en-US" altLang="zh-CN" dirty="0" smtClean="0"/>
-          </a:p>
-          <a:p>
-            <a:endParaRPr lang="en-US" altLang="zh-CN" dirty="0"/>
-          </a:p>
-          <a:p>
-            <a:endParaRPr kumimoji="1" lang="zh-CN" altLang="en-US" dirty="0"/>
-          </a:p>
-        </p:txBody>
-      </p:sp>
-      <p:sp>
-        <p:nvSpPr>
           <p:cNvPr id="3" name="幻灯片编号占位符 2"/>
           <p:cNvSpPr>
             <a:spLocks noGrp="1"/>
@@ -5668,108 +5612,270 @@
           <a:lstStyle/>
           <a:p>
             <a:r>
-              <a:rPr kumimoji="1" lang="zh-CN" altLang="en-US" dirty="0" smtClean="0"/>
-              <a:t>什么是</a:t>
-            </a:r>
-            <a:r>
-              <a:rPr kumimoji="1" lang="en-US" altLang="zh-CN" dirty="0" err="1" smtClean="0"/>
-              <a:t>mui</a:t>
+              <a:rPr lang="zh-CN" altLang="en-US">
+                <a:solidFill>
+                  <a:schemeClr val="tx1"/>
+                </a:solidFill>
+                <a:effectLst>
+                  <a:outerShdw blurRad="38100" dist="19050" dir="2700000" algn="tl" rotWithShape="0">
+                    <a:schemeClr val="dk1">
+                      <a:alpha val="40000"/>
+                    </a:schemeClr>
+                  </a:outerShdw>
+                </a:effectLst>
+                <a:latin typeface="Arial" panose="020B0604020202020204" pitchFamily="34" charset="0"/>
+                <a:ea typeface="宋体" panose="02010600030101010101" pitchFamily="2" charset="-122"/>
+                <a:cs typeface="+mn-cs"/>
+                <a:sym typeface="+mn-ea"/>
+              </a:rPr>
+              <a:t>原型和原型链</a:t>
             </a:r>
             <a:endParaRPr kumimoji="1" lang="zh-CN" altLang="en-US" dirty="0"/>
           </a:p>
         </p:txBody>
       </p:sp>
-      <p:pic>
-        <p:nvPicPr>
-          <p:cNvPr id="5" name="图片 4"/>
-          <p:cNvPicPr>
-            <a:picLocks noChangeAspect="1"/>
-          </p:cNvPicPr>
+      <p:sp>
+        <p:nvSpPr>
+          <p:cNvPr id="9" name="内容占位符 1"/>
+          <p:cNvSpPr>
+            <a:spLocks noGrp="1"/>
+          </p:cNvSpPr>
           <p:nvPr/>
-        </p:nvPicPr>
-        <p:blipFill>
-          <a:blip r:embed="rId1">
-            <a:extLst>
-              <a:ext uri="{28A0092B-C50C-407E-A947-70E740481C1C}">
-                <a14:useLocalDpi xmlns:a14="http://schemas.microsoft.com/office/drawing/2010/main" val="0"/>
-              </a:ext>
-            </a:extLst>
-          </a:blip>
-          <a:stretch>
-            <a:fillRect/>
-          </a:stretch>
-        </p:blipFill>
+        </p:nvSpPr>
         <p:spPr>
           <a:xfrm>
-            <a:off x="405586" y="1367586"/>
-            <a:ext cx="2582238" cy="5372869"/>
+            <a:off x="458272" y="1115472"/>
+            <a:ext cx="7092448" cy="4959248"/>
           </a:xfrm>
           <a:prstGeom prst="rect">
             <a:avLst/>
           </a:prstGeom>
           <a:noFill/>
+          <a:ln>
+            <a:noFill/>
+          </a:ln>
+          <a:effectLst/>
         </p:spPr>
-      </p:pic>
-      <p:pic>
-        <p:nvPicPr>
-          <p:cNvPr id="6" name="图片 5"/>
-          <p:cNvPicPr>
-            <a:picLocks noChangeAspect="1"/>
-          </p:cNvPicPr>
-          <p:nvPr/>
-        </p:nvPicPr>
-        <p:blipFill>
-          <a:blip r:embed="rId2">
-            <a:extLst>
-              <a:ext uri="{28A0092B-C50C-407E-A947-70E740481C1C}">
-                <a14:useLocalDpi xmlns:a14="http://schemas.microsoft.com/office/drawing/2010/main" val="0"/>
-              </a:ext>
-            </a:extLst>
-          </a:blip>
-          <a:stretch>
-            <a:fillRect/>
-          </a:stretch>
-        </p:blipFill>
-        <p:spPr>
-          <a:xfrm>
-            <a:off x="2903517" y="1391823"/>
-            <a:ext cx="3968186" cy="2690550"/>
-          </a:xfrm>
-          <a:prstGeom prst="rect">
-            <a:avLst/>
-          </a:prstGeom>
-        </p:spPr>
-      </p:pic>
-      <p:pic>
-        <p:nvPicPr>
-          <p:cNvPr id="7" name="图片 6"/>
-          <p:cNvPicPr>
-            <a:picLocks noChangeAspect="1"/>
-          </p:cNvPicPr>
-          <p:nvPr/>
-        </p:nvPicPr>
-        <p:blipFill>
-          <a:blip r:embed="rId3">
-            <a:extLst>
-              <a:ext uri="{28A0092B-C50C-407E-A947-70E740481C1C}">
-                <a14:useLocalDpi xmlns:a14="http://schemas.microsoft.com/office/drawing/2010/main" val="0"/>
-              </a:ext>
-            </a:extLst>
-          </a:blip>
-          <a:stretch>
-            <a:fillRect/>
-          </a:stretch>
-        </p:blipFill>
-        <p:spPr>
-          <a:xfrm>
-            <a:off x="3190540" y="4158386"/>
-            <a:ext cx="2641600" cy="1930400"/>
-          </a:xfrm>
-          <a:prstGeom prst="rect">
-            <a:avLst/>
-          </a:prstGeom>
-        </p:spPr>
-      </p:pic>
+        <p:txBody>
+          <a:bodyPr vert="horz" wrap="square" lIns="46800" tIns="46800" rIns="46800" bIns="46800" numCol="1" anchor="t" anchorCtr="0" compatLnSpc="1"/>
+          <a:lstStyle>
+            <a:lvl1pPr marL="271780" indent="-271780" algn="l" defTabSz="981075" rtl="0" eaLnBrk="1" fontAlgn="base" hangingPunct="1">
+              <a:lnSpc>
+                <a:spcPct val="120000"/>
+              </a:lnSpc>
+              <a:spcBef>
+                <a:spcPts val="0"/>
+              </a:spcBef>
+              <a:spcAft>
+                <a:spcPts val="600"/>
+              </a:spcAft>
+              <a:buClr>
+                <a:srgbClr val="183884"/>
+              </a:buClr>
+              <a:buSzPct val="120000"/>
+              <a:buFont typeface="Wingdings" panose="05000000000000000000" pitchFamily="2" charset="2"/>
+              <a:buChar char="§"/>
+              <a:defRPr sz="1600" b="0">
+                <a:solidFill>
+                  <a:srgbClr val="183884"/>
+                </a:solidFill>
+                <a:latin typeface="+mn-lt"/>
+                <a:ea typeface="+mn-ea"/>
+                <a:cs typeface="+mn-cs"/>
+              </a:defRPr>
+            </a:lvl1pPr>
+            <a:lvl2pPr marL="625475" indent="-174625" algn="l" defTabSz="981075" rtl="0" eaLnBrk="1" fontAlgn="base" hangingPunct="1">
+              <a:lnSpc>
+                <a:spcPct val="120000"/>
+              </a:lnSpc>
+              <a:spcBef>
+                <a:spcPts val="0"/>
+              </a:spcBef>
+              <a:spcAft>
+                <a:spcPts val="600"/>
+              </a:spcAft>
+              <a:buClr>
+                <a:srgbClr val="183884"/>
+              </a:buClr>
+              <a:buSzPct val="140000"/>
+              <a:buFont typeface="Times New Roman" panose="02020603050405020304" pitchFamily="18" charset="0"/>
+              <a:buChar char="-"/>
+              <a:defRPr sz="1400" b="0">
+                <a:solidFill>
+                  <a:srgbClr val="183884"/>
+                </a:solidFill>
+                <a:latin typeface="+mn-lt"/>
+                <a:ea typeface="+mn-ea"/>
+              </a:defRPr>
+            </a:lvl2pPr>
+            <a:lvl3pPr marL="987425" indent="-182880" algn="l" defTabSz="981075" rtl="0" eaLnBrk="1" fontAlgn="base" hangingPunct="1">
+              <a:lnSpc>
+                <a:spcPct val="120000"/>
+              </a:lnSpc>
+              <a:spcBef>
+                <a:spcPts val="0"/>
+              </a:spcBef>
+              <a:spcAft>
+                <a:spcPts val="600"/>
+              </a:spcAft>
+              <a:buClr>
+                <a:srgbClr val="183884"/>
+              </a:buClr>
+              <a:buFont typeface="Marlett" pitchFamily="2" charset="2"/>
+              <a:buChar char="8"/>
+              <a:defRPr sz="1400" b="0">
+                <a:solidFill>
+                  <a:srgbClr val="183884"/>
+                </a:solidFill>
+                <a:latin typeface="+mn-lt"/>
+                <a:ea typeface="+mn-ea"/>
+              </a:defRPr>
+            </a:lvl3pPr>
+            <a:lvl4pPr marL="1349375" indent="-182880" algn="l" defTabSz="981075" rtl="0" eaLnBrk="1" fontAlgn="base" hangingPunct="1">
+              <a:lnSpc>
+                <a:spcPct val="120000"/>
+              </a:lnSpc>
+              <a:spcBef>
+                <a:spcPts val="0"/>
+              </a:spcBef>
+              <a:spcAft>
+                <a:spcPts val="600"/>
+              </a:spcAft>
+              <a:buClr>
+                <a:srgbClr val="183884"/>
+              </a:buClr>
+              <a:buSzPct val="110000"/>
+              <a:buFont typeface="Arial" panose="020B0604020202020204" pitchFamily="34" charset="0"/>
+              <a:buChar char="›"/>
+              <a:defRPr sz="1400" b="0">
+                <a:solidFill>
+                  <a:srgbClr val="183884"/>
+                </a:solidFill>
+                <a:latin typeface="+mn-lt"/>
+                <a:ea typeface="+mn-ea"/>
+              </a:defRPr>
+            </a:lvl4pPr>
+            <a:lvl5pPr marL="1818005" indent="0" algn="l" defTabSz="981075" rtl="0" eaLnBrk="1" fontAlgn="base" hangingPunct="1">
+              <a:lnSpc>
+                <a:spcPct val="100000"/>
+              </a:lnSpc>
+              <a:spcBef>
+                <a:spcPts val="0"/>
+              </a:spcBef>
+              <a:spcAft>
+                <a:spcPts val="600"/>
+              </a:spcAft>
+              <a:buClr>
+                <a:srgbClr val="183884"/>
+              </a:buClr>
+              <a:buSzPct val="95000"/>
+              <a:buFontTx/>
+              <a:buNone/>
+              <a:defRPr sz="1400" b="0">
+                <a:solidFill>
+                  <a:srgbClr val="183884"/>
+                </a:solidFill>
+                <a:latin typeface="+mn-lt"/>
+                <a:ea typeface="+mn-ea"/>
+              </a:defRPr>
+            </a:lvl5pPr>
+            <a:lvl6pPr marL="2275205" indent="0" algn="l" defTabSz="981075" rtl="0" eaLnBrk="1" fontAlgn="base" hangingPunct="1">
+              <a:spcBef>
+                <a:spcPct val="20000"/>
+              </a:spcBef>
+              <a:spcAft>
+                <a:spcPct val="0"/>
+              </a:spcAft>
+              <a:buClr>
+                <a:schemeClr val="hlink"/>
+              </a:buClr>
+              <a:buSzPct val="125000"/>
+              <a:buFontTx/>
+              <a:buNone/>
+              <a:defRPr sz="1600">
+                <a:solidFill>
+                  <a:schemeClr val="tx1"/>
+                </a:solidFill>
+                <a:latin typeface="+mn-lt"/>
+                <a:ea typeface="+mn-ea"/>
+              </a:defRPr>
+            </a:lvl6pPr>
+            <a:lvl7pPr marL="2732405" indent="0" algn="l" defTabSz="981075" rtl="0" eaLnBrk="1" fontAlgn="base" hangingPunct="1">
+              <a:spcBef>
+                <a:spcPct val="20000"/>
+              </a:spcBef>
+              <a:spcAft>
+                <a:spcPct val="0"/>
+              </a:spcAft>
+              <a:buClr>
+                <a:schemeClr val="hlink"/>
+              </a:buClr>
+              <a:buSzPct val="125000"/>
+              <a:buFont typeface="Arial" panose="020B0604020202020204" pitchFamily="34" charset="0"/>
+              <a:buNone/>
+              <a:defRPr sz="1600">
+                <a:solidFill>
+                  <a:schemeClr val="tx1"/>
+                </a:solidFill>
+                <a:latin typeface="+mn-lt"/>
+                <a:ea typeface="+mn-ea"/>
+              </a:defRPr>
+            </a:lvl7pPr>
+            <a:lvl8pPr marL="3529330" indent="-339725" algn="l" defTabSz="981075" rtl="0" eaLnBrk="1" fontAlgn="base" hangingPunct="1">
+              <a:spcBef>
+                <a:spcPct val="20000"/>
+              </a:spcBef>
+              <a:spcAft>
+                <a:spcPct val="0"/>
+              </a:spcAft>
+              <a:buClr>
+                <a:schemeClr val="hlink"/>
+              </a:buClr>
+              <a:buSzPct val="125000"/>
+              <a:buFont typeface="Arial" panose="020B0604020202020204" pitchFamily="34" charset="0"/>
+              <a:buChar char="»"/>
+              <a:defRPr sz="1600">
+                <a:solidFill>
+                  <a:schemeClr val="tx1"/>
+                </a:solidFill>
+                <a:latin typeface="+mn-lt"/>
+                <a:ea typeface="+mn-ea"/>
+              </a:defRPr>
+            </a:lvl8pPr>
+            <a:lvl9pPr marL="3986530" indent="-339725" algn="l" defTabSz="981075" rtl="0" eaLnBrk="1" fontAlgn="base" hangingPunct="1">
+              <a:spcBef>
+                <a:spcPct val="20000"/>
+              </a:spcBef>
+              <a:spcAft>
+                <a:spcPct val="0"/>
+              </a:spcAft>
+              <a:buClr>
+                <a:schemeClr val="hlink"/>
+              </a:buClr>
+              <a:buSzPct val="125000"/>
+              <a:buFont typeface="Arial" panose="020B0604020202020204" pitchFamily="34" charset="0"/>
+              <a:buChar char="»"/>
+              <a:defRPr sz="1600">
+                <a:solidFill>
+                  <a:schemeClr val="tx1"/>
+                </a:solidFill>
+                <a:latin typeface="+mn-lt"/>
+                <a:ea typeface="+mn-ea"/>
+              </a:defRPr>
+            </a:lvl9pPr>
+          </a:lstStyle>
+          <a:p>
+            <a:pPr latinLnBrk="1"/>
+            <a:endParaRPr lang="zh-CN" altLang="en-US" dirty="0"/>
+          </a:p>
+          <a:p>
+            <a:endParaRPr lang="en-US" altLang="zh-CN" u="sng" dirty="0" smtClean="0"/>
+          </a:p>
+          <a:p>
+            <a:endParaRPr lang="en-US" altLang="zh-CN" u="sng" dirty="0"/>
+          </a:p>
+        </p:txBody>
+      </p:sp>
     </p:spTree>
   </p:cSld>
   <p:clrMapOvr>
@@ -5778,189 +5884,7 @@
   <p:timing>
     <p:tnLst>
       <p:par>
-        <p:cTn id="1" dur="indefinite" restart="never" nodeType="tmRoot">
-          <p:childTnLst>
-            <p:seq concurrent="1" nextAc="seek">
-              <p:cTn id="2" dur="indefinite" nodeType="mainSeq">
-                <p:childTnLst>
-                  <p:par>
-                    <p:cTn id="3" fill="hold">
-                      <p:stCondLst>
-                        <p:cond delay="indefinite"/>
-                      </p:stCondLst>
-                      <p:childTnLst>
-                        <p:par>
-                          <p:cTn id="4" fill="hold">
-                            <p:stCondLst>
-                              <p:cond delay="0"/>
-                            </p:stCondLst>
-                            <p:childTnLst>
-                              <p:par>
-                                <p:cTn id="5" presetID="3" presetClass="entr" presetSubtype="10" fill="hold" nodeType="clickEffect">
-                                  <p:stCondLst>
-                                    <p:cond delay="0"/>
-                                  </p:stCondLst>
-                                  <p:childTnLst>
-                                    <p:set>
-                                      <p:cBhvr>
-                                        <p:cTn id="6" dur="1" fill="hold">
-                                          <p:stCondLst>
-                                            <p:cond delay="0"/>
-                                          </p:stCondLst>
-                                        </p:cTn>
-                                        <p:tgtEl>
-                                          <p:spTgt spid="5"/>
-                                        </p:tgtEl>
-                                        <p:attrNameLst>
-                                          <p:attrName>style.visibility</p:attrName>
-                                        </p:attrNameLst>
-                                      </p:cBhvr>
-                                      <p:to>
-                                        <p:strVal val="visible"/>
-                                      </p:to>
-                                    </p:set>
-                                    <p:animEffect transition="in" filter="blinds(horizontal)">
-                                      <p:cBhvr>
-                                        <p:cTn id="7" dur="500"/>
-                                        <p:tgtEl>
-                                          <p:spTgt spid="5"/>
-                                        </p:tgtEl>
-                                      </p:cBhvr>
-                                    </p:animEffect>
-                                  </p:childTnLst>
-                                </p:cTn>
-                              </p:par>
-                            </p:childTnLst>
-                          </p:cTn>
-                        </p:par>
-                      </p:childTnLst>
-                    </p:cTn>
-                  </p:par>
-                  <p:par>
-                    <p:cTn id="8" fill="hold">
-                      <p:stCondLst>
-                        <p:cond delay="indefinite"/>
-                      </p:stCondLst>
-                      <p:childTnLst>
-                        <p:par>
-                          <p:cTn id="9" fill="hold">
-                            <p:stCondLst>
-                              <p:cond delay="0"/>
-                            </p:stCondLst>
-                            <p:childTnLst>
-                              <p:par>
-                                <p:cTn id="10" presetID="3" presetClass="entr" presetSubtype="10" fill="hold" nodeType="clickEffect">
-                                  <p:stCondLst>
-                                    <p:cond delay="0"/>
-                                  </p:stCondLst>
-                                  <p:childTnLst>
-                                    <p:set>
-                                      <p:cBhvr>
-                                        <p:cTn id="11" dur="1" fill="hold">
-                                          <p:stCondLst>
-                                            <p:cond delay="0"/>
-                                          </p:stCondLst>
-                                        </p:cTn>
-                                        <p:tgtEl>
-                                          <p:spTgt spid="6"/>
-                                        </p:tgtEl>
-                                        <p:attrNameLst>
-                                          <p:attrName>style.visibility</p:attrName>
-                                        </p:attrNameLst>
-                                      </p:cBhvr>
-                                      <p:to>
-                                        <p:strVal val="visible"/>
-                                      </p:to>
-                                    </p:set>
-                                    <p:animEffect transition="in" filter="blinds(horizontal)">
-                                      <p:cBhvr>
-                                        <p:cTn id="12" dur="500"/>
-                                        <p:tgtEl>
-                                          <p:spTgt spid="6"/>
-                                        </p:tgtEl>
-                                      </p:cBhvr>
-                                    </p:animEffect>
-                                  </p:childTnLst>
-                                </p:cTn>
-                              </p:par>
-                            </p:childTnLst>
-                          </p:cTn>
-                        </p:par>
-                      </p:childTnLst>
-                    </p:cTn>
-                  </p:par>
-                  <p:par>
-                    <p:cTn id="13" fill="hold">
-                      <p:stCondLst>
-                        <p:cond delay="indefinite"/>
-                      </p:stCondLst>
-                      <p:childTnLst>
-                        <p:par>
-                          <p:cTn id="14" fill="hold">
-                            <p:stCondLst>
-                              <p:cond delay="0"/>
-                            </p:stCondLst>
-                            <p:childTnLst>
-                              <p:par>
-                                <p:cTn id="15" presetID="3" presetClass="entr" presetSubtype="10" fill="hold" nodeType="clickEffect">
-                                  <p:stCondLst>
-                                    <p:cond delay="0"/>
-                                  </p:stCondLst>
-                                  <p:childTnLst>
-                                    <p:set>
-                                      <p:cBhvr>
-                                        <p:cTn id="16" dur="1" fill="hold">
-                                          <p:stCondLst>
-                                            <p:cond delay="0"/>
-                                          </p:stCondLst>
-                                        </p:cTn>
-                                        <p:tgtEl>
-                                          <p:spTgt spid="7"/>
-                                        </p:tgtEl>
-                                        <p:attrNameLst>
-                                          <p:attrName>style.visibility</p:attrName>
-                                        </p:attrNameLst>
-                                      </p:cBhvr>
-                                      <p:to>
-                                        <p:strVal val="visible"/>
-                                      </p:to>
-                                    </p:set>
-                                    <p:animEffect transition="in" filter="blinds(horizontal)">
-                                      <p:cBhvr>
-                                        <p:cTn id="17" dur="500"/>
-                                        <p:tgtEl>
-                                          <p:spTgt spid="7"/>
-                                        </p:tgtEl>
-                                      </p:cBhvr>
-                                    </p:animEffect>
-                                  </p:childTnLst>
-                                </p:cTn>
-                              </p:par>
-                            </p:childTnLst>
-                          </p:cTn>
-                        </p:par>
-                      </p:childTnLst>
-                    </p:cTn>
-                  </p:par>
-                </p:childTnLst>
-              </p:cTn>
-              <p:prevCondLst>
-                <p:cond evt="onPrev" delay="0">
-                  <p:tgtEl>
-                    <p:sldTgt/>
-                  </p:tgtEl>
-                </p:cond>
-              </p:prevCondLst>
-              <p:nextCondLst>
-                <p:cond evt="onNext" delay="0">
-                  <p:tgtEl>
-                    <p:sldTgt/>
-                  </p:tgtEl>
-                </p:cond>
-              </p:nextCondLst>
-            </p:seq>
-          </p:childTnLst>
-        </p:cTn>
+        <p:cTn id="1" dur="indefinite" restart="never" nodeType="tmRoot"/>
       </p:par>
     </p:tnLst>
   </p:timing>

--- a/javascript技术分享/mui以及推送分享.pptx
+++ b/javascript技术分享/mui以及推送分享.pptx
@@ -8,7 +8,7 @@
     <p:notesMasterId r:id="rId4"/>
   </p:notesMasterIdLst>
   <p:handoutMasterIdLst>
-    <p:handoutMasterId r:id="rId15"/>
+    <p:handoutMasterId r:id="rId16"/>
   </p:handoutMasterIdLst>
   <p:sldIdLst>
     <p:sldId id="465" r:id="rId3"/>
@@ -17,16 +17,17 @@
     <p:sldId id="532" r:id="rId7"/>
     <p:sldId id="533" r:id="rId8"/>
     <p:sldId id="534" r:id="rId9"/>
-    <p:sldId id="535" r:id="rId10"/>
-    <p:sldId id="524" r:id="rId11"/>
-    <p:sldId id="526" r:id="rId12"/>
-    <p:sldId id="527" r:id="rId13"/>
-    <p:sldId id="412" r:id="rId14"/>
+    <p:sldId id="540" r:id="rId10"/>
+    <p:sldId id="535" r:id="rId11"/>
+    <p:sldId id="524" r:id="rId12"/>
+    <p:sldId id="526" r:id="rId13"/>
+    <p:sldId id="527" r:id="rId14"/>
+    <p:sldId id="412" r:id="rId15"/>
   </p:sldIdLst>
   <p:sldSz cx="9144000" cy="6858000" type="screen4x3"/>
   <p:notesSz cx="6797675" cy="9928225"/>
   <p:custDataLst>
-    <p:tags r:id="rId20"/>
+    <p:tags r:id="rId21"/>
   </p:custDataLst>
   <p:defaultTextStyle>
     <a:defPPr>
@@ -875,6 +876,50 @@
 </p:notes>
 </file>
 
+<file path=ppt/notesSlides/notesSlide2.xml><?xml version="1.0" encoding="utf-8"?>
+<p:notes xmlns:a="http://schemas.openxmlformats.org/drawingml/2006/main" xmlns:r="http://schemas.openxmlformats.org/officeDocument/2006/relationships" xmlns:p="http://schemas.openxmlformats.org/presentationml/2006/main">
+  <p:cSld>
+    <p:spTree>
+      <p:nvGrpSpPr>
+        <p:cNvPr id="1" name=""/>
+        <p:cNvGrpSpPr/>
+        <p:nvPr/>
+      </p:nvGrpSpPr>
+      <p:grpSpPr/>
+      <p:sp>
+        <p:nvSpPr>
+          <p:cNvPr id="2" name="幻灯片图像占位符 1"/>
+          <p:cNvSpPr/>
+          <p:nvPr>
+            <p:ph type="sldImg" idx="2"/>
+          </p:nvPr>
+        </p:nvSpPr>
+        <p:spPr/>
+      </p:sp>
+      <p:sp>
+        <p:nvSpPr>
+          <p:cNvPr id="3" name="文本占位符 2"/>
+          <p:cNvSpPr/>
+          <p:nvPr>
+            <p:ph type="body" idx="3"/>
+          </p:nvPr>
+        </p:nvSpPr>
+        <p:spPr/>
+        <p:txBody>
+          <a:bodyPr/>
+          <a:p>
+            <a:endParaRPr lang="zh-CN" altLang="en-US"/>
+          </a:p>
+        </p:txBody>
+      </p:sp>
+    </p:spTree>
+  </p:cSld>
+  <p:clrMapOvr>
+    <a:masterClrMapping/>
+  </p:clrMapOvr>
+</p:notes>
+</file>
+
 <file path=ppt/slideLayouts/slideLayout1.xml><?xml version="1.0" encoding="utf-8"?>
 <p:sldLayout xmlns:a="http://schemas.openxmlformats.org/drawingml/2006/main" xmlns:r="http://schemas.openxmlformats.org/officeDocument/2006/relationships" xmlns:p="http://schemas.openxmlformats.org/presentationml/2006/main" preserve="1" showMasterSp="0" userDrawn="1">
   <p:cSld name="封面">
@@ -2061,6 +2106,107 @@
 </p:sldLayout>
 </file>
 
+<file path=ppt/slideLayouts/slideLayout13.xml><?xml version="1.0" encoding="utf-8"?>
+<p:sldLayout xmlns:a="http://schemas.openxmlformats.org/drawingml/2006/main" xmlns:r="http://schemas.openxmlformats.org/officeDocument/2006/relationships" xmlns:p="http://schemas.openxmlformats.org/presentationml/2006/main" type="blank" preserve="1">
+  <p:cSld name="空白">
+    <p:spTree>
+      <p:nvGrpSpPr>
+        <p:cNvPr id="1" name=""/>
+        <p:cNvGrpSpPr/>
+        <p:nvPr/>
+      </p:nvGrpSpPr>
+      <p:grpSpPr>
+        <a:xfrm>
+          <a:off x="0" y="0"/>
+          <a:ext cx="0" cy="0"/>
+          <a:chOff x="0" y="0"/>
+          <a:chExt cx="0" cy="0"/>
+        </a:xfrm>
+      </p:grpSpPr>
+      <p:sp>
+        <p:nvSpPr>
+          <p:cNvPr id="2" name="日期占位符 1"/>
+          <p:cNvSpPr>
+            <a:spLocks noGrp="1"/>
+          </p:cNvSpPr>
+          <p:nvPr>
+            <p:ph type="dt" sz="half" idx="10"/>
+          </p:nvPr>
+        </p:nvSpPr>
+        <p:spPr>
+          <a:xfrm>
+            <a:off x="838200" y="6356350"/>
+            <a:ext cx="2743200" cy="365125"/>
+          </a:xfrm>
+        </p:spPr>
+        <p:txBody>
+          <a:bodyPr/>
+          <a:lstStyle/>
+          <a:p>
+            <a:fld id="{82F288E0-7875-42C4-84C8-98DBBD3BF4D2}" type="datetimeFigureOut">
+              <a:rPr lang="zh-CN" altLang="en-US" smtClean="0"/>
+            </a:fld>
+            <a:endParaRPr lang="zh-CN" altLang="en-US"/>
+          </a:p>
+        </p:txBody>
+      </p:sp>
+      <p:sp>
+        <p:nvSpPr>
+          <p:cNvPr id="3" name="页脚占位符 2"/>
+          <p:cNvSpPr>
+            <a:spLocks noGrp="1"/>
+          </p:cNvSpPr>
+          <p:nvPr>
+            <p:ph type="ftr" sz="quarter" idx="11"/>
+          </p:nvPr>
+        </p:nvSpPr>
+        <p:spPr>
+          <a:xfrm>
+            <a:off x="4038600" y="6356350"/>
+            <a:ext cx="4114800" cy="365125"/>
+          </a:xfrm>
+        </p:spPr>
+        <p:txBody>
+          <a:bodyPr/>
+          <a:lstStyle/>
+          <a:p>
+            <a:endParaRPr lang="zh-CN" altLang="en-US"/>
+          </a:p>
+        </p:txBody>
+      </p:sp>
+      <p:sp>
+        <p:nvSpPr>
+          <p:cNvPr id="4" name="灯片编号占位符 3"/>
+          <p:cNvSpPr>
+            <a:spLocks noGrp="1"/>
+          </p:cNvSpPr>
+          <p:nvPr>
+            <p:ph type="sldNum" sz="quarter" idx="12"/>
+          </p:nvPr>
+        </p:nvSpPr>
+        <p:spPr/>
+        <p:txBody>
+          <a:bodyPr/>
+          <a:lstStyle/>
+          <a:p>
+            <a:pPr>
+              <a:defRPr/>
+            </a:pPr>
+            <a:fld id="{D4FE18B1-0DDD-4E8B-8EAA-9840798265F0}" type="slidenum">
+              <a:rPr lang="en-US" smtClean="0"/>
+            </a:fld>
+            <a:endParaRPr lang="en-US" dirty="0"/>
+          </a:p>
+        </p:txBody>
+      </p:sp>
+    </p:spTree>
+  </p:cSld>
+  <p:clrMapOvr>
+    <a:masterClrMapping/>
+  </p:clrMapOvr>
+</p:sldLayout>
+</file>
+
 <file path=ppt/slideLayouts/slideLayout2.xml><?xml version="1.0" encoding="utf-8"?>
 <p:sldLayout xmlns:a="http://schemas.openxmlformats.org/drawingml/2006/main" xmlns:r="http://schemas.openxmlformats.org/officeDocument/2006/relationships" xmlns:p="http://schemas.openxmlformats.org/presentationml/2006/main" preserve="1" userDrawn="1">
   <p:cSld name="目录页">
@@ -4396,7 +4542,7 @@
           <p:nvPr userDrawn="1"/>
         </p:nvPicPr>
         <p:blipFill>
-          <a:blip r:embed="rId13" cstate="print">
+          <a:blip r:embed="rId14" cstate="print">
             <a:extLst>
               <a:ext uri="{28A0092B-C50C-407E-A947-70E740481C1C}">
                 <a14:useLocalDpi xmlns:a14="http://schemas.microsoft.com/office/drawing/2010/main" val="0"/>
@@ -4435,6 +4581,7 @@
     <p:sldLayoutId id="2147483658" r:id="rId10"/>
     <p:sldLayoutId id="2147483659" r:id="rId11"/>
     <p:sldLayoutId id="2147483660" r:id="rId12"/>
+    <p:sldLayoutId id="2147483661" r:id="rId13"/>
   </p:sldLayoutIdLst>
   <p:hf hdr="0" ftr="0" dt="0"/>
   <p:txStyles>
@@ -4989,126 +5136,138 @@
           <a:chExt cx="0" cy="0"/>
         </a:xfrm>
       </p:grpSpPr>
+      <p:sp>
+        <p:nvSpPr>
+          <p:cNvPr id="4" name="幻灯片编号占位符 3"/>
+          <p:cNvSpPr>
+            <a:spLocks noGrp="1"/>
+          </p:cNvSpPr>
+          <p:nvPr>
+            <p:ph type="sldNum" sz="quarter" idx="10"/>
+          </p:nvPr>
+        </p:nvSpPr>
+        <p:spPr/>
+        <p:txBody>
+          <a:bodyPr/>
+          <a:lstStyle/>
+          <a:p>
+            <a:pPr>
+              <a:defRPr/>
+            </a:pPr>
+            <a:fld id="{D9ED33AB-5208-45B3-B4C4-C2D2F189FBD9}" type="slidenum">
+              <a:rPr lang="en-US" smtClean="0"/>
+            </a:fld>
+            <a:endParaRPr lang="en-US" dirty="0"/>
+          </a:p>
+        </p:txBody>
+      </p:sp>
+      <p:sp>
+        <p:nvSpPr>
+          <p:cNvPr id="6" name="标题 5"/>
+          <p:cNvSpPr>
+            <a:spLocks noGrp="1"/>
+          </p:cNvSpPr>
+          <p:nvPr>
+            <p:ph type="title"/>
+          </p:nvPr>
+        </p:nvSpPr>
+        <p:spPr/>
+        <p:txBody>
+          <a:bodyPr/>
+          <a:lstStyle/>
+          <a:p>
+            <a:r>
+              <a:rPr lang="zh-CN" altLang="en-US">
+                <a:solidFill>
+                  <a:schemeClr val="tx1"/>
+                </a:solidFill>
+                <a:effectLst>
+                  <a:outerShdw blurRad="38100" dist="19050" dir="2700000" algn="tl" rotWithShape="0">
+                    <a:schemeClr val="dk1">
+                      <a:alpha val="40000"/>
+                    </a:schemeClr>
+                  </a:outerShdw>
+                </a:effectLst>
+                <a:latin typeface="Arial" panose="020B0604020202020204" pitchFamily="34" charset="0"/>
+                <a:ea typeface="宋体" panose="02010600030101010101" pitchFamily="2" charset="-122"/>
+                <a:cs typeface="+mn-cs"/>
+                <a:sym typeface="+mn-ea"/>
+              </a:rPr>
+              <a:t>作用域和闭包</a:t>
+            </a:r>
+            <a:endParaRPr kumimoji="1" lang="zh-CN" altLang="en-US" dirty="0"/>
+          </a:p>
+        </p:txBody>
+      </p:sp>
+      <p:sp>
+        <p:nvSpPr>
+          <p:cNvPr id="7" name="内容占位符 6"/>
+          <p:cNvSpPr>
+            <a:spLocks noGrp="1"/>
+          </p:cNvSpPr>
+          <p:nvPr>
+            <p:ph idx="1"/>
+          </p:nvPr>
+        </p:nvSpPr>
+        <p:spPr/>
+        <p:txBody>
+          <a:bodyPr/>
+          <a:lstStyle/>
+          <a:p>
+            <a:endParaRPr kumimoji="1" lang="en-US" altLang="zh-CN" dirty="0" smtClean="0"/>
+          </a:p>
+          <a:p>
+            <a:endParaRPr kumimoji="1" lang="en-US" altLang="zh-CN" dirty="0" smtClean="0"/>
+          </a:p>
+          <a:p>
+            <a:endParaRPr kumimoji="1" lang="en-US" altLang="zh-CN" dirty="0"/>
+          </a:p>
+          <a:p>
+            <a:endParaRPr kumimoji="1" lang="en-US" altLang="zh-CN" dirty="0" smtClean="0"/>
+          </a:p>
+          <a:p>
+            <a:endParaRPr kumimoji="1" lang="en-US" altLang="zh-CN" dirty="0"/>
+          </a:p>
+        </p:txBody>
+      </p:sp>
       <p:pic>
         <p:nvPicPr>
-          <p:cNvPr id="7" name="内容占位符 6"/>
+          <p:cNvPr id="16386" name="图片 1"/>
           <p:cNvPicPr>
-            <a:picLocks noGrp="1" noChangeAspect="1"/>
+            <a:picLocks noChangeAspect="1"/>
           </p:cNvPicPr>
-          <p:nvPr>
-            <p:ph idx="12"/>
-          </p:nvPr>
+          <p:nvPr/>
         </p:nvPicPr>
         <p:blipFill>
-          <a:blip r:embed="rId1">
-            <a:extLst>
-              <a:ext uri="{28A0092B-C50C-407E-A947-70E740481C1C}">
-                <a14:useLocalDpi xmlns:a14="http://schemas.microsoft.com/office/drawing/2010/main" val="0"/>
-              </a:ext>
-            </a:extLst>
-          </a:blip>
+          <a:blip r:embed="rId1"/>
           <a:stretch>
             <a:fillRect/>
           </a:stretch>
         </p:blipFill>
         <p:spPr>
           <a:xfrm>
-            <a:off x="1115616" y="1743483"/>
-            <a:ext cx="1969008" cy="3249168"/>
-          </a:xfrm>
+            <a:off x="633413" y="1112838"/>
+            <a:ext cx="2686050" cy="2190750"/>
+          </a:xfrm>
+          <a:prstGeom prst="rect">
+            <a:avLst/>
+          </a:prstGeom>
+          <a:noFill/>
+          <a:ln w="9525">
+            <a:noFill/>
+          </a:ln>
         </p:spPr>
       </p:pic>
-      <p:pic>
-        <p:nvPicPr>
-          <p:cNvPr id="8" name="内容占位符 7"/>
-          <p:cNvPicPr>
-            <a:picLocks noGrp="1" noChangeAspect="1"/>
-          </p:cNvPicPr>
-          <p:nvPr>
-            <p:ph idx="13"/>
-          </p:nvPr>
-        </p:nvPicPr>
-        <p:blipFill>
-          <a:blip r:embed="rId2">
-            <a:extLst>
-              <a:ext uri="{28A0092B-C50C-407E-A947-70E740481C1C}">
-                <a14:useLocalDpi xmlns:a14="http://schemas.microsoft.com/office/drawing/2010/main" val="0"/>
-              </a:ext>
-            </a:extLst>
-          </a:blip>
-          <a:stretch>
-            <a:fillRect/>
-          </a:stretch>
-        </p:blipFill>
-        <p:spPr>
-          <a:xfrm>
-            <a:off x="5923687" y="1743483"/>
-            <a:ext cx="1456312" cy="4778797"/>
-          </a:xfrm>
-        </p:spPr>
-      </p:pic>
-      <p:sp>
-        <p:nvSpPr>
-          <p:cNvPr id="2" name="幻灯片编号占位符 1"/>
-          <p:cNvSpPr>
-            <a:spLocks noGrp="1"/>
-          </p:cNvSpPr>
-          <p:nvPr>
-            <p:ph type="sldNum" sz="quarter" idx="10"/>
-          </p:nvPr>
-        </p:nvSpPr>
-        <p:spPr/>
-        <p:txBody>
-          <a:bodyPr/>
-          <a:lstStyle/>
-          <a:p>
-            <a:pPr>
-              <a:defRPr/>
-            </a:pPr>
-            <a:fld id="{05F6A23B-73E6-4DF5-9296-CE83C25FC8C1}" type="slidenum">
-              <a:rPr lang="en-US" smtClean="0"/>
-            </a:fld>
-            <a:endParaRPr lang="en-US" dirty="0"/>
-          </a:p>
-        </p:txBody>
-      </p:sp>
-      <p:sp>
-        <p:nvSpPr>
-          <p:cNvPr id="3" name="标题 2"/>
-          <p:cNvSpPr>
-            <a:spLocks noGrp="1"/>
-          </p:cNvSpPr>
-          <p:nvPr>
-            <p:ph type="title"/>
-          </p:nvPr>
-        </p:nvSpPr>
-        <p:spPr/>
-        <p:txBody>
-          <a:bodyPr/>
-          <a:lstStyle/>
-          <a:p>
-            <a:r>
-              <a:rPr kumimoji="1" lang="en-US" altLang="zh-CN" dirty="0" smtClean="0"/>
-              <a:t>Mui</a:t>
-            </a:r>
-            <a:r>
-              <a:rPr kumimoji="1" lang="zh-CN" altLang="en-US" dirty="0" smtClean="0"/>
-              <a:t>个推逻辑</a:t>
-            </a:r>
-            <a:endParaRPr kumimoji="1" lang="zh-CN" altLang="en-US" dirty="0"/>
-          </a:p>
-        </p:txBody>
-      </p:sp>
-      <p:sp>
-        <p:nvSpPr>
-          <p:cNvPr id="9" name="文本框 8"/>
+      <p:sp>
+        <p:nvSpPr>
+          <p:cNvPr id="2" name="文本框 1"/>
           <p:cNvSpPr txBox="1"/>
           <p:nvPr/>
         </p:nvSpPr>
-        <p:spPr bwMode="auto">
-          <a:xfrm>
-            <a:off x="1004307" y="995843"/>
-            <a:ext cx="2191626" cy="400110"/>
+        <p:spPr>
+          <a:xfrm>
+            <a:off x="633730" y="3616960"/>
+            <a:ext cx="2540000" cy="1814830"/>
           </a:xfrm>
           <a:prstGeom prst="rect">
             <a:avLst/>
@@ -5117,45 +5276,113 @@
           <a:ln>
             <a:noFill/>
           </a:ln>
-          <a:effectLst/>
-        </p:spPr>
-        <p:txBody>
-          <a:bodyPr vert="horz" wrap="none" lIns="91440" tIns="45720" rIns="91440" bIns="45720" numCol="1" rtlCol="0" anchor="t" anchorCtr="0" compatLnSpc="1">
+        </p:spPr>
+        <p:txBody>
+          <a:bodyPr vert="horz" wrap="square" lIns="91440" tIns="45720" rIns="91440" bIns="45720" numCol="1" rtlCol="0" anchor="t" anchorCtr="0" compatLnSpc="1">
             <a:spAutoFit/>
           </a:bodyPr>
-          <a:lstStyle/>
-          <a:p>
-            <a:r>
-              <a:rPr kumimoji="1" lang="en-US" altLang="zh-CN" sz="2000" dirty="0" smtClean="0">
+          <a:p>
+            <a:r>
+              <a:rPr lang="zh-CN" altLang="en-US" sz="1600">
                 <a:latin typeface="+mj-ea"/>
                 <a:ea typeface="+mj-ea"/>
+                <a:sym typeface="+mn-ea"/>
               </a:rPr>
-              <a:t>app</a:t>
-            </a:r>
-            <a:r>
-              <a:rPr kumimoji="1" lang="zh-CN" altLang="en-US" sz="2000" dirty="0" smtClean="0">
-                <a:latin typeface="+mj-ea"/>
-                <a:ea typeface="+mj-ea"/>
-              </a:rPr>
-              <a:t>在线（前台）</a:t>
-            </a:r>
-            <a:endParaRPr kumimoji="1" lang="zh-CN" altLang="en-US" sz="2000" dirty="0" smtClean="0">
+              <a:t>因为局部变量只作用于函数内，所以不同的函数可以使用相同名称的变量。</a:t>
+            </a:r>
+            <a:endParaRPr lang="zh-CN" altLang="en-US" sz="1600">
               <a:latin typeface="+mj-ea"/>
               <a:ea typeface="+mj-ea"/>
             </a:endParaRPr>
           </a:p>
-        </p:txBody>
-      </p:sp>
-      <p:sp>
-        <p:nvSpPr>
-          <p:cNvPr id="10" name="文本框 9"/>
+          <a:p>
+            <a:endParaRPr lang="zh-CN" altLang="en-US" sz="1600">
+              <a:latin typeface="+mj-ea"/>
+              <a:ea typeface="+mj-ea"/>
+            </a:endParaRPr>
+          </a:p>
+          <a:p>
+            <a:r>
+              <a:rPr lang="zh-CN" altLang="en-US" sz="1600">
+                <a:latin typeface="+mj-ea"/>
+                <a:ea typeface="+mj-ea"/>
+                <a:sym typeface="+mn-ea"/>
+              </a:rPr>
+              <a:t>局部变量在函数开始执行时创建，函数执行完后局部变量会自动销毁。</a:t>
+            </a:r>
+            <a:endParaRPr lang="zh-CN" altLang="en-US" sz="1600" dirty="0" smtClean="0">
+              <a:latin typeface="+mj-ea"/>
+              <a:ea typeface="+mj-ea"/>
+            </a:endParaRPr>
+          </a:p>
+        </p:txBody>
+      </p:sp>
+      <p:pic>
+        <p:nvPicPr>
+          <p:cNvPr id="16388" name="图片 3"/>
+          <p:cNvPicPr>
+            <a:picLocks noChangeAspect="1"/>
+          </p:cNvPicPr>
+          <p:nvPr/>
+        </p:nvPicPr>
+        <p:blipFill>
+          <a:blip r:embed="rId2"/>
+          <a:stretch>
+            <a:fillRect/>
+          </a:stretch>
+        </p:blipFill>
+        <p:spPr>
+          <a:xfrm>
+            <a:off x="4181475" y="1027113"/>
+            <a:ext cx="3333750" cy="2362200"/>
+          </a:xfrm>
+          <a:prstGeom prst="rect">
+            <a:avLst/>
+          </a:prstGeom>
+          <a:noFill/>
+          <a:ln w="9525">
+            <a:noFill/>
+          </a:ln>
+        </p:spPr>
+      </p:pic>
+      <p:pic>
+        <p:nvPicPr>
+          <p:cNvPr id="16390" name="图片 6"/>
+          <p:cNvPicPr>
+            <a:picLocks noChangeAspect="1"/>
+          </p:cNvPicPr>
+          <p:nvPr/>
+        </p:nvPicPr>
+        <p:blipFill>
+          <a:blip r:embed="rId3"/>
+          <a:stretch>
+            <a:fillRect/>
+          </a:stretch>
+        </p:blipFill>
+        <p:spPr>
+          <a:xfrm>
+            <a:off x="4324350" y="4476750"/>
+            <a:ext cx="2800350" cy="1438275"/>
+          </a:xfrm>
+          <a:prstGeom prst="rect">
+            <a:avLst/>
+          </a:prstGeom>
+          <a:noFill/>
+          <a:ln w="9525">
+            <a:noFill/>
+          </a:ln>
+        </p:spPr>
+      </p:pic>
+      <p:sp>
+        <p:nvSpPr>
+          <p:cNvPr id="3" name="文本框 2"/>
           <p:cNvSpPr txBox="1"/>
           <p:nvPr/>
         </p:nvSpPr>
-        <p:spPr bwMode="auto">
-          <a:xfrm>
-            <a:off x="5535992" y="995843"/>
-            <a:ext cx="2231701" cy="400110"/>
+        <p:spPr>
+          <a:xfrm>
+            <a:off x="4408170" y="3389630"/>
+            <a:ext cx="3107055" cy="829945"/>
           </a:xfrm>
           <a:prstGeom prst="rect">
             <a:avLst/>
@@ -5164,141 +5391,26 @@
           <a:ln>
             <a:noFill/>
           </a:ln>
-          <a:effectLst/>
-        </p:spPr>
-        <p:txBody>
-          <a:bodyPr vert="horz" wrap="none" lIns="91440" tIns="45720" rIns="91440" bIns="45720" numCol="1" rtlCol="0" anchor="t" anchorCtr="0" compatLnSpc="1">
-            <a:spAutoFit/>
-          </a:bodyPr>
-          <a:lstStyle/>
-          <a:p>
-            <a:r>
-              <a:rPr kumimoji="1" lang="en-US" altLang="zh-CN" sz="2000" dirty="0" smtClean="0">
-                <a:latin typeface="+mj-ea"/>
-                <a:ea typeface="+mj-ea"/>
-              </a:rPr>
-              <a:t>App</a:t>
-            </a:r>
-            <a:r>
-              <a:rPr kumimoji="1" lang="zh-CN" altLang="en-US" sz="2000" dirty="0" smtClean="0">
-                <a:latin typeface="+mj-ea"/>
-                <a:ea typeface="+mj-ea"/>
-              </a:rPr>
-              <a:t>离线（后台）</a:t>
-            </a:r>
-            <a:endParaRPr kumimoji="1" lang="zh-CN" altLang="en-US" sz="2000" dirty="0" smtClean="0">
-              <a:latin typeface="+mj-ea"/>
-              <a:ea typeface="+mj-ea"/>
-            </a:endParaRPr>
-          </a:p>
-        </p:txBody>
-      </p:sp>
-      <p:sp>
-        <p:nvSpPr>
-          <p:cNvPr id="6" name="文本框 5"/>
-          <p:cNvSpPr txBox="1"/>
-          <p:nvPr/>
-        </p:nvSpPr>
-        <p:spPr bwMode="auto">
-          <a:xfrm>
-            <a:off x="539552" y="5157192"/>
-            <a:ext cx="3816424" cy="1169551"/>
-          </a:xfrm>
-          <a:prstGeom prst="rect">
-            <a:avLst/>
-          </a:prstGeom>
-          <a:noFill/>
-          <a:ln>
-            <a:noFill/>
-          </a:ln>
-          <a:effectLst/>
         </p:spPr>
         <p:txBody>
           <a:bodyPr vert="horz" wrap="square" lIns="91440" tIns="45720" rIns="91440" bIns="45720" numCol="1" rtlCol="0" anchor="t" anchorCtr="0" compatLnSpc="1">
             <a:spAutoFit/>
           </a:bodyPr>
-          <a:lstStyle/>
-          <a:p>
-            <a:r>
-              <a:rPr kumimoji="1" lang="zh-CN" altLang="en-US" sz="1400" dirty="0" smtClean="0">
-                <a:latin typeface="+mn-ea"/>
-                <a:ea typeface="+mn-ea"/>
+          <a:p>
+            <a:r>
+              <a:rPr lang="zh-CN" altLang="en-US" sz="1600">
+                <a:latin typeface="+mj-ea"/>
+                <a:ea typeface="+mj-ea"/>
+                <a:cs typeface="+mj-ea"/>
+                <a:sym typeface="+mn-ea"/>
               </a:rPr>
-              <a:t>补充：前台情况下的透传消息不回进入消息中心，所以需要</a:t>
-            </a:r>
-            <a:r>
-              <a:rPr lang="zh-CN" altLang="en-US" sz="1400" dirty="0">
-                <a:latin typeface="+mn-ea"/>
-                <a:ea typeface="+mn-ea"/>
-              </a:rPr>
-              <a:t>调用“</a:t>
-            </a:r>
-            <a:r>
-              <a:rPr lang="en-US" altLang="zh-CN" sz="1400" dirty="0" err="1">
-                <a:latin typeface="+mn-ea"/>
-                <a:ea typeface="+mn-ea"/>
-              </a:rPr>
-              <a:t>createMessage</a:t>
-            </a:r>
-            <a:r>
-              <a:rPr lang="en-US" altLang="zh-CN" sz="1400" dirty="0">
-                <a:latin typeface="+mn-ea"/>
-                <a:ea typeface="+mn-ea"/>
-              </a:rPr>
-              <a:t>”</a:t>
-            </a:r>
-            <a:r>
-              <a:rPr lang="zh-CN" altLang="en-US" sz="1400" dirty="0">
-                <a:latin typeface="+mn-ea"/>
-                <a:ea typeface="+mn-ea"/>
-              </a:rPr>
-              <a:t>接口</a:t>
-            </a:r>
-            <a:r>
-              <a:rPr kumimoji="1" lang="zh-CN" altLang="en-US" sz="1400" dirty="0" smtClean="0">
-                <a:latin typeface="+mn-ea"/>
-                <a:ea typeface="+mn-ea"/>
-              </a:rPr>
-              <a:t>创建一个本地消息，但是</a:t>
-            </a:r>
-            <a:r>
-              <a:rPr lang="zh-CN" altLang="en-US" sz="1400" dirty="0">
-                <a:latin typeface="+mn-ea"/>
-                <a:ea typeface="+mn-ea"/>
-              </a:rPr>
-              <a:t>在</a:t>
-            </a:r>
-            <a:r>
-              <a:rPr lang="en-US" altLang="zh-CN" sz="1400" dirty="0">
-                <a:latin typeface="+mn-ea"/>
-                <a:ea typeface="+mn-ea"/>
-              </a:rPr>
-              <a:t>IOS</a:t>
-            </a:r>
-            <a:r>
-              <a:rPr lang="zh-CN" altLang="en-US" sz="1400" dirty="0">
-                <a:latin typeface="+mn-ea"/>
-                <a:ea typeface="+mn-ea"/>
-              </a:rPr>
-              <a:t>平台，本地消息也会触发监听的“</a:t>
-            </a:r>
-            <a:r>
-              <a:rPr lang="en-US" altLang="zh-CN" sz="1400" dirty="0">
-                <a:latin typeface="+mn-ea"/>
-                <a:ea typeface="+mn-ea"/>
-              </a:rPr>
-              <a:t>receive”</a:t>
-            </a:r>
-            <a:r>
-              <a:rPr lang="zh-CN" altLang="en-US" sz="1400" dirty="0">
-                <a:latin typeface="+mn-ea"/>
-                <a:ea typeface="+mn-ea"/>
-              </a:rPr>
-              <a:t>事件，用户需要通过标识来区分是否是本地创建的消息。</a:t>
-            </a:r>
-            <a:endParaRPr kumimoji="1" lang="zh-CN" altLang="en-US" sz="1400" dirty="0" smtClean="0">
-              <a:latin typeface="+mn-ea"/>
-              <a:ea typeface="+mn-ea"/>
+              <a:t>如果变量在函数内没有声明（没有使用 var 关键字），该变量为全局变量。</a:t>
+            </a:r>
+            <a:endParaRPr lang="zh-CN" altLang="en-US" sz="1600" dirty="0" smtClean="0">
+              <a:latin typeface="+mj-ea"/>
+              <a:ea typeface="+mj-ea"/>
+              <a:cs typeface="+mj-ea"/>
+              <a:sym typeface="+mn-ea"/>
             </a:endParaRPr>
           </a:p>
         </p:txBody>
@@ -5319,6 +5431,167 @@
 </file>
 
 <file path=ppt/slides/slide11.xml><?xml version="1.0" encoding="utf-8"?>
+<p:sld xmlns:a="http://schemas.openxmlformats.org/drawingml/2006/main" xmlns:r="http://schemas.openxmlformats.org/officeDocument/2006/relationships" xmlns:p="http://schemas.openxmlformats.org/presentationml/2006/main">
+  <p:cSld>
+    <p:spTree>
+      <p:nvGrpSpPr>
+        <p:cNvPr id="1" name=""/>
+        <p:cNvGrpSpPr/>
+        <p:nvPr/>
+      </p:nvGrpSpPr>
+      <p:grpSpPr>
+        <a:xfrm>
+          <a:off x="0" y="0"/>
+          <a:ext cx="0" cy="0"/>
+          <a:chOff x="0" y="0"/>
+          <a:chExt cx="0" cy="0"/>
+        </a:xfrm>
+      </p:grpSpPr>
+      <p:sp>
+        <p:nvSpPr>
+          <p:cNvPr id="2" name="幻灯片编号占位符 1"/>
+          <p:cNvSpPr>
+            <a:spLocks noGrp="1"/>
+          </p:cNvSpPr>
+          <p:nvPr>
+            <p:ph type="sldNum" sz="quarter" idx="10"/>
+          </p:nvPr>
+        </p:nvSpPr>
+        <p:spPr/>
+        <p:txBody>
+          <a:bodyPr/>
+          <a:lstStyle/>
+          <a:p>
+            <a:pPr>
+              <a:defRPr/>
+            </a:pPr>
+            <a:fld id="{05F6A23B-73E6-4DF5-9296-CE83C25FC8C1}" type="slidenum">
+              <a:rPr lang="en-US" smtClean="0"/>
+            </a:fld>
+            <a:endParaRPr lang="en-US" dirty="0"/>
+          </a:p>
+        </p:txBody>
+      </p:sp>
+      <p:sp>
+        <p:nvSpPr>
+          <p:cNvPr id="3" name="标题 2"/>
+          <p:cNvSpPr>
+            <a:spLocks noGrp="1"/>
+          </p:cNvSpPr>
+          <p:nvPr>
+            <p:ph type="title"/>
+          </p:nvPr>
+        </p:nvSpPr>
+        <p:spPr/>
+        <p:txBody>
+          <a:bodyPr/>
+          <a:lstStyle/>
+          <a:p>
+            <a:r>
+              <a:rPr kumimoji="1" lang="en-US" altLang="zh-CN" dirty="0"/>
+              <a:t>js</a:t>
+            </a:r>
+            <a:r>
+              <a:rPr kumimoji="1" lang="zh-CN" altLang="en-US" dirty="0"/>
+              <a:t>变量提升</a:t>
+            </a:r>
+            <a:endParaRPr kumimoji="1" lang="zh-CN" altLang="en-US" dirty="0"/>
+          </a:p>
+        </p:txBody>
+      </p:sp>
+      <p:sp>
+        <p:nvSpPr>
+          <p:cNvPr id="5" name="内容占位符 4"/>
+          <p:cNvSpPr/>
+          <p:nvPr>
+            <p:ph idx="12"/>
+          </p:nvPr>
+        </p:nvSpPr>
+        <p:spPr>
+          <a:xfrm>
+            <a:off x="360045" y="1007745"/>
+            <a:ext cx="3959860" cy="5476875"/>
+          </a:xfrm>
+        </p:spPr>
+        <p:txBody>
+          <a:bodyPr/>
+          <a:p>
+            <a:r>
+              <a:rPr lang="zh-CN" altLang="en-US"/>
+              <a:t>之前一直觉会认为javascript代码执行是由上到下一行行执行的</a:t>
+            </a:r>
+            <a:endParaRPr lang="zh-CN" altLang="en-US"/>
+          </a:p>
+          <a:p>
+            <a:endParaRPr lang="zh-CN" altLang="en-US"/>
+          </a:p>
+          <a:p>
+            <a:endParaRPr lang="zh-CN" altLang="en-US"/>
+          </a:p>
+          <a:p>
+            <a:endParaRPr lang="zh-CN" altLang="en-US"/>
+          </a:p>
+          <a:p>
+            <a:endParaRPr lang="zh-CN" altLang="en-US"/>
+          </a:p>
+          <a:p>
+            <a:endParaRPr lang="zh-CN" altLang="en-US"/>
+          </a:p>
+          <a:p>
+            <a:r>
+              <a:rPr lang="zh-CN" altLang="en-US"/>
+              <a:t>引擎解释javascript代码的之前会对其进行编译。在编译过程中会查找所有声明，并用合适作用域将他们关联起来。换句话说，在代码执行之前，会对作用域链中所有变量和函数声明先处理完先。所以，当遇到var a='hello world'中是 var a是先在编译阶段执行，然后在执行a='hello world'。</a:t>
+            </a:r>
+            <a:endParaRPr lang="zh-CN" altLang="en-US"/>
+          </a:p>
+        </p:txBody>
+      </p:sp>
+      <p:pic>
+        <p:nvPicPr>
+          <p:cNvPr id="17411" name="图片 4"/>
+          <p:cNvPicPr>
+            <a:picLocks noChangeAspect="1"/>
+          </p:cNvPicPr>
+          <p:nvPr>
+            <p:ph idx="13"/>
+          </p:nvPr>
+        </p:nvPicPr>
+        <p:blipFill>
+          <a:blip r:embed="rId1"/>
+          <a:stretch>
+            <a:fillRect/>
+          </a:stretch>
+        </p:blipFill>
+        <p:spPr>
+          <a:xfrm>
+            <a:off x="4731385" y="2057400"/>
+            <a:ext cx="3794760" cy="1937385"/>
+          </a:xfrm>
+          <a:prstGeom prst="rect">
+            <a:avLst/>
+          </a:prstGeom>
+          <a:noFill/>
+          <a:ln w="9525">
+            <a:noFill/>
+          </a:ln>
+        </p:spPr>
+      </p:pic>
+    </p:spTree>
+  </p:cSld>
+  <p:clrMapOvr>
+    <a:masterClrMapping/>
+  </p:clrMapOvr>
+  <p:timing>
+    <p:tnLst>
+      <p:par>
+        <p:cTn id="1" dur="indefinite" restart="never" nodeType="tmRoot"/>
+      </p:par>
+    </p:tnLst>
+  </p:timing>
+</p:sld>
+</file>
+
+<file path=ppt/slides/slide12.xml><?xml version="1.0" encoding="utf-8"?>
 <p:sld xmlns:a="http://schemas.openxmlformats.org/drawingml/2006/main" xmlns:r="http://schemas.openxmlformats.org/officeDocument/2006/relationships" xmlns:p="http://schemas.openxmlformats.org/presentationml/2006/main">
   <p:cSld>
     <p:spTree>
@@ -5876,6 +6149,63 @@
           </a:p>
         </p:txBody>
       </p:sp>
+      <p:sp>
+        <p:nvSpPr>
+          <p:cNvPr id="5" name="内容占位符 4"/>
+          <p:cNvSpPr>
+            <a:spLocks noGrp="1"/>
+          </p:cNvSpPr>
+          <p:nvPr>
+            <p:ph idx="1"/>
+          </p:nvPr>
+        </p:nvSpPr>
+        <p:spPr>
+          <a:xfrm>
+            <a:off x="539552" y="1196752"/>
+            <a:ext cx="7092448" cy="4959248"/>
+          </a:xfrm>
+        </p:spPr>
+        <p:txBody>
+          <a:bodyPr/>
+          <a:p>
+            <a:pPr latinLnBrk="1"/>
+            <a:r>
+              <a:rPr lang="en-US" altLang="zh-CN" u="sng" dirty="0">
+                <a:solidFill>
+                  <a:schemeClr val="tx1"/>
+                </a:solidFill>
+              </a:rPr>
+              <a:t>js变量的类型有哪些？</a:t>
+            </a:r>
+            <a:endParaRPr lang="en-US" altLang="zh-CN" u="sng" dirty="0">
+              <a:solidFill>
+                <a:schemeClr val="tx1"/>
+              </a:solidFill>
+            </a:endParaRPr>
+          </a:p>
+          <a:p>
+            <a:r>
+              <a:rPr u="sng" smtClean="0"/>
+              <a:t>如何判断一个变量的类型</a:t>
+            </a:r>
+            <a:r>
+              <a:rPr lang="zh-CN" u="sng" smtClean="0"/>
+              <a:t>？</a:t>
+            </a:r>
+            <a:endParaRPr u="sng" smtClean="0"/>
+          </a:p>
+          <a:p>
+            <a:r>
+              <a:t>js的强制类型转换</a:t>
+            </a:r>
+            <a:r>
+              <a:rPr lang="zh-CN"/>
+              <a:t>有哪些？</a:t>
+            </a:r>
+            <a:endParaRPr lang="zh-CN" u="sng" dirty="0"/>
+          </a:p>
+        </p:txBody>
+      </p:sp>
     </p:spTree>
   </p:cSld>
   <p:clrMapOvr>
@@ -5910,372 +6240,121 @@
       </p:grpSpPr>
       <p:sp>
         <p:nvSpPr>
-          <p:cNvPr id="2" name="内容占位符 1"/>
+          <p:cNvPr id="3" name="幻灯片编号占位符 2"/>
           <p:cNvSpPr>
             <a:spLocks noGrp="1"/>
           </p:cNvSpPr>
           <p:nvPr>
-            <p:ph idx="1"/>
+            <p:ph type="sldNum" sz="quarter" idx="10"/>
           </p:nvPr>
         </p:nvSpPr>
         <p:spPr>
           <a:xfrm>
-            <a:off x="539552" y="1196752"/>
-            <a:ext cx="7092448" cy="4959248"/>
+            <a:off x="7446645" y="6551930"/>
+            <a:ext cx="1691640" cy="304800"/>
           </a:xfrm>
         </p:spPr>
         <p:txBody>
           <a:bodyPr/>
           <a:lstStyle/>
           <a:p>
-            <a:pPr latinLnBrk="1"/>
-            <a:r>
-              <a:rPr lang="en-US" altLang="zh-CN" dirty="0" err="1">
-                <a:solidFill>
-                  <a:schemeClr val="tx1"/>
-                </a:solidFill>
-              </a:rPr>
-              <a:t>Node.js</a:t>
-            </a:r>
-            <a:r>
-              <a:rPr lang="en-US" altLang="zh-CN" dirty="0">
-                <a:solidFill>
-                  <a:schemeClr val="tx1"/>
-                </a:solidFill>
-              </a:rPr>
-              <a:t> </a:t>
-            </a:r>
-            <a:r>
-              <a:rPr lang="zh-CN" altLang="en-US" dirty="0">
-                <a:solidFill>
-                  <a:schemeClr val="tx1"/>
-                </a:solidFill>
-              </a:rPr>
-              <a:t>是一个基于</a:t>
-            </a:r>
-            <a:r>
-              <a:rPr lang="en-US" altLang="zh-CN" dirty="0">
-                <a:solidFill>
-                  <a:schemeClr val="tx1"/>
-                </a:solidFill>
-              </a:rPr>
-              <a:t>Chrome JavaScript </a:t>
-            </a:r>
-            <a:r>
-              <a:rPr lang="zh-CN" altLang="en-US" dirty="0">
-                <a:solidFill>
-                  <a:schemeClr val="tx1"/>
-                </a:solidFill>
-              </a:rPr>
-              <a:t>运行时建立的一个平台</a:t>
-            </a:r>
-            <a:r>
-              <a:rPr lang="zh-CN" altLang="en-US" dirty="0" smtClean="0">
-                <a:solidFill>
-                  <a:schemeClr val="tx1"/>
-                </a:solidFill>
-              </a:rPr>
-              <a:t>。</a:t>
-            </a:r>
-            <a:endParaRPr lang="en-US" altLang="zh-CN" dirty="0" smtClean="0">
-              <a:solidFill>
-                <a:schemeClr val="tx1"/>
-              </a:solidFill>
-            </a:endParaRPr>
-          </a:p>
-          <a:p>
-            <a:pPr latinLnBrk="1"/>
-            <a:r>
-              <a:rPr lang="en-US" altLang="zh-CN" dirty="0">
-                <a:solidFill>
-                  <a:schemeClr val="tx1"/>
-                </a:solidFill>
-                <a:hlinkClick r:id="rId1"/>
-              </a:rPr>
-              <a:t>Node</a:t>
-            </a:r>
-            <a:r>
-              <a:rPr lang="zh-CN" altLang="en-US" dirty="0">
-                <a:solidFill>
-                  <a:schemeClr val="tx1"/>
-                </a:solidFill>
-                <a:hlinkClick r:id="rId1"/>
-              </a:rPr>
-              <a:t>下载地址：</a:t>
-            </a:r>
-            <a:endParaRPr lang="en-US" altLang="zh-CN" dirty="0">
-              <a:solidFill>
-                <a:schemeClr val="tx1"/>
-              </a:solidFill>
-              <a:hlinkClick r:id="rId1"/>
-            </a:endParaRPr>
-          </a:p>
-          <a:p>
-            <a:pPr lvl="1" latinLnBrk="1"/>
-            <a:r>
-              <a:rPr lang="en-US" altLang="zh-CN" u="sng" dirty="0" smtClean="0">
-                <a:solidFill>
-                  <a:schemeClr val="tx1"/>
-                </a:solidFill>
-                <a:hlinkClick r:id="rId1"/>
-              </a:rPr>
-              <a:t>http</a:t>
-            </a:r>
+            <a:pPr>
+              <a:defRPr/>
+            </a:pPr>
+            <a:r>
+              <a:rPr lang="en-US" dirty="0"/>
+              <a:t>code1</a:t>
+            </a:r>
+            <a:endParaRPr lang="en-US" dirty="0"/>
+          </a:p>
+        </p:txBody>
+      </p:sp>
+      <p:sp>
+        <p:nvSpPr>
+          <p:cNvPr id="4" name="标题 3"/>
+          <p:cNvSpPr>
+            <a:spLocks noGrp="1"/>
+          </p:cNvSpPr>
+          <p:nvPr>
+            <p:ph type="title"/>
+          </p:nvPr>
+        </p:nvSpPr>
+        <p:spPr/>
+        <p:txBody>
+          <a:bodyPr/>
+          <a:lstStyle/>
+          <a:p>
             <a:r>
               <a:rPr lang="en-US" altLang="zh-CN" u="sng" dirty="0">
                 <a:solidFill>
                   <a:schemeClr val="tx1"/>
                 </a:solidFill>
-                <a:hlinkClick r:id="rId1"/>
+                <a:sym typeface="+mn-ea"/>
               </a:rPr>
-              <a:t>://nodejs.cn/download</a:t>
-            </a:r>
-            <a:r>
-              <a:rPr lang="en-US" altLang="zh-CN" u="sng" dirty="0" smtClean="0">
-                <a:solidFill>
-                  <a:schemeClr val="tx1"/>
-                </a:solidFill>
-                <a:hlinkClick r:id="rId1"/>
-              </a:rPr>
-              <a:t>/</a:t>
-            </a:r>
-            <a:endParaRPr lang="zh-CN" altLang="en-US" dirty="0">
-              <a:solidFill>
-                <a:schemeClr val="tx1"/>
-              </a:solidFill>
-            </a:endParaRPr>
-          </a:p>
-          <a:p>
-            <a:r>
-              <a:rPr lang="zh-CN" altLang="en-US" u="sng" dirty="0" smtClean="0">
-                <a:solidFill>
-                  <a:schemeClr val="tx1"/>
-                </a:solidFill>
-                <a:latin typeface="+mj-ea"/>
-                <a:ea typeface="+mj-ea"/>
-                <a:hlinkClick r:id="rId2"/>
-              </a:rPr>
-              <a:t>菜鸟的</a:t>
-            </a:r>
-            <a:r>
-              <a:rPr lang="en-US" altLang="zh-CN" u="sng" dirty="0" smtClean="0">
-                <a:solidFill>
-                  <a:schemeClr val="tx1"/>
-                </a:solidFill>
-                <a:latin typeface="+mj-ea"/>
-                <a:ea typeface="+mj-ea"/>
-                <a:hlinkClick r:id="rId2"/>
-              </a:rPr>
-              <a:t>node</a:t>
-            </a:r>
-            <a:r>
-              <a:rPr lang="zh-CN" altLang="en-US" u="sng" dirty="0" smtClean="0">
-                <a:solidFill>
-                  <a:schemeClr val="tx1"/>
-                </a:solidFill>
-                <a:latin typeface="+mj-ea"/>
-                <a:ea typeface="+mj-ea"/>
-                <a:hlinkClick r:id="rId2"/>
-              </a:rPr>
-              <a:t>教程： </a:t>
-            </a:r>
-            <a:endParaRPr lang="en-US" altLang="zh-CN" u="sng" dirty="0" smtClean="0">
-              <a:solidFill>
-                <a:schemeClr val="tx1"/>
-              </a:solidFill>
-              <a:latin typeface="+mj-ea"/>
-              <a:ea typeface="+mj-ea"/>
-              <a:hlinkClick r:id="rId2"/>
-            </a:endParaRPr>
-          </a:p>
-          <a:p>
-            <a:pPr lvl="1"/>
-            <a:r>
-              <a:rPr lang="en-US" altLang="zh-CN" u="sng" dirty="0" smtClean="0">
-                <a:solidFill>
-                  <a:schemeClr val="tx1"/>
-                </a:solidFill>
-                <a:hlinkClick r:id="rId2"/>
-              </a:rPr>
-              <a:t>https</a:t>
-            </a:r>
-            <a:r>
-              <a:rPr lang="en-US" altLang="zh-CN" u="sng" dirty="0">
-                <a:solidFill>
-                  <a:schemeClr val="tx1"/>
-                </a:solidFill>
-                <a:hlinkClick r:id="rId2"/>
-              </a:rPr>
-              <a:t>://www.runoob.com/nodejs/nodejs-install-setup.html</a:t>
-            </a:r>
-            <a:endParaRPr lang="en-US" altLang="zh-CN" u="sng" dirty="0">
-              <a:solidFill>
-                <a:schemeClr val="tx1"/>
-              </a:solidFill>
-            </a:endParaRPr>
-          </a:p>
-          <a:p>
-            <a:endParaRPr lang="en-US" altLang="zh-CN" u="sng" dirty="0" smtClean="0"/>
-          </a:p>
-          <a:p>
-            <a:r>
-              <a:rPr lang="zh-CN" altLang="en-US" u="sng" dirty="0" smtClean="0"/>
-              <a:t>安装</a:t>
-            </a:r>
-            <a:r>
-              <a:rPr lang="en-US" altLang="zh-CN" u="sng" dirty="0" smtClean="0"/>
-              <a:t>Node</a:t>
-            </a:r>
-            <a:r>
-              <a:rPr lang="zh-CN" altLang="en-US" u="sng" dirty="0" smtClean="0"/>
-              <a:t>主要是为</a:t>
-            </a:r>
-            <a:r>
-              <a:rPr lang="en-US" altLang="zh-CN" u="sng" dirty="0" err="1" smtClean="0"/>
-              <a:t>npm</a:t>
-            </a:r>
-            <a:endParaRPr lang="en-US" altLang="zh-CN" u="sng" dirty="0" smtClean="0"/>
-          </a:p>
-          <a:p>
-            <a:pPr latinLnBrk="1"/>
-            <a:r>
-              <a:rPr lang="en-US" altLang="zh-CN" dirty="0"/>
-              <a:t>NPM</a:t>
-            </a:r>
-            <a:r>
-              <a:rPr lang="zh-CN" altLang="en-US" dirty="0"/>
-              <a:t>是随同</a:t>
-            </a:r>
-            <a:r>
-              <a:rPr lang="en-US" altLang="zh-CN" dirty="0" err="1"/>
-              <a:t>NodeJS</a:t>
-            </a:r>
-            <a:r>
-              <a:rPr lang="zh-CN" altLang="en-US" dirty="0"/>
-              <a:t>一起安装的包管理工具，能解决</a:t>
-            </a:r>
-            <a:r>
-              <a:rPr lang="en-US" altLang="zh-CN" dirty="0" err="1"/>
-              <a:t>NodeJS</a:t>
-            </a:r>
-            <a:r>
-              <a:rPr lang="zh-CN" altLang="en-US" dirty="0"/>
-              <a:t>代码部署上的很多</a:t>
-            </a:r>
-            <a:r>
-              <a:rPr lang="zh-CN" altLang="en-US" dirty="0" smtClean="0"/>
-              <a:t>问题</a:t>
-            </a:r>
-            <a:endParaRPr lang="en-US" altLang="zh-CN" dirty="0" smtClean="0"/>
-          </a:p>
-          <a:p>
-            <a:pPr latinLnBrk="1"/>
-            <a:r>
-              <a:rPr lang="zh-CN" altLang="en-US" dirty="0" smtClean="0"/>
-              <a:t>允许</a:t>
-            </a:r>
-            <a:r>
-              <a:rPr lang="zh-CN" altLang="en-US" dirty="0"/>
-              <a:t>用户从</a:t>
-            </a:r>
-            <a:r>
-              <a:rPr lang="en-US" altLang="zh-CN" dirty="0"/>
-              <a:t>NPM</a:t>
-            </a:r>
-            <a:r>
-              <a:rPr lang="zh-CN" altLang="en-US" dirty="0"/>
-              <a:t>服务器下载别人编写的第三方包到本地使用。</a:t>
-            </a:r>
-            <a:endParaRPr lang="zh-CN" altLang="en-US" dirty="0"/>
-          </a:p>
-          <a:p>
-            <a:pPr latinLnBrk="1"/>
-            <a:r>
-              <a:rPr lang="zh-CN" altLang="en-US" dirty="0"/>
-              <a:t>允许用户从</a:t>
-            </a:r>
-            <a:r>
-              <a:rPr lang="en-US" altLang="zh-CN" dirty="0"/>
-              <a:t>NPM</a:t>
-            </a:r>
-            <a:r>
-              <a:rPr lang="zh-CN" altLang="en-US" dirty="0"/>
-              <a:t>服务器下载并安装别人编写的命令行程序到本地使用。</a:t>
-            </a:r>
-            <a:endParaRPr lang="zh-CN" altLang="en-US" dirty="0"/>
-          </a:p>
-          <a:p>
-            <a:pPr latinLnBrk="1"/>
-            <a:r>
-              <a:rPr lang="zh-CN" altLang="en-US" dirty="0"/>
-              <a:t>允许用户将自己编写的包或命令行程序上传到</a:t>
-            </a:r>
-            <a:r>
-              <a:rPr lang="en-US" altLang="zh-CN" dirty="0"/>
-              <a:t>NPM</a:t>
-            </a:r>
-            <a:r>
-              <a:rPr lang="zh-CN" altLang="en-US" dirty="0"/>
-              <a:t>服务器供别人使用</a:t>
-            </a:r>
-            <a:endParaRPr lang="zh-CN" altLang="en-US" dirty="0"/>
-          </a:p>
-          <a:p>
-            <a:endParaRPr lang="en-US" altLang="zh-CN" u="sng" dirty="0" smtClean="0"/>
-          </a:p>
-          <a:p>
-            <a:endParaRPr lang="en-US" altLang="zh-CN" u="sng" dirty="0"/>
-          </a:p>
-        </p:txBody>
-      </p:sp>
-      <p:sp>
-        <p:nvSpPr>
-          <p:cNvPr id="3" name="幻灯片编号占位符 2"/>
-          <p:cNvSpPr>
-            <a:spLocks noGrp="1"/>
-          </p:cNvSpPr>
-          <p:nvPr>
-            <p:ph type="sldNum" sz="quarter" idx="10"/>
-          </p:nvPr>
-        </p:nvSpPr>
-        <p:spPr/>
-        <p:txBody>
-          <a:bodyPr/>
-          <a:lstStyle/>
-          <a:p>
-            <a:pPr>
-              <a:defRPr/>
-            </a:pPr>
-            <a:fld id="{D4FE18B1-0DDD-4E8B-8EAA-9840798265F0}" type="slidenum">
-              <a:rPr lang="en-US" smtClean="0"/>
-            </a:fld>
-            <a:endParaRPr lang="en-US" dirty="0"/>
-          </a:p>
-        </p:txBody>
-      </p:sp>
-      <p:sp>
-        <p:nvSpPr>
-          <p:cNvPr id="4" name="标题 3"/>
-          <p:cNvSpPr>
-            <a:spLocks noGrp="1"/>
-          </p:cNvSpPr>
-          <p:nvPr>
-            <p:ph type="title"/>
-          </p:nvPr>
-        </p:nvSpPr>
-        <p:spPr/>
-        <p:txBody>
-          <a:bodyPr/>
-          <a:lstStyle/>
-          <a:p>
-            <a:r>
-              <a:rPr kumimoji="1" lang="en-US" altLang="zh-CN" dirty="0" smtClean="0"/>
-              <a:t>Node</a:t>
+              <a:t>js变量的类型有哪些？</a:t>
             </a:r>
             <a:endParaRPr kumimoji="1" lang="zh-CN" altLang="en-US" dirty="0"/>
           </a:p>
         </p:txBody>
       </p:sp>
+      <p:pic>
+        <p:nvPicPr>
+          <p:cNvPr id="8193" name="图片 3"/>
+          <p:cNvPicPr>
+            <a:picLocks noChangeAspect="1"/>
+          </p:cNvPicPr>
+          <p:nvPr>
+            <p:ph idx="1"/>
+          </p:nvPr>
+        </p:nvPicPr>
+        <p:blipFill>
+          <a:blip r:embed="rId1"/>
+          <a:stretch>
+            <a:fillRect/>
+          </a:stretch>
+        </p:blipFill>
+        <p:spPr>
+          <a:xfrm>
+            <a:off x="483870" y="805180"/>
+            <a:ext cx="6120130" cy="2785110"/>
+          </a:xfrm>
+          <a:prstGeom prst="rect">
+            <a:avLst/>
+          </a:prstGeom>
+          <a:noFill/>
+          <a:ln w="9525">
+            <a:noFill/>
+          </a:ln>
+        </p:spPr>
+      </p:pic>
+      <p:pic>
+        <p:nvPicPr>
+          <p:cNvPr id="8195" name="图片 4"/>
+          <p:cNvPicPr>
+            <a:picLocks noChangeAspect="1"/>
+          </p:cNvPicPr>
+          <p:nvPr/>
+        </p:nvPicPr>
+        <p:blipFill>
+          <a:blip r:embed="rId2"/>
+          <a:stretch>
+            <a:fillRect/>
+          </a:stretch>
+        </p:blipFill>
+        <p:spPr>
+          <a:xfrm>
+            <a:off x="483870" y="3658870"/>
+            <a:ext cx="5303838" cy="2767013"/>
+          </a:xfrm>
+          <a:prstGeom prst="rect">
+            <a:avLst/>
+          </a:prstGeom>
+          <a:noFill/>
+          <a:ln w="9525">
+            <a:noFill/>
+          </a:ln>
+        </p:spPr>
+      </p:pic>
     </p:spTree>
   </p:cSld>
   <p:clrMapOvr>
@@ -6329,87 +6408,38 @@
           <a:lstStyle/>
           <a:p>
             <a:r>
-              <a:rPr lang="en-US" altLang="zh-CN" dirty="0" err="1"/>
-              <a:t>Gulp.js</a:t>
-            </a:r>
-            <a:r>
-              <a:rPr lang="en-US" altLang="zh-CN" dirty="0"/>
-              <a:t> </a:t>
-            </a:r>
-            <a:r>
-              <a:rPr lang="zh-CN" altLang="en-US" dirty="0"/>
-              <a:t>是一个自动化构建工具</a:t>
-            </a:r>
-            <a:r>
-              <a:rPr lang="en-US" altLang="zh-CN" dirty="0"/>
-              <a:t>,</a:t>
-            </a:r>
-            <a:r>
-              <a:rPr lang="zh-CN" altLang="en-US" dirty="0"/>
-              <a:t>开发者可以使用它在项目开发过程中自动执行常见任务。</a:t>
-            </a:r>
-            <a:r>
-              <a:rPr lang="en-US" altLang="zh-CN" dirty="0" err="1"/>
-              <a:t>Gulp.js</a:t>
-            </a:r>
-            <a:r>
-              <a:rPr lang="en-US" altLang="zh-CN" dirty="0"/>
-              <a:t> </a:t>
-            </a:r>
-            <a:r>
-              <a:rPr lang="zh-CN" altLang="en-US" dirty="0"/>
-              <a:t>是基于 </a:t>
-            </a:r>
-            <a:r>
-              <a:rPr lang="en-US" altLang="zh-CN" dirty="0" err="1"/>
-              <a:t>Node.js</a:t>
-            </a:r>
-            <a:r>
-              <a:rPr lang="en-US" altLang="zh-CN" dirty="0"/>
-              <a:t> </a:t>
-            </a:r>
-            <a:r>
-              <a:rPr lang="zh-CN" altLang="en-US" dirty="0"/>
-              <a:t>构建的</a:t>
-            </a:r>
-            <a:r>
-              <a:rPr lang="en-US" altLang="zh-CN" dirty="0"/>
-              <a:t>,</a:t>
-            </a:r>
-            <a:r>
-              <a:rPr lang="zh-CN" altLang="en-US" dirty="0"/>
-              <a:t>利用 </a:t>
-            </a:r>
-            <a:r>
-              <a:rPr lang="en-US" altLang="zh-CN" dirty="0" err="1"/>
-              <a:t>Node.js</a:t>
-            </a:r>
-            <a:r>
-              <a:rPr lang="en-US" altLang="zh-CN" dirty="0"/>
-              <a:t> </a:t>
-            </a:r>
-            <a:r>
-              <a:rPr lang="zh-CN" altLang="en-US" dirty="0"/>
-              <a:t>流的威力</a:t>
-            </a:r>
-            <a:r>
-              <a:rPr lang="en-US" altLang="zh-CN" dirty="0"/>
-              <a:t>,</a:t>
-            </a:r>
-            <a:r>
-              <a:rPr lang="zh-CN" altLang="en-US" dirty="0"/>
-              <a:t>你可以快速构建</a:t>
-            </a:r>
-            <a:r>
-              <a:rPr lang="zh-CN" altLang="en-US" dirty="0" smtClean="0"/>
-              <a:t>项目</a:t>
-            </a:r>
-            <a:r>
-              <a:rPr lang="zh-CN" altLang="en-US" dirty="0"/>
-              <a:t>。</a:t>
+              <a:rPr kumimoji="1" lang="zh-CN" altLang="en-US" dirty="0"/>
+              <a:t>typeof</a:t>
             </a:r>
             <a:endParaRPr kumimoji="1" lang="zh-CN" altLang="en-US" dirty="0"/>
           </a:p>
+          <a:p>
+            <a:r>
+              <a:rPr kumimoji="1" lang="zh-CN" altLang="en-US" dirty="0"/>
+              <a:t>用于判断一个一个表达式，（对象或者原始值），返回一个字符串。</a:t>
+            </a:r>
+            <a:endParaRPr kumimoji="1" lang="zh-CN" altLang="en-US" dirty="0"/>
+          </a:p>
+          <a:p>
+            <a:endParaRPr kumimoji="1" lang="zh-CN" altLang="en-US" dirty="0"/>
+          </a:p>
+          <a:p>
+            <a:endParaRPr kumimoji="1" lang="zh-CN" altLang="en-US" dirty="0"/>
+          </a:p>
+          <a:p>
+            <a:r>
+              <a:rPr kumimoji="1" lang="zh-CN" altLang="en-US" dirty="0"/>
+              <a:t>instanceof</a:t>
+            </a:r>
+            <a:endParaRPr kumimoji="1" lang="zh-CN" altLang="en-US" dirty="0"/>
+          </a:p>
+          <a:p>
+            <a:r>
+              <a:rPr kumimoji="1" lang="zh-CN" altLang="en-US" dirty="0"/>
+              <a:t>instanceof 运算符用来测试一个对象在其原型链中是否存在一个构造函数的 prototype 属性。</a:t>
+            </a:r>
+            <a:endParaRPr kumimoji="1" lang="zh-CN" altLang="en-US" dirty="0"/>
+          </a:p>
         </p:txBody>
       </p:sp>
       <p:sp>
@@ -6422,7 +6452,12 @@
             <p:ph type="sldNum" sz="quarter" idx="10"/>
           </p:nvPr>
         </p:nvSpPr>
-        <p:spPr/>
+        <p:spPr>
+          <a:xfrm>
+            <a:off x="7061835" y="6551930"/>
+            <a:ext cx="2076450" cy="304800"/>
+          </a:xfrm>
+        </p:spPr>
         <p:txBody>
           <a:bodyPr/>
           <a:lstStyle/>
@@ -6430,9 +6465,10 @@
             <a:pPr>
               <a:defRPr/>
             </a:pPr>
-            <a:fld id="{D4FE18B1-0DDD-4E8B-8EAA-9840798265F0}" type="slidenum">
+            <a:r>
               <a:rPr lang="en-US" smtClean="0"/>
-            </a:fld>
+              <a:t>code1</a:t>
+            </a:r>
             <a:endParaRPr lang="en-US" dirty="0"/>
           </a:p>
         </p:txBody>
@@ -6453,43 +6489,28 @@
           <a:lstStyle/>
           <a:p>
             <a:r>
-              <a:rPr kumimoji="1" lang="en-US" altLang="zh-CN" dirty="0" smtClean="0"/>
-              <a:t>gulp</a:t>
+              <a:rPr lang="zh-CN" altLang="en-US">
+                <a:solidFill>
+                  <a:schemeClr val="tx1"/>
+                </a:solidFill>
+                <a:effectLst>
+                  <a:outerShdw blurRad="38100" dist="19050" dir="2700000" algn="tl" rotWithShape="0">
+                    <a:schemeClr val="dk1">
+                      <a:alpha val="40000"/>
+                    </a:schemeClr>
+                  </a:outerShdw>
+                </a:effectLst>
+                <a:latin typeface="Arial" panose="020B0604020202020204" pitchFamily="34" charset="0"/>
+                <a:ea typeface="宋体" panose="02010600030101010101" pitchFamily="2" charset="-122"/>
+                <a:cs typeface="+mn-cs"/>
+                <a:sym typeface="+mn-ea"/>
+              </a:rPr>
+              <a:t>如何判断一个变量的类型</a:t>
             </a:r>
             <a:endParaRPr kumimoji="1" lang="zh-CN" altLang="en-US" dirty="0"/>
           </a:p>
         </p:txBody>
       </p:sp>
-      <p:pic>
-        <p:nvPicPr>
-          <p:cNvPr id="5" name="图片 4"/>
-          <p:cNvPicPr>
-            <a:picLocks noChangeAspect="1"/>
-          </p:cNvPicPr>
-          <p:nvPr/>
-        </p:nvPicPr>
-        <p:blipFill>
-          <a:blip r:embed="rId1">
-            <a:extLst>
-              <a:ext uri="{28A0092B-C50C-407E-A947-70E740481C1C}">
-                <a14:useLocalDpi xmlns:a14="http://schemas.microsoft.com/office/drawing/2010/main" val="0"/>
-              </a:ext>
-            </a:extLst>
-          </a:blip>
-          <a:stretch>
-            <a:fillRect/>
-          </a:stretch>
-        </p:blipFill>
-        <p:spPr>
-          <a:xfrm>
-            <a:off x="308955" y="2054960"/>
-            <a:ext cx="8564757" cy="4649440"/>
-          </a:xfrm>
-          <a:prstGeom prst="rect">
-            <a:avLst/>
-          </a:prstGeom>
-        </p:spPr>
-      </p:pic>
     </p:spTree>
   </p:cSld>
   <p:clrMapOvr>
@@ -6498,83 +6519,7 @@
   <p:timing>
     <p:tnLst>
       <p:par>
-        <p:cTn id="1" dur="indefinite" restart="never" nodeType="tmRoot">
-          <p:childTnLst>
-            <p:seq concurrent="1" nextAc="seek">
-              <p:cTn id="2" dur="indefinite" nodeType="mainSeq">
-                <p:childTnLst>
-                  <p:par>
-                    <p:cTn id="3" fill="hold">
-                      <p:stCondLst>
-                        <p:cond delay="indefinite"/>
-                      </p:stCondLst>
-                      <p:childTnLst>
-                        <p:par>
-                          <p:cTn id="4" fill="hold">
-                            <p:stCondLst>
-                              <p:cond delay="0"/>
-                            </p:stCondLst>
-                            <p:childTnLst>
-                              <p:par>
-                                <p:cTn id="5" presetID="3" presetClass="entr" presetSubtype="10" fill="hold" nodeType="clickEffect">
-                                  <p:stCondLst>
-                                    <p:cond delay="0"/>
-                                  </p:stCondLst>
-                                  <p:childTnLst>
-                                    <p:set>
-                                      <p:cBhvr>
-                                        <p:cTn id="6" dur="1" fill="hold">
-                                          <p:stCondLst>
-                                            <p:cond delay="0"/>
-                                          </p:stCondLst>
-                                        </p:cTn>
-                                        <p:tgtEl>
-                                          <p:spTgt spid="5"/>
-                                        </p:tgtEl>
-                                        <p:attrNameLst>
-                                          <p:attrName>style.visibility</p:attrName>
-                                        </p:attrNameLst>
-                                      </p:cBhvr>
-                                      <p:to>
-                                        <p:strVal val="visible"/>
-                                      </p:to>
-                                    </p:set>
-                                    <p:animEffect transition="in" filter="blinds(horizontal)">
-                                      <p:cBhvr>
-                                        <p:cTn id="7" dur="500"/>
-                                        <p:tgtEl>
-                                          <p:spTgt spid="5"/>
-                                        </p:tgtEl>
-                                      </p:cBhvr>
-                                    </p:animEffect>
-                                  </p:childTnLst>
-                                </p:cTn>
-                              </p:par>
-                            </p:childTnLst>
-                          </p:cTn>
-                        </p:par>
-                      </p:childTnLst>
-                    </p:cTn>
-                  </p:par>
-                </p:childTnLst>
-              </p:cTn>
-              <p:prevCondLst>
-                <p:cond evt="onPrev" delay="0">
-                  <p:tgtEl>
-                    <p:sldTgt/>
-                  </p:tgtEl>
-                </p:cond>
-              </p:prevCondLst>
-              <p:nextCondLst>
-                <p:cond evt="onNext" delay="0">
-                  <p:tgtEl>
-                    <p:sldTgt/>
-                  </p:tgtEl>
-                </p:cond>
-              </p:nextCondLst>
-            </p:seq>
-          </p:childTnLst>
-        </p:cTn>
+        <p:cTn id="1" dur="indefinite" restart="never" nodeType="tmRoot"/>
       </p:par>
     </p:tnLst>
   </p:timing>
@@ -6600,55 +6545,20 @@
       </p:grpSpPr>
       <p:sp>
         <p:nvSpPr>
-          <p:cNvPr id="2" name="内容占位符 1"/>
+          <p:cNvPr id="3" name="幻灯片编号占位符 2"/>
           <p:cNvSpPr>
             <a:spLocks noGrp="1"/>
           </p:cNvSpPr>
           <p:nvPr>
-            <p:ph idx="1"/>
+            <p:ph type="sldNum" sz="quarter" idx="10"/>
           </p:nvPr>
         </p:nvSpPr>
         <p:spPr>
           <a:xfrm>
-            <a:off x="359999" y="1052736"/>
-            <a:ext cx="8316457" cy="5112568"/>
-          </a:xfrm>
-        </p:spPr>
-        <p:txBody>
-          <a:bodyPr/>
-          <a:lstStyle/>
-          <a:p>
-            <a:r>
-              <a:rPr lang="zh-CN" altLang="en-US" dirty="0"/>
-              <a:t>一个终端设备适配的解决</a:t>
-            </a:r>
-            <a:r>
-              <a:rPr lang="zh-CN" altLang="en-US"/>
-              <a:t>方案</a:t>
-            </a:r>
-            <a:r>
-              <a:rPr lang="zh-CN" altLang="en-US" smtClean="0"/>
-              <a:t>。它</a:t>
-            </a:r>
-            <a:r>
-              <a:rPr lang="zh-CN" altLang="en-US" dirty="0"/>
-              <a:t>可以让你在不同的终端设备中实现页面适配</a:t>
-            </a:r>
-            <a:endParaRPr kumimoji="1" lang="zh-CN" altLang="en-US" dirty="0"/>
-          </a:p>
-        </p:txBody>
-      </p:sp>
-      <p:sp>
-        <p:nvSpPr>
-          <p:cNvPr id="3" name="幻灯片编号占位符 2"/>
-          <p:cNvSpPr>
-            <a:spLocks noGrp="1"/>
-          </p:cNvSpPr>
-          <p:nvPr>
-            <p:ph type="sldNum" sz="quarter" idx="10"/>
-          </p:nvPr>
-        </p:nvSpPr>
-        <p:spPr/>
+            <a:off x="7988300" y="6551930"/>
+            <a:ext cx="1149985" cy="304800"/>
+          </a:xfrm>
+        </p:spPr>
         <p:txBody>
           <a:bodyPr/>
           <a:lstStyle/>
@@ -6656,9 +6566,10 @@
             <a:pPr>
               <a:defRPr/>
             </a:pPr>
-            <a:fld id="{D4FE18B1-0DDD-4E8B-8EAA-9840798265F0}" type="slidenum">
+            <a:r>
               <a:rPr lang="en-US" smtClean="0"/>
-            </a:fld>
+              <a:t>code2</a:t>
+            </a:r>
             <a:endParaRPr lang="en-US" dirty="0"/>
           </a:p>
         </p:txBody>
@@ -6679,8 +6590,23 @@
           <a:lstStyle/>
           <a:p>
             <a:r>
-              <a:rPr kumimoji="1" lang="en-US" altLang="zh-CN" dirty="0" smtClean="0"/>
-              <a:t>Flexible</a:t>
+              <a:rPr lang="zh-CN" altLang="en-US">
+                <a:solidFill>
+                  <a:schemeClr val="tx1"/>
+                </a:solidFill>
+                <a:effectLst>
+                  <a:outerShdw blurRad="38100" dist="19050" dir="2700000" algn="tl" rotWithShape="0">
+                    <a:schemeClr val="dk1">
+                      <a:alpha val="40000"/>
+                    </a:schemeClr>
+                  </a:outerShdw>
+                </a:effectLst>
+                <a:latin typeface="Arial" panose="020B0604020202020204" pitchFamily="34" charset="0"/>
+                <a:ea typeface="宋体" panose="02010600030101010101" pitchFamily="2" charset="-122"/>
+                <a:cs typeface="+mn-cs"/>
+                <a:sym typeface="+mn-ea"/>
+              </a:rPr>
+              <a:t>原型和原型链</a:t>
             </a:r>
             <a:endParaRPr kumimoji="1" lang="zh-CN" altLang="en-US" dirty="0"/>
           </a:p>
@@ -6688,32 +6614,30 @@
       </p:sp>
       <p:pic>
         <p:nvPicPr>
-          <p:cNvPr id="5" name="图片 4"/>
+          <p:cNvPr id="12290" name="图片 7"/>
           <p:cNvPicPr>
             <a:picLocks noChangeAspect="1"/>
           </p:cNvPicPr>
           <p:nvPr/>
         </p:nvPicPr>
         <p:blipFill>
-          <a:blip r:embed="rId1">
-            <a:extLst>
-              <a:ext uri="{28A0092B-C50C-407E-A947-70E740481C1C}">
-                <a14:useLocalDpi xmlns:a14="http://schemas.microsoft.com/office/drawing/2010/main" val="0"/>
-              </a:ext>
-            </a:extLst>
-          </a:blip>
+          <a:blip r:embed="rId1"/>
           <a:stretch>
             <a:fillRect/>
           </a:stretch>
         </p:blipFill>
         <p:spPr>
           <a:xfrm>
-            <a:off x="114300" y="2247900"/>
-            <a:ext cx="8902700" cy="2362200"/>
+            <a:off x="360045" y="1169988"/>
+            <a:ext cx="8278813" cy="3971925"/>
           </a:xfrm>
           <a:prstGeom prst="rect">
             <a:avLst/>
           </a:prstGeom>
+          <a:noFill/>
+          <a:ln w="9525">
+            <a:noFill/>
+          </a:ln>
         </p:spPr>
       </p:pic>
     </p:spTree>
@@ -6724,83 +6648,7 @@
   <p:timing>
     <p:tnLst>
       <p:par>
-        <p:cTn id="1" dur="indefinite" restart="never" nodeType="tmRoot">
-          <p:childTnLst>
-            <p:seq concurrent="1" nextAc="seek">
-              <p:cTn id="2" dur="indefinite" nodeType="mainSeq">
-                <p:childTnLst>
-                  <p:par>
-                    <p:cTn id="3" fill="hold">
-                      <p:stCondLst>
-                        <p:cond delay="indefinite"/>
-                      </p:stCondLst>
-                      <p:childTnLst>
-                        <p:par>
-                          <p:cTn id="4" fill="hold">
-                            <p:stCondLst>
-                              <p:cond delay="0"/>
-                            </p:stCondLst>
-                            <p:childTnLst>
-                              <p:par>
-                                <p:cTn id="5" presetID="3" presetClass="entr" presetSubtype="10" fill="hold" nodeType="clickEffect">
-                                  <p:stCondLst>
-                                    <p:cond delay="0"/>
-                                  </p:stCondLst>
-                                  <p:childTnLst>
-                                    <p:set>
-                                      <p:cBhvr>
-                                        <p:cTn id="6" dur="1" fill="hold">
-                                          <p:stCondLst>
-                                            <p:cond delay="0"/>
-                                          </p:stCondLst>
-                                        </p:cTn>
-                                        <p:tgtEl>
-                                          <p:spTgt spid="5"/>
-                                        </p:tgtEl>
-                                        <p:attrNameLst>
-                                          <p:attrName>style.visibility</p:attrName>
-                                        </p:attrNameLst>
-                                      </p:cBhvr>
-                                      <p:to>
-                                        <p:strVal val="visible"/>
-                                      </p:to>
-                                    </p:set>
-                                    <p:animEffect transition="in" filter="blinds(horizontal)">
-                                      <p:cBhvr>
-                                        <p:cTn id="7" dur="500"/>
-                                        <p:tgtEl>
-                                          <p:spTgt spid="5"/>
-                                        </p:tgtEl>
-                                      </p:cBhvr>
-                                    </p:animEffect>
-                                  </p:childTnLst>
-                                </p:cTn>
-                              </p:par>
-                            </p:childTnLst>
-                          </p:cTn>
-                        </p:par>
-                      </p:childTnLst>
-                    </p:cTn>
-                  </p:par>
-                </p:childTnLst>
-              </p:cTn>
-              <p:prevCondLst>
-                <p:cond evt="onPrev" delay="0">
-                  <p:tgtEl>
-                    <p:sldTgt/>
-                  </p:tgtEl>
-                </p:cond>
-              </p:prevCondLst>
-              <p:nextCondLst>
-                <p:cond evt="onNext" delay="0">
-                  <p:tgtEl>
-                    <p:sldTgt/>
-                  </p:tgtEl>
-                </p:cond>
-              </p:nextCondLst>
-            </p:seq>
-          </p:childTnLst>
-        </p:cTn>
+        <p:cTn id="1" dur="indefinite" restart="never" nodeType="tmRoot"/>
       </p:par>
     </p:tnLst>
   </p:timing>
@@ -6816,63 +6664,42 @@
         <p:cNvGrpSpPr/>
         <p:nvPr/>
       </p:nvGrpSpPr>
-      <p:grpSpPr>
-        <a:xfrm>
-          <a:off x="0" y="0"/>
-          <a:ext cx="0" cy="0"/>
-          <a:chOff x="0" y="0"/>
-          <a:chExt cx="0" cy="0"/>
-        </a:xfrm>
-      </p:grpSpPr>
-      <p:sp>
-        <p:nvSpPr>
-          <p:cNvPr id="2" name="内容占位符 1"/>
+      <p:grpSpPr/>
+      <p:sp>
+        <p:nvSpPr>
+          <p:cNvPr id="4" name="标题 3"/>
+          <p:cNvSpPr>
+            <a:spLocks noGrp="1" noChangeArrowheads="1"/>
+          </p:cNvSpPr>
+          <p:nvPr>
+            <p:ph type="title"/>
+          </p:nvPr>
+        </p:nvSpPr>
+        <p:spPr/>
+        <p:txBody>
+          <a:bodyPr/>
+          <a:p>
+            <a:r>
+              <a:rPr lang="zh-CN" altLang="en-US"/>
+              <a:t>原型链</a:t>
+            </a:r>
+            <a:endParaRPr lang="zh-CN" altLang="en-US"/>
+          </a:p>
+        </p:txBody>
+      </p:sp>
+      <p:sp>
+        <p:nvSpPr>
+          <p:cNvPr id="2" name="灯片编号占位符 1"/>
           <p:cNvSpPr>
             <a:spLocks noGrp="1"/>
           </p:cNvSpPr>
           <p:nvPr>
-            <p:ph idx="1"/>
-          </p:nvPr>
-        </p:nvSpPr>
-        <p:spPr>
-          <a:xfrm>
-            <a:off x="611560" y="1196752"/>
-            <a:ext cx="7488832" cy="5040560"/>
-          </a:xfrm>
-        </p:spPr>
+            <p:ph type="sldNum" sz="quarter" idx="10"/>
+          </p:nvPr>
+        </p:nvSpPr>
+        <p:spPr/>
         <p:txBody>
           <a:bodyPr/>
-          <a:lstStyle/>
-          <a:p>
-            <a:r>
-              <a:rPr kumimoji="1" lang="zh-CN" altLang="en-US" dirty="0" smtClean="0"/>
-              <a:t>个推</a:t>
-            </a:r>
-            <a:endParaRPr kumimoji="1" lang="en-US" altLang="zh-CN" dirty="0" smtClean="0"/>
-          </a:p>
-          <a:p>
-            <a:r>
-              <a:rPr kumimoji="1" lang="zh-CN" altLang="en-US" dirty="0" smtClean="0"/>
-              <a:t>小米推送</a:t>
-            </a:r>
-            <a:endParaRPr kumimoji="1" lang="zh-CN" altLang="en-US" dirty="0"/>
-          </a:p>
-        </p:txBody>
-      </p:sp>
-      <p:sp>
-        <p:nvSpPr>
-          <p:cNvPr id="3" name="幻灯片编号占位符 2"/>
-          <p:cNvSpPr>
-            <a:spLocks noGrp="1"/>
-          </p:cNvSpPr>
-          <p:nvPr>
-            <p:ph type="sldNum" sz="quarter" idx="10"/>
-          </p:nvPr>
-        </p:nvSpPr>
-        <p:spPr/>
-        <p:txBody>
-          <a:bodyPr/>
-          <a:lstStyle/>
           <a:p>
             <a:pPr>
               <a:defRPr/>
@@ -6884,57 +6711,34 @@
           </a:p>
         </p:txBody>
       </p:sp>
-      <p:sp>
-        <p:nvSpPr>
-          <p:cNvPr id="4" name="标题 3"/>
-          <p:cNvSpPr>
-            <a:spLocks noGrp="1"/>
-          </p:cNvSpPr>
-          <p:nvPr>
-            <p:ph type="title"/>
-          </p:nvPr>
-        </p:nvSpPr>
-        <p:spPr/>
-        <p:txBody>
-          <a:bodyPr/>
-          <a:lstStyle/>
-          <a:p>
-            <a:r>
-              <a:rPr kumimoji="1" lang="zh-CN" altLang="en-US" dirty="0" smtClean="0"/>
-              <a:t>推送方案</a:t>
-            </a:r>
-            <a:endParaRPr kumimoji="1" lang="zh-CN" altLang="en-US" dirty="0"/>
-          </a:p>
-        </p:txBody>
-      </p:sp>
       <p:pic>
         <p:nvPicPr>
-          <p:cNvPr id="5" name="图片 4"/>
+          <p:cNvPr id="14337" name="图片 3"/>
           <p:cNvPicPr>
             <a:picLocks noChangeAspect="1"/>
           </p:cNvPicPr>
-          <p:nvPr/>
+          <p:nvPr>
+            <p:ph idx="1"/>
+          </p:nvPr>
         </p:nvPicPr>
         <p:blipFill>
-          <a:blip r:embed="rId1">
-            <a:extLst>
-              <a:ext uri="{28A0092B-C50C-407E-A947-70E740481C1C}">
-                <a14:useLocalDpi xmlns:a14="http://schemas.microsoft.com/office/drawing/2010/main" val="0"/>
-              </a:ext>
-            </a:extLst>
-          </a:blip>
+          <a:blip r:embed="rId1"/>
           <a:stretch>
             <a:fillRect/>
           </a:stretch>
         </p:blipFill>
         <p:spPr>
           <a:xfrm>
-            <a:off x="395473" y="989762"/>
-            <a:ext cx="7921006" cy="5454540"/>
+            <a:off x="1324610" y="1502410"/>
+            <a:ext cx="6120130" cy="3048635"/>
           </a:xfrm>
           <a:prstGeom prst="rect">
             <a:avLst/>
           </a:prstGeom>
+          <a:noFill/>
+          <a:ln w="9525">
+            <a:noFill/>
+          </a:ln>
         </p:spPr>
       </p:pic>
     </p:spTree>
@@ -6942,89 +6746,6 @@
   <p:clrMapOvr>
     <a:masterClrMapping/>
   </p:clrMapOvr>
-  <p:timing>
-    <p:tnLst>
-      <p:par>
-        <p:cTn id="1" dur="indefinite" restart="never" nodeType="tmRoot">
-          <p:childTnLst>
-            <p:seq concurrent="1" nextAc="seek">
-              <p:cTn id="2" dur="indefinite" nodeType="mainSeq">
-                <p:childTnLst>
-                  <p:par>
-                    <p:cTn id="3" fill="hold">
-                      <p:stCondLst>
-                        <p:cond delay="indefinite"/>
-                      </p:stCondLst>
-                      <p:childTnLst>
-                        <p:par>
-                          <p:cTn id="4" fill="hold">
-                            <p:stCondLst>
-                              <p:cond delay="0"/>
-                            </p:stCondLst>
-                            <p:childTnLst>
-                              <p:par>
-                                <p:cTn id="5" presetID="3" presetClass="entr" presetSubtype="10" fill="hold" nodeType="clickEffect">
-                                  <p:stCondLst>
-                                    <p:cond delay="0"/>
-                                  </p:stCondLst>
-                                  <p:childTnLst>
-                                    <p:set>
-                                      <p:cBhvr>
-                                        <p:cTn id="6" dur="1" fill="hold">
-                                          <p:stCondLst>
-                                            <p:cond delay="0"/>
-                                          </p:stCondLst>
-                                        </p:cTn>
-                                        <p:tgtEl>
-                                          <p:spTgt spid="5"/>
-                                        </p:tgtEl>
-                                        <p:attrNameLst>
-                                          <p:attrName>style.visibility</p:attrName>
-                                        </p:attrNameLst>
-                                      </p:cBhvr>
-                                      <p:to>
-                                        <p:strVal val="visible"/>
-                                      </p:to>
-                                    </p:set>
-                                    <p:animEffect transition="in" filter="blinds(horizontal)">
-                                      <p:cBhvr>
-                                        <p:cTn id="7" dur="500"/>
-                                        <p:tgtEl>
-                                          <p:spTgt spid="5"/>
-                                        </p:tgtEl>
-                                      </p:cBhvr>
-                                    </p:animEffect>
-                                  </p:childTnLst>
-                                </p:cTn>
-                              </p:par>
-                            </p:childTnLst>
-                          </p:cTn>
-                        </p:par>
-                      </p:childTnLst>
-                    </p:cTn>
-                  </p:par>
-                </p:childTnLst>
-              </p:cTn>
-              <p:prevCondLst>
-                <p:cond evt="onPrev" delay="0">
-                  <p:tgtEl>
-                    <p:sldTgt/>
-                  </p:tgtEl>
-                </p:cond>
-              </p:prevCondLst>
-              <p:nextCondLst>
-                <p:cond evt="onNext" delay="0">
-                  <p:tgtEl>
-                    <p:sldTgt/>
-                  </p:tgtEl>
-                </p:cond>
-              </p:nextCondLst>
-            </p:seq>
-          </p:childTnLst>
-        </p:cTn>
-      </p:par>
-    </p:tnLst>
-  </p:timing>
 </p:sld>
 </file>
 
@@ -7047,15 +6768,61 @@
       </p:grpSpPr>
       <p:sp>
         <p:nvSpPr>
-          <p:cNvPr id="2" name="幻灯片编号占位符 1"/>
+          <p:cNvPr id="2" name="内容占位符 1"/>
           <p:cNvSpPr>
             <a:spLocks noGrp="1"/>
           </p:cNvSpPr>
           <p:nvPr>
+            <p:ph idx="1"/>
+          </p:nvPr>
+        </p:nvSpPr>
+        <p:spPr>
+          <a:xfrm>
+            <a:off x="611560" y="1196752"/>
+            <a:ext cx="7488832" cy="5040560"/>
+          </a:xfrm>
+        </p:spPr>
+        <p:txBody>
+          <a:bodyPr/>
+          <a:lstStyle/>
+          <a:p>
+            <a:r>
+              <a:rPr kumimoji="1" lang="zh-CN" altLang="en-US" dirty="0"/>
+              <a:t>显式转换 </a:t>
+            </a:r>
+            <a:endParaRPr kumimoji="1" lang="zh-CN" altLang="en-US" dirty="0"/>
+          </a:p>
+          <a:p>
+            <a:r>
+              <a:rPr kumimoji="1" lang="zh-CN" altLang="en-US" dirty="0"/>
+              <a:t>隐</a:t>
+            </a:r>
+            <a:r>
+              <a:rPr kumimoji="1" lang="zh-CN" altLang="en-US" dirty="0">
+                <a:sym typeface="+mn-ea"/>
+              </a:rPr>
+              <a:t>式转换</a:t>
+            </a:r>
+            <a:endParaRPr kumimoji="1" lang="zh-CN" altLang="en-US" dirty="0"/>
+          </a:p>
+        </p:txBody>
+      </p:sp>
+      <p:sp>
+        <p:nvSpPr>
+          <p:cNvPr id="3" name="幻灯片编号占位符 2"/>
+          <p:cNvSpPr>
+            <a:spLocks noGrp="1"/>
+          </p:cNvSpPr>
+          <p:nvPr>
             <p:ph type="sldNum" sz="quarter" idx="10"/>
           </p:nvPr>
         </p:nvSpPr>
-        <p:spPr/>
+        <p:spPr>
+          <a:xfrm>
+            <a:off x="7379970" y="6551930"/>
+            <a:ext cx="1758315" cy="304800"/>
+          </a:xfrm>
+        </p:spPr>
         <p:txBody>
           <a:bodyPr/>
           <a:lstStyle/>
@@ -7063,16 +6830,17 @@
             <a:pPr>
               <a:defRPr/>
             </a:pPr>
-            <a:fld id="{05F6A23B-73E6-4DF5-9296-CE83C25FC8C1}" type="slidenum">
-              <a:rPr lang="en-US" smtClean="0"/>
-            </a:fld>
+            <a:r>
+              <a:rPr lang="en-US" dirty="0"/>
+              <a:t>code2</a:t>
+            </a:r>
             <a:endParaRPr lang="en-US" dirty="0"/>
           </a:p>
         </p:txBody>
       </p:sp>
       <p:sp>
         <p:nvSpPr>
-          <p:cNvPr id="3" name="标题 2"/>
+          <p:cNvPr id="4" name="标题 3"/>
           <p:cNvSpPr>
             <a:spLocks noGrp="1"/>
           </p:cNvSpPr>
@@ -7086,123 +6854,49 @@
           <a:lstStyle/>
           <a:p>
             <a:r>
-              <a:rPr kumimoji="1" lang="zh-CN" altLang="en-US" dirty="0" smtClean="0"/>
-              <a:t>个推</a:t>
+              <a:rPr>
+                <a:sym typeface="+mn-ea"/>
+              </a:rPr>
+              <a:t>js的强制类型转换</a:t>
+            </a:r>
+            <a:r>
+              <a:rPr lang="zh-CN">
+                <a:sym typeface="+mn-ea"/>
+              </a:rPr>
+              <a:t>有哪些？</a:t>
             </a:r>
             <a:endParaRPr kumimoji="1" lang="zh-CN" altLang="en-US" dirty="0"/>
           </a:p>
         </p:txBody>
       </p:sp>
-      <p:sp>
-        <p:nvSpPr>
-          <p:cNvPr id="4" name="内容占位符 3"/>
-          <p:cNvSpPr>
-            <a:spLocks noGrp="1"/>
-          </p:cNvSpPr>
-          <p:nvPr>
-            <p:ph idx="1"/>
-          </p:nvPr>
-        </p:nvSpPr>
-        <p:spPr/>
-        <p:txBody>
-          <a:bodyPr/>
-          <a:lstStyle/>
-          <a:p>
-            <a:pPr lvl="1"/>
-            <a:r>
-              <a:rPr lang="zh-CN" altLang="en-US" sz="2000" dirty="0" smtClean="0"/>
-              <a:t>请</a:t>
-            </a:r>
-            <a:r>
-              <a:rPr lang="zh-CN" altLang="en-US" sz="2000" dirty="0"/>
-              <a:t>登录 </a:t>
-            </a:r>
-            <a:r>
-              <a:rPr lang="en-US" altLang="zh-CN" sz="2000" dirty="0">
-                <a:hlinkClick r:id="rId1"/>
-              </a:rPr>
-              <a:t>http://dev.getui.com</a:t>
-            </a:r>
-            <a:r>
-              <a:rPr lang="zh-CN" altLang="en-US" sz="2000" dirty="0"/>
-              <a:t> ，选择登记应用并填写应用名称和包名</a:t>
-            </a:r>
-            <a:r>
-              <a:rPr lang="zh-CN" altLang="en-US" sz="2000" dirty="0" smtClean="0"/>
-              <a:t>信息</a:t>
-            </a:r>
-            <a:endParaRPr lang="en-US" altLang="zh-CN" sz="2000" dirty="0" smtClean="0"/>
-          </a:p>
-          <a:p>
-            <a:pPr lvl="1"/>
-            <a:r>
-              <a:rPr lang="zh-CN" altLang="en-US" sz="2000" dirty="0"/>
-              <a:t>点击应用配置，获取到相应的</a:t>
-            </a:r>
-            <a:r>
-              <a:rPr lang="en-US" altLang="zh-CN" sz="2000" dirty="0" err="1"/>
-              <a:t>AppID</a:t>
-            </a:r>
-            <a:r>
-              <a:rPr lang="zh-CN" altLang="en-US" sz="2000" dirty="0"/>
-              <a:t>、</a:t>
-            </a:r>
-            <a:r>
-              <a:rPr lang="en-US" altLang="zh-CN" sz="2000" dirty="0" err="1"/>
-              <a:t>AppKey</a:t>
-            </a:r>
-            <a:r>
-              <a:rPr lang="zh-CN" altLang="en-US" sz="2000" dirty="0"/>
-              <a:t>、</a:t>
-            </a:r>
-            <a:r>
-              <a:rPr lang="en-US" altLang="zh-CN" sz="2000" dirty="0" err="1"/>
-              <a:t>AppSecret</a:t>
-            </a:r>
-            <a:r>
-              <a:rPr lang="zh-CN" altLang="en-US" sz="2000" dirty="0" smtClean="0"/>
-              <a:t>信息</a:t>
-            </a:r>
-            <a:r>
-              <a:rPr lang="zh-CN" altLang="en-US" sz="2000" dirty="0"/>
-              <a:t>，</a:t>
-            </a:r>
-            <a:r>
-              <a:rPr kumimoji="1" lang="en-US" altLang="zh-CN" sz="2000" dirty="0" smtClean="0"/>
-              <a:t>iOS</a:t>
-            </a:r>
-            <a:r>
-              <a:rPr kumimoji="1" lang="zh-CN" altLang="en-US" sz="2000" dirty="0" smtClean="0"/>
-              <a:t>上传</a:t>
-            </a:r>
-            <a:r>
-              <a:rPr lang="en-US" altLang="zh-CN" sz="2000" dirty="0" smtClean="0"/>
-              <a:t>.p12</a:t>
-            </a:r>
-            <a:r>
-              <a:rPr lang="zh-CN" altLang="en-US" sz="2000" dirty="0" smtClean="0"/>
-              <a:t>文件，安卓</a:t>
-            </a:r>
-            <a:r>
-              <a:rPr lang="zh-CN" altLang="en-US" sz="2000" dirty="0"/>
-              <a:t>需要填写应用</a:t>
-            </a:r>
-            <a:r>
-              <a:rPr lang="zh-CN" altLang="en-US" sz="2000" dirty="0" smtClean="0"/>
-              <a:t>标识</a:t>
-            </a:r>
-            <a:endParaRPr lang="en-US" altLang="zh-CN" sz="2000" dirty="0" smtClean="0"/>
-          </a:p>
-          <a:p>
-            <a:pPr lvl="1"/>
-            <a:endParaRPr lang="en-US" altLang="zh-CN" dirty="0"/>
-          </a:p>
-          <a:p>
-            <a:pPr lvl="1"/>
-            <a:endParaRPr kumimoji="1" lang="zh-CN" altLang="en-US" dirty="0"/>
-          </a:p>
-        </p:txBody>
-      </p:sp>
+      <p:pic>
+        <p:nvPicPr>
+          <p:cNvPr id="15362" name="图片 5" descr="Image"/>
+          <p:cNvPicPr>
+            <a:picLocks noChangeAspect="1"/>
+          </p:cNvPicPr>
+          <p:nvPr/>
+        </p:nvPicPr>
+        <p:blipFill>
+          <a:blip r:embed="rId1"/>
+          <a:stretch>
+            <a:fillRect/>
+          </a:stretch>
+        </p:blipFill>
+        <p:spPr>
+          <a:xfrm>
+            <a:off x="811848" y="2242503"/>
+            <a:ext cx="2543175" cy="3295650"/>
+          </a:xfrm>
+          <a:prstGeom prst="rect">
+            <a:avLst/>
+          </a:prstGeom>
+          <a:noFill/>
+          <a:ln w="9525">
+            <a:noFill/>
+          </a:ln>
+        </p:spPr>
+      </p:pic>
     </p:spTree>
   </p:cSld>
   <p:clrMapOvr>
@@ -7237,7 +6931,7 @@
       </p:grpSpPr>
       <p:sp>
         <p:nvSpPr>
-          <p:cNvPr id="4" name="幻灯片编号占位符 3"/>
+          <p:cNvPr id="2" name="幻灯片编号占位符 1"/>
           <p:cNvSpPr>
             <a:spLocks noGrp="1"/>
           </p:cNvSpPr>
@@ -7253,7 +6947,7 @@
             <a:pPr>
               <a:defRPr/>
             </a:pPr>
-            <a:fld id="{D9ED33AB-5208-45B3-B4C4-C2D2F189FBD9}" type="slidenum">
+            <a:fld id="{05F6A23B-73E6-4DF5-9296-CE83C25FC8C1}" type="slidenum">
               <a:rPr lang="en-US" smtClean="0"/>
             </a:fld>
             <a:endParaRPr lang="en-US" dirty="0"/>
@@ -7262,7 +6956,7 @@
       </p:sp>
       <p:sp>
         <p:nvSpPr>
-          <p:cNvPr id="6" name="标题 5"/>
+          <p:cNvPr id="3" name="标题 2"/>
           <p:cNvSpPr>
             <a:spLocks noGrp="1"/>
           </p:cNvSpPr>
@@ -7276,8 +6970,12 @@
           <a:lstStyle/>
           <a:p>
             <a:r>
-              <a:rPr kumimoji="1" lang="en-US" altLang="zh-CN" dirty="0" smtClean="0"/>
-              <a:t>Mui</a:t>
+              <a:rPr kumimoji="1" lang="en-US" altLang="zh-CN" dirty="0"/>
+              <a:t>!!</a:t>
+            </a:r>
+            <a:r>
+              <a:rPr kumimoji="1" lang="zh-CN" altLang="en-US" dirty="0"/>
+              <a:t>的使用</a:t>
             </a:r>
             <a:endParaRPr kumimoji="1" lang="zh-CN" altLang="en-US" dirty="0"/>
           </a:p>
@@ -7285,7 +6983,7 @@
       </p:sp>
       <p:sp>
         <p:nvSpPr>
-          <p:cNvPr id="7" name="内容占位符 6"/>
+          <p:cNvPr id="4" name="内容占位符 3"/>
           <p:cNvSpPr>
             <a:spLocks noGrp="1"/>
           </p:cNvSpPr>
@@ -7298,170 +6996,77 @@
           <a:bodyPr/>
           <a:lstStyle/>
           <a:p>
-            <a:r>
-              <a:rPr kumimoji="1" lang="zh-CN" altLang="en-US" dirty="0" smtClean="0"/>
-              <a:t>推送通过监听</a:t>
-            </a:r>
-            <a:r>
-              <a:rPr lang="en-US" altLang="zh-CN" dirty="0"/>
-              <a:t>“receive”</a:t>
-            </a:r>
-            <a:r>
-              <a:rPr lang="zh-CN" altLang="en-US" dirty="0"/>
-              <a:t>事件和“</a:t>
-            </a:r>
-            <a:r>
-              <a:rPr lang="en-US" altLang="zh-CN" dirty="0"/>
-              <a:t>click”</a:t>
-            </a:r>
-            <a:r>
-              <a:rPr lang="zh-CN" altLang="en-US" dirty="0" smtClean="0"/>
-              <a:t>事件</a:t>
-            </a:r>
-            <a:endParaRPr lang="en-US" altLang="zh-CN" dirty="0" smtClean="0"/>
+            <a:pPr marL="450850" lvl="1" indent="0">
+              <a:buNone/>
+            </a:pPr>
+            <a:endParaRPr lang="en-US" altLang="zh-CN" sz="2000" dirty="0" smtClean="0"/>
           </a:p>
           <a:p>
             <a:pPr lvl="1"/>
-            <a:r>
-              <a:rPr lang="en-US" altLang="zh-CN" b="1" dirty="0"/>
-              <a:t>receive</a:t>
-            </a:r>
-            <a:r>
-              <a:rPr lang="zh-CN" altLang="en-US" b="1" dirty="0"/>
-              <a:t>方法</a:t>
-            </a:r>
-            <a:r>
-              <a:rPr lang="zh-CN" altLang="en-US" b="1" dirty="0" smtClean="0"/>
-              <a:t>：</a:t>
-            </a:r>
-            <a:endParaRPr lang="en-US" altLang="zh-CN" b="1" dirty="0" smtClean="0"/>
-          </a:p>
-          <a:p>
-            <a:pPr lvl="2"/>
-            <a:r>
-              <a:rPr lang="zh-CN" altLang="en-US" dirty="0"/>
-              <a:t>当</a:t>
-            </a:r>
-            <a:r>
-              <a:rPr lang="en-US" altLang="zh-CN" dirty="0"/>
-              <a:t>APP</a:t>
-            </a:r>
-            <a:r>
-              <a:rPr lang="zh-CN" altLang="en-US" dirty="0"/>
-              <a:t>在前台的时候，可以监听接收透传消息，</a:t>
-            </a:r>
-            <a:r>
-              <a:rPr lang="en-US" altLang="zh-CN" dirty="0" smtClean="0"/>
-              <a:t>APP</a:t>
-            </a:r>
-            <a:r>
-              <a:rPr lang="zh-CN" altLang="en-US" dirty="0" smtClean="0"/>
-              <a:t>在后台</a:t>
-            </a:r>
-            <a:r>
-              <a:rPr lang="zh-CN" altLang="en-US" dirty="0"/>
-              <a:t>的时候无法监听</a:t>
-            </a:r>
-            <a:endParaRPr lang="en-US" altLang="zh-CN" dirty="0" smtClean="0"/>
-          </a:p>
-          <a:p>
-            <a:pPr lvl="2"/>
-            <a:r>
-              <a:rPr lang="en-US" altLang="zh-CN" dirty="0" err="1"/>
-              <a:t>plus.push.addEventListener</a:t>
-            </a:r>
-            <a:r>
-              <a:rPr lang="en-US" altLang="zh-CN" dirty="0"/>
-              <a:t>("receive", function (</a:t>
-            </a:r>
-            <a:r>
-              <a:rPr lang="en-US" altLang="zh-CN" dirty="0" err="1"/>
-              <a:t>msg</a:t>
-            </a:r>
-            <a:r>
-              <a:rPr lang="en-US" altLang="zh-CN" dirty="0"/>
-              <a:t>) { </a:t>
-            </a:r>
-            <a:r>
-              <a:rPr lang="en-US" altLang="zh-CN" dirty="0" smtClean="0"/>
-              <a:t>}</a:t>
-            </a:r>
-            <a:endParaRPr kumimoji="1" lang="en-US" altLang="zh-CN" dirty="0"/>
+            <a:endParaRPr lang="en-US" altLang="zh-CN" dirty="0"/>
           </a:p>
           <a:p>
             <a:pPr lvl="1"/>
-            <a:r>
-              <a:rPr lang="en-US" altLang="zh-CN" b="1" dirty="0"/>
-              <a:t>click</a:t>
-            </a:r>
-            <a:r>
-              <a:rPr lang="zh-CN" altLang="en-US" b="1" dirty="0"/>
-              <a:t>方法</a:t>
-            </a:r>
-            <a:r>
-              <a:rPr lang="zh-CN" altLang="en-US" b="1" dirty="0" smtClean="0"/>
-              <a:t>：</a:t>
-            </a:r>
-            <a:endParaRPr lang="en-US" altLang="zh-CN" b="1" dirty="0" smtClean="0"/>
-          </a:p>
-          <a:p>
-            <a:pPr lvl="2"/>
-            <a:r>
-              <a:rPr lang="en-US" altLang="zh-CN" dirty="0" smtClean="0"/>
-              <a:t>iOS </a:t>
-            </a:r>
-            <a:r>
-              <a:rPr lang="en-US" altLang="zh-CN" dirty="0"/>
-              <a:t>APP</a:t>
-            </a:r>
-            <a:r>
-              <a:rPr lang="zh-CN" altLang="en-US" dirty="0"/>
-              <a:t>处于后台，透传消息会变成通知提醒，此时点击通知</a:t>
-            </a:r>
-            <a:r>
-              <a:rPr lang="zh-CN" altLang="en-US" dirty="0" smtClean="0"/>
-              <a:t>触发</a:t>
-            </a:r>
-            <a:endParaRPr lang="en-US" altLang="zh-CN" dirty="0" smtClean="0"/>
-          </a:p>
-          <a:p>
-            <a:pPr lvl="2"/>
-            <a:r>
-              <a:rPr lang="en-US" altLang="zh-CN" dirty="0" err="1"/>
-              <a:t>plus.push.addEventListener</a:t>
-            </a:r>
-            <a:r>
-              <a:rPr lang="en-US" altLang="zh-CN" dirty="0"/>
-              <a:t>("click", function (</a:t>
-            </a:r>
-            <a:r>
-              <a:rPr lang="en-US" altLang="zh-CN" dirty="0" err="1"/>
-              <a:t>msg</a:t>
-            </a:r>
-            <a:r>
-              <a:rPr lang="en-US" altLang="zh-CN" dirty="0"/>
-              <a:t>) { </a:t>
-            </a:r>
-            <a:r>
-              <a:rPr lang="en-US" altLang="zh-CN" dirty="0" smtClean="0"/>
-              <a:t>}</a:t>
-            </a:r>
-            <a:endParaRPr kumimoji="1" lang="en-US" altLang="zh-CN" dirty="0" smtClean="0"/>
-          </a:p>
-          <a:p>
-            <a:endParaRPr kumimoji="1" lang="en-US" altLang="zh-CN" dirty="0" smtClean="0"/>
-          </a:p>
-          <a:p>
-            <a:endParaRPr kumimoji="1" lang="en-US" altLang="zh-CN" dirty="0"/>
-          </a:p>
-          <a:p>
-            <a:endParaRPr kumimoji="1" lang="en-US" altLang="zh-CN" dirty="0" smtClean="0"/>
-          </a:p>
-          <a:p>
-            <a:endParaRPr kumimoji="1" lang="en-US" altLang="zh-CN" dirty="0"/>
-          </a:p>
-        </p:txBody>
-      </p:sp>
+            <a:endParaRPr kumimoji="1" lang="zh-CN" altLang="en-US" dirty="0"/>
+          </a:p>
+        </p:txBody>
+      </p:sp>
+      <p:pic>
+        <p:nvPicPr>
+          <p:cNvPr id="11267" name="图片 5"/>
+          <p:cNvPicPr>
+            <a:picLocks noChangeAspect="1"/>
+          </p:cNvPicPr>
+          <p:nvPr/>
+        </p:nvPicPr>
+        <p:blipFill>
+          <a:blip r:embed="rId1"/>
+          <a:stretch>
+            <a:fillRect/>
+          </a:stretch>
+        </p:blipFill>
+        <p:spPr>
+          <a:xfrm>
+            <a:off x="931545" y="1442720"/>
+            <a:ext cx="1533525" cy="3430905"/>
+          </a:xfrm>
+          <a:prstGeom prst="rect">
+            <a:avLst/>
+          </a:prstGeom>
+          <a:noFill/>
+          <a:ln w="9525">
+            <a:noFill/>
+          </a:ln>
+        </p:spPr>
+      </p:pic>
+      <p:pic>
+        <p:nvPicPr>
+          <p:cNvPr id="11266" name="图片 4"/>
+          <p:cNvPicPr>
+            <a:picLocks noChangeAspect="1"/>
+          </p:cNvPicPr>
+          <p:nvPr/>
+        </p:nvPicPr>
+        <p:blipFill>
+          <a:blip r:embed="rId2"/>
+          <a:stretch>
+            <a:fillRect/>
+          </a:stretch>
+        </p:blipFill>
+        <p:spPr>
+          <a:xfrm>
+            <a:off x="4062413" y="1808798"/>
+            <a:ext cx="2600325" cy="1809750"/>
+          </a:xfrm>
+          <a:prstGeom prst="rect">
+            <a:avLst/>
+          </a:prstGeom>
+          <a:noFill/>
+          <a:ln w="9525">
+            <a:noFill/>
+          </a:ln>
+        </p:spPr>
+      </p:pic>
     </p:spTree>
   </p:cSld>
   <p:clrMapOvr>

--- a/javascript技术分享/mui以及推送分享.pptx
+++ b/javascript技术分享/mui以及推送分享.pptx
@@ -8,26 +8,28 @@
     <p:notesMasterId r:id="rId4"/>
   </p:notesMasterIdLst>
   <p:handoutMasterIdLst>
-    <p:handoutMasterId r:id="rId16"/>
+    <p:handoutMasterId r:id="rId18"/>
   </p:handoutMasterIdLst>
   <p:sldIdLst>
     <p:sldId id="465" r:id="rId3"/>
-    <p:sldId id="466" r:id="rId5"/>
-    <p:sldId id="530" r:id="rId6"/>
-    <p:sldId id="532" r:id="rId7"/>
-    <p:sldId id="533" r:id="rId8"/>
-    <p:sldId id="534" r:id="rId9"/>
-    <p:sldId id="540" r:id="rId10"/>
-    <p:sldId id="535" r:id="rId11"/>
-    <p:sldId id="524" r:id="rId12"/>
-    <p:sldId id="526" r:id="rId13"/>
-    <p:sldId id="527" r:id="rId14"/>
-    <p:sldId id="412" r:id="rId15"/>
+    <p:sldId id="546" r:id="rId5"/>
+    <p:sldId id="466" r:id="rId6"/>
+    <p:sldId id="530" r:id="rId7"/>
+    <p:sldId id="532" r:id="rId8"/>
+    <p:sldId id="533" r:id="rId9"/>
+    <p:sldId id="534" r:id="rId10"/>
+    <p:sldId id="540" r:id="rId11"/>
+    <p:sldId id="535" r:id="rId12"/>
+    <p:sldId id="524" r:id="rId13"/>
+    <p:sldId id="526" r:id="rId14"/>
+    <p:sldId id="527" r:id="rId15"/>
+    <p:sldId id="547" r:id="rId16"/>
+    <p:sldId id="412" r:id="rId17"/>
   </p:sldIdLst>
   <p:sldSz cx="9144000" cy="6858000" type="screen4x3"/>
   <p:notesSz cx="6797675" cy="9928225"/>
   <p:custDataLst>
-    <p:tags r:id="rId21"/>
+    <p:tags r:id="rId23"/>
   </p:custDataLst>
   <p:defaultTextStyle>
     <a:defPPr>
@@ -5138,7 +5140,7 @@
       </p:grpSpPr>
       <p:sp>
         <p:nvSpPr>
-          <p:cNvPr id="4" name="幻灯片编号占位符 3"/>
+          <p:cNvPr id="2" name="幻灯片编号占位符 1"/>
           <p:cNvSpPr>
             <a:spLocks noGrp="1"/>
           </p:cNvSpPr>
@@ -5154,7 +5156,7 @@
             <a:pPr>
               <a:defRPr/>
             </a:pPr>
-            <a:fld id="{D9ED33AB-5208-45B3-B4C4-C2D2F189FBD9}" type="slidenum">
+            <a:fld id="{05F6A23B-73E6-4DF5-9296-CE83C25FC8C1}" type="slidenum">
               <a:rPr lang="en-US" smtClean="0"/>
             </a:fld>
             <a:endParaRPr lang="en-US" dirty="0"/>
@@ -5163,7 +5165,7 @@
       </p:sp>
       <p:sp>
         <p:nvSpPr>
-          <p:cNvPr id="6" name="标题 5"/>
+          <p:cNvPr id="3" name="标题 2"/>
           <p:cNvSpPr>
             <a:spLocks noGrp="1"/>
           </p:cNvSpPr>
@@ -5177,23 +5179,12 @@
           <a:lstStyle/>
           <a:p>
             <a:r>
-              <a:rPr lang="zh-CN" altLang="en-US">
-                <a:solidFill>
-                  <a:schemeClr val="tx1"/>
-                </a:solidFill>
-                <a:effectLst>
-                  <a:outerShdw blurRad="38100" dist="19050" dir="2700000" algn="tl" rotWithShape="0">
-                    <a:schemeClr val="dk1">
-                      <a:alpha val="40000"/>
-                    </a:schemeClr>
-                  </a:outerShdw>
-                </a:effectLst>
-                <a:latin typeface="Arial" panose="020B0604020202020204" pitchFamily="34" charset="0"/>
-                <a:ea typeface="宋体" panose="02010600030101010101" pitchFamily="2" charset="-122"/>
-                <a:cs typeface="+mn-cs"/>
-                <a:sym typeface="+mn-ea"/>
-              </a:rPr>
-              <a:t>作用域和闭包</a:t>
+              <a:rPr kumimoji="1" lang="en-US" altLang="zh-CN" dirty="0"/>
+              <a:t>!!</a:t>
+            </a:r>
+            <a:r>
+              <a:rPr kumimoji="1" lang="zh-CN" altLang="en-US" dirty="0"/>
+              <a:t>的使用</a:t>
             </a:r>
             <a:endParaRPr kumimoji="1" lang="zh-CN" altLang="en-US" dirty="0"/>
           </a:p>
@@ -5201,7 +5192,7 @@
       </p:sp>
       <p:sp>
         <p:nvSpPr>
-          <p:cNvPr id="7" name="内容占位符 6"/>
+          <p:cNvPr id="4" name="内容占位符 3"/>
           <p:cNvSpPr>
             <a:spLocks noGrp="1"/>
           </p:cNvSpPr>
@@ -5214,25 +5205,24 @@
           <a:bodyPr/>
           <a:lstStyle/>
           <a:p>
-            <a:endParaRPr kumimoji="1" lang="en-US" altLang="zh-CN" dirty="0" smtClean="0"/>
-          </a:p>
-          <a:p>
-            <a:endParaRPr kumimoji="1" lang="en-US" altLang="zh-CN" dirty="0" smtClean="0"/>
-          </a:p>
-          <a:p>
-            <a:endParaRPr kumimoji="1" lang="en-US" altLang="zh-CN" dirty="0"/>
-          </a:p>
-          <a:p>
-            <a:endParaRPr kumimoji="1" lang="en-US" altLang="zh-CN" dirty="0" smtClean="0"/>
-          </a:p>
-          <a:p>
-            <a:endParaRPr kumimoji="1" lang="en-US" altLang="zh-CN" dirty="0"/>
+            <a:pPr marL="450850" lvl="1" indent="0">
+              <a:buNone/>
+            </a:pPr>
+            <a:endParaRPr lang="en-US" altLang="zh-CN" sz="2000" dirty="0" smtClean="0"/>
+          </a:p>
+          <a:p>
+            <a:pPr lvl="1"/>
+            <a:endParaRPr lang="en-US" altLang="zh-CN" dirty="0"/>
+          </a:p>
+          <a:p>
+            <a:pPr lvl="1"/>
+            <a:endParaRPr kumimoji="1" lang="zh-CN" altLang="en-US" dirty="0"/>
           </a:p>
         </p:txBody>
       </p:sp>
       <p:pic>
         <p:nvPicPr>
-          <p:cNvPr id="16386" name="图片 1"/>
+          <p:cNvPr id="11267" name="图片 5"/>
           <p:cNvPicPr>
             <a:picLocks noChangeAspect="1"/>
           </p:cNvPicPr>
@@ -5246,8 +5236,8 @@
         </p:blipFill>
         <p:spPr>
           <a:xfrm>
-            <a:off x="633413" y="1112838"/>
-            <a:ext cx="2686050" cy="2190750"/>
+            <a:off x="931545" y="1442720"/>
+            <a:ext cx="1533525" cy="3430905"/>
           </a:xfrm>
           <a:prstGeom prst="rect">
             <a:avLst/>
@@ -5258,68 +5248,9 @@
           </a:ln>
         </p:spPr>
       </p:pic>
-      <p:sp>
-        <p:nvSpPr>
-          <p:cNvPr id="2" name="文本框 1"/>
-          <p:cNvSpPr txBox="1"/>
-          <p:nvPr/>
-        </p:nvSpPr>
-        <p:spPr>
-          <a:xfrm>
-            <a:off x="633730" y="3616960"/>
-            <a:ext cx="2540000" cy="1814830"/>
-          </a:xfrm>
-          <a:prstGeom prst="rect">
-            <a:avLst/>
-          </a:prstGeom>
-          <a:noFill/>
-          <a:ln>
-            <a:noFill/>
-          </a:ln>
-        </p:spPr>
-        <p:txBody>
-          <a:bodyPr vert="horz" wrap="square" lIns="91440" tIns="45720" rIns="91440" bIns="45720" numCol="1" rtlCol="0" anchor="t" anchorCtr="0" compatLnSpc="1">
-            <a:spAutoFit/>
-          </a:bodyPr>
-          <a:p>
-            <a:r>
-              <a:rPr lang="zh-CN" altLang="en-US" sz="1600">
-                <a:latin typeface="+mj-ea"/>
-                <a:ea typeface="+mj-ea"/>
-                <a:sym typeface="+mn-ea"/>
-              </a:rPr>
-              <a:t>因为局部变量只作用于函数内，所以不同的函数可以使用相同名称的变量。</a:t>
-            </a:r>
-            <a:endParaRPr lang="zh-CN" altLang="en-US" sz="1600">
-              <a:latin typeface="+mj-ea"/>
-              <a:ea typeface="+mj-ea"/>
-            </a:endParaRPr>
-          </a:p>
-          <a:p>
-            <a:endParaRPr lang="zh-CN" altLang="en-US" sz="1600">
-              <a:latin typeface="+mj-ea"/>
-              <a:ea typeface="+mj-ea"/>
-            </a:endParaRPr>
-          </a:p>
-          <a:p>
-            <a:r>
-              <a:rPr lang="zh-CN" altLang="en-US" sz="1600">
-                <a:latin typeface="+mj-ea"/>
-                <a:ea typeface="+mj-ea"/>
-                <a:sym typeface="+mn-ea"/>
-              </a:rPr>
-              <a:t>局部变量在函数开始执行时创建，函数执行完后局部变量会自动销毁。</a:t>
-            </a:r>
-            <a:endParaRPr lang="zh-CN" altLang="en-US" sz="1600" dirty="0" smtClean="0">
-              <a:latin typeface="+mj-ea"/>
-              <a:ea typeface="+mj-ea"/>
-            </a:endParaRPr>
-          </a:p>
-        </p:txBody>
-      </p:sp>
       <p:pic>
         <p:nvPicPr>
-          <p:cNvPr id="16388" name="图片 3"/>
+          <p:cNvPr id="11266" name="图片 4"/>
           <p:cNvPicPr>
             <a:picLocks noChangeAspect="1"/>
           </p:cNvPicPr>
@@ -5333,8 +5264,8 @@
         </p:blipFill>
         <p:spPr>
           <a:xfrm>
-            <a:off x="4181475" y="1027113"/>
-            <a:ext cx="3333750" cy="2362200"/>
+            <a:off x="4062413" y="1808798"/>
+            <a:ext cx="2600325" cy="1809750"/>
           </a:xfrm>
           <a:prstGeom prst="rect">
             <a:avLst/>
@@ -5345,76 +5276,6 @@
           </a:ln>
         </p:spPr>
       </p:pic>
-      <p:pic>
-        <p:nvPicPr>
-          <p:cNvPr id="16390" name="图片 6"/>
-          <p:cNvPicPr>
-            <a:picLocks noChangeAspect="1"/>
-          </p:cNvPicPr>
-          <p:nvPr/>
-        </p:nvPicPr>
-        <p:blipFill>
-          <a:blip r:embed="rId3"/>
-          <a:stretch>
-            <a:fillRect/>
-          </a:stretch>
-        </p:blipFill>
-        <p:spPr>
-          <a:xfrm>
-            <a:off x="4324350" y="4476750"/>
-            <a:ext cx="2800350" cy="1438275"/>
-          </a:xfrm>
-          <a:prstGeom prst="rect">
-            <a:avLst/>
-          </a:prstGeom>
-          <a:noFill/>
-          <a:ln w="9525">
-            <a:noFill/>
-          </a:ln>
-        </p:spPr>
-      </p:pic>
-      <p:sp>
-        <p:nvSpPr>
-          <p:cNvPr id="3" name="文本框 2"/>
-          <p:cNvSpPr txBox="1"/>
-          <p:nvPr/>
-        </p:nvSpPr>
-        <p:spPr>
-          <a:xfrm>
-            <a:off x="4408170" y="3389630"/>
-            <a:ext cx="3107055" cy="829945"/>
-          </a:xfrm>
-          <a:prstGeom prst="rect">
-            <a:avLst/>
-          </a:prstGeom>
-          <a:noFill/>
-          <a:ln>
-            <a:noFill/>
-          </a:ln>
-        </p:spPr>
-        <p:txBody>
-          <a:bodyPr vert="horz" wrap="square" lIns="91440" tIns="45720" rIns="91440" bIns="45720" numCol="1" rtlCol="0" anchor="t" anchorCtr="0" compatLnSpc="1">
-            <a:spAutoFit/>
-          </a:bodyPr>
-          <a:p>
-            <a:r>
-              <a:rPr lang="zh-CN" altLang="en-US" sz="1600">
-                <a:latin typeface="+mj-ea"/>
-                <a:ea typeface="+mj-ea"/>
-                <a:cs typeface="+mj-ea"/>
-                <a:sym typeface="+mn-ea"/>
-              </a:rPr>
-              <a:t>如果变量在函数内没有声明（没有使用 var 关键字），该变量为全局变量。</a:t>
-            </a:r>
-            <a:endParaRPr lang="zh-CN" altLang="en-US" sz="1600" dirty="0" smtClean="0">
-              <a:latin typeface="+mj-ea"/>
-              <a:ea typeface="+mj-ea"/>
-              <a:cs typeface="+mj-ea"/>
-              <a:sym typeface="+mn-ea"/>
-            </a:endParaRPr>
-          </a:p>
-        </p:txBody>
-      </p:sp>
     </p:spTree>
   </p:cSld>
   <p:clrMapOvr>
@@ -5449,7 +5310,7 @@
       </p:grpSpPr>
       <p:sp>
         <p:nvSpPr>
-          <p:cNvPr id="2" name="幻灯片编号占位符 1"/>
+          <p:cNvPr id="4" name="幻灯片编号占位符 3"/>
           <p:cNvSpPr>
             <a:spLocks noGrp="1"/>
           </p:cNvSpPr>
@@ -5465,7 +5326,7 @@
             <a:pPr>
               <a:defRPr/>
             </a:pPr>
-            <a:fld id="{05F6A23B-73E6-4DF5-9296-CE83C25FC8C1}" type="slidenum">
+            <a:fld id="{D9ED33AB-5208-45B3-B4C4-C2D2F189FBD9}" type="slidenum">
               <a:rPr lang="en-US" smtClean="0"/>
             </a:fld>
             <a:endParaRPr lang="en-US" dirty="0"/>
@@ -5474,7 +5335,7 @@
       </p:sp>
       <p:sp>
         <p:nvSpPr>
-          <p:cNvPr id="3" name="标题 2"/>
+          <p:cNvPr id="6" name="标题 5"/>
           <p:cNvSpPr>
             <a:spLocks noGrp="1"/>
           </p:cNvSpPr>
@@ -5488,12 +5349,23 @@
           <a:lstStyle/>
           <a:p>
             <a:r>
-              <a:rPr kumimoji="1" lang="en-US" altLang="zh-CN" dirty="0"/>
-              <a:t>js</a:t>
-            </a:r>
-            <a:r>
-              <a:rPr kumimoji="1" lang="zh-CN" altLang="en-US" dirty="0"/>
-              <a:t>变量提升</a:t>
+              <a:rPr lang="zh-CN" altLang="en-US">
+                <a:solidFill>
+                  <a:schemeClr val="tx1"/>
+                </a:solidFill>
+                <a:effectLst>
+                  <a:outerShdw blurRad="38100" dist="19050" dir="2700000" algn="tl" rotWithShape="0">
+                    <a:schemeClr val="dk1">
+                      <a:alpha val="40000"/>
+                    </a:schemeClr>
+                  </a:outerShdw>
+                </a:effectLst>
+                <a:latin typeface="Arial" panose="020B0604020202020204" pitchFamily="34" charset="0"/>
+                <a:ea typeface="宋体" panose="02010600030101010101" pitchFamily="2" charset="-122"/>
+                <a:cs typeface="+mn-cs"/>
+                <a:sym typeface="+mn-ea"/>
+              </a:rPr>
+              <a:t>作用域和闭包</a:t>
             </a:r>
             <a:endParaRPr kumimoji="1" lang="zh-CN" altLang="en-US" dirty="0"/>
           </a:p>
@@ -5501,60 +5373,42 @@
       </p:sp>
       <p:sp>
         <p:nvSpPr>
-          <p:cNvPr id="5" name="内容占位符 4"/>
-          <p:cNvSpPr/>
-          <p:nvPr>
-            <p:ph idx="12"/>
-          </p:nvPr>
-        </p:nvSpPr>
-        <p:spPr>
-          <a:xfrm>
-            <a:off x="360045" y="1007745"/>
-            <a:ext cx="3959860" cy="5476875"/>
-          </a:xfrm>
-        </p:spPr>
+          <p:cNvPr id="7" name="内容占位符 6"/>
+          <p:cNvSpPr>
+            <a:spLocks noGrp="1"/>
+          </p:cNvSpPr>
+          <p:nvPr>
+            <p:ph idx="1"/>
+          </p:nvPr>
+        </p:nvSpPr>
+        <p:spPr/>
         <p:txBody>
           <a:bodyPr/>
-          <a:p>
-            <a:r>
-              <a:rPr lang="zh-CN" altLang="en-US"/>
-              <a:t>之前一直觉会认为javascript代码执行是由上到下一行行执行的</a:t>
-            </a:r>
-            <a:endParaRPr lang="zh-CN" altLang="en-US"/>
-          </a:p>
-          <a:p>
-            <a:endParaRPr lang="zh-CN" altLang="en-US"/>
-          </a:p>
-          <a:p>
-            <a:endParaRPr lang="zh-CN" altLang="en-US"/>
-          </a:p>
-          <a:p>
-            <a:endParaRPr lang="zh-CN" altLang="en-US"/>
-          </a:p>
-          <a:p>
-            <a:endParaRPr lang="zh-CN" altLang="en-US"/>
-          </a:p>
-          <a:p>
-            <a:endParaRPr lang="zh-CN" altLang="en-US"/>
-          </a:p>
-          <a:p>
-            <a:r>
-              <a:rPr lang="zh-CN" altLang="en-US"/>
-              <a:t>引擎解释javascript代码的之前会对其进行编译。在编译过程中会查找所有声明，并用合适作用域将他们关联起来。换句话说，在代码执行之前，会对作用域链中所有变量和函数声明先处理完先。所以，当遇到var a='hello world'中是 var a是先在编译阶段执行，然后在执行a='hello world'。</a:t>
-            </a:r>
-            <a:endParaRPr lang="zh-CN" altLang="en-US"/>
+          <a:lstStyle/>
+          <a:p>
+            <a:endParaRPr kumimoji="1" lang="en-US" altLang="zh-CN" dirty="0" smtClean="0"/>
+          </a:p>
+          <a:p>
+            <a:endParaRPr kumimoji="1" lang="en-US" altLang="zh-CN" dirty="0" smtClean="0"/>
+          </a:p>
+          <a:p>
+            <a:endParaRPr kumimoji="1" lang="en-US" altLang="zh-CN" dirty="0"/>
+          </a:p>
+          <a:p>
+            <a:endParaRPr kumimoji="1" lang="en-US" altLang="zh-CN" dirty="0" smtClean="0"/>
+          </a:p>
+          <a:p>
+            <a:endParaRPr kumimoji="1" lang="en-US" altLang="zh-CN" dirty="0"/>
           </a:p>
         </p:txBody>
       </p:sp>
       <p:pic>
         <p:nvPicPr>
-          <p:cNvPr id="17411" name="图片 4"/>
+          <p:cNvPr id="16386" name="图片 1"/>
           <p:cNvPicPr>
             <a:picLocks noChangeAspect="1"/>
           </p:cNvPicPr>
-          <p:nvPr>
-            <p:ph idx="13"/>
-          </p:nvPr>
+          <p:nvPr/>
         </p:nvPicPr>
         <p:blipFill>
           <a:blip r:embed="rId1"/>
@@ -5564,8 +5418,8 @@
         </p:blipFill>
         <p:spPr>
           <a:xfrm>
-            <a:off x="4731385" y="2057400"/>
-            <a:ext cx="3794760" cy="1937385"/>
+            <a:off x="633413" y="1112838"/>
+            <a:ext cx="2686050" cy="2190750"/>
           </a:xfrm>
           <a:prstGeom prst="rect">
             <a:avLst/>
@@ -5576,6 +5430,163 @@
           </a:ln>
         </p:spPr>
       </p:pic>
+      <p:sp>
+        <p:nvSpPr>
+          <p:cNvPr id="2" name="文本框 1"/>
+          <p:cNvSpPr txBox="1"/>
+          <p:nvPr/>
+        </p:nvSpPr>
+        <p:spPr>
+          <a:xfrm>
+            <a:off x="633730" y="3616960"/>
+            <a:ext cx="2540000" cy="1814830"/>
+          </a:xfrm>
+          <a:prstGeom prst="rect">
+            <a:avLst/>
+          </a:prstGeom>
+          <a:noFill/>
+          <a:ln>
+            <a:noFill/>
+          </a:ln>
+        </p:spPr>
+        <p:txBody>
+          <a:bodyPr vert="horz" wrap="square" lIns="91440" tIns="45720" rIns="91440" bIns="45720" numCol="1" rtlCol="0" anchor="t" anchorCtr="0" compatLnSpc="1">
+            <a:spAutoFit/>
+          </a:bodyPr>
+          <a:p>
+            <a:r>
+              <a:rPr lang="zh-CN" altLang="en-US" sz="1600">
+                <a:latin typeface="+mj-ea"/>
+                <a:ea typeface="+mj-ea"/>
+                <a:sym typeface="+mn-ea"/>
+              </a:rPr>
+              <a:t>因为局部变量只作用于函数内，所以不同的函数可以使用相同名称的变量。</a:t>
+            </a:r>
+            <a:endParaRPr lang="zh-CN" altLang="en-US" sz="1600">
+              <a:latin typeface="+mj-ea"/>
+              <a:ea typeface="+mj-ea"/>
+            </a:endParaRPr>
+          </a:p>
+          <a:p>
+            <a:endParaRPr lang="zh-CN" altLang="en-US" sz="1600">
+              <a:latin typeface="+mj-ea"/>
+              <a:ea typeface="+mj-ea"/>
+            </a:endParaRPr>
+          </a:p>
+          <a:p>
+            <a:r>
+              <a:rPr lang="zh-CN" altLang="en-US" sz="1600">
+                <a:latin typeface="+mj-ea"/>
+                <a:ea typeface="+mj-ea"/>
+                <a:sym typeface="+mn-ea"/>
+              </a:rPr>
+              <a:t>局部变量在函数开始执行时创建，函数执行完后局部变量会自动销毁。</a:t>
+            </a:r>
+            <a:endParaRPr lang="zh-CN" altLang="en-US" sz="1600" dirty="0" smtClean="0">
+              <a:latin typeface="+mj-ea"/>
+              <a:ea typeface="+mj-ea"/>
+            </a:endParaRPr>
+          </a:p>
+        </p:txBody>
+      </p:sp>
+      <p:pic>
+        <p:nvPicPr>
+          <p:cNvPr id="16388" name="图片 3"/>
+          <p:cNvPicPr>
+            <a:picLocks noChangeAspect="1"/>
+          </p:cNvPicPr>
+          <p:nvPr/>
+        </p:nvPicPr>
+        <p:blipFill>
+          <a:blip r:embed="rId2"/>
+          <a:stretch>
+            <a:fillRect/>
+          </a:stretch>
+        </p:blipFill>
+        <p:spPr>
+          <a:xfrm>
+            <a:off x="4181475" y="1027113"/>
+            <a:ext cx="3333750" cy="2362200"/>
+          </a:xfrm>
+          <a:prstGeom prst="rect">
+            <a:avLst/>
+          </a:prstGeom>
+          <a:noFill/>
+          <a:ln w="9525">
+            <a:noFill/>
+          </a:ln>
+        </p:spPr>
+      </p:pic>
+      <p:pic>
+        <p:nvPicPr>
+          <p:cNvPr id="16390" name="图片 6"/>
+          <p:cNvPicPr>
+            <a:picLocks noChangeAspect="1"/>
+          </p:cNvPicPr>
+          <p:nvPr/>
+        </p:nvPicPr>
+        <p:blipFill>
+          <a:blip r:embed="rId3"/>
+          <a:stretch>
+            <a:fillRect/>
+          </a:stretch>
+        </p:blipFill>
+        <p:spPr>
+          <a:xfrm>
+            <a:off x="4324350" y="4476750"/>
+            <a:ext cx="2800350" cy="1438275"/>
+          </a:xfrm>
+          <a:prstGeom prst="rect">
+            <a:avLst/>
+          </a:prstGeom>
+          <a:noFill/>
+          <a:ln w="9525">
+            <a:noFill/>
+          </a:ln>
+        </p:spPr>
+      </p:pic>
+      <p:sp>
+        <p:nvSpPr>
+          <p:cNvPr id="3" name="文本框 2"/>
+          <p:cNvSpPr txBox="1"/>
+          <p:nvPr/>
+        </p:nvSpPr>
+        <p:spPr>
+          <a:xfrm>
+            <a:off x="4408170" y="3389630"/>
+            <a:ext cx="3107055" cy="829945"/>
+          </a:xfrm>
+          <a:prstGeom prst="rect">
+            <a:avLst/>
+          </a:prstGeom>
+          <a:noFill/>
+          <a:ln>
+            <a:noFill/>
+          </a:ln>
+        </p:spPr>
+        <p:txBody>
+          <a:bodyPr vert="horz" wrap="square" lIns="91440" tIns="45720" rIns="91440" bIns="45720" numCol="1" rtlCol="0" anchor="t" anchorCtr="0" compatLnSpc="1">
+            <a:spAutoFit/>
+          </a:bodyPr>
+          <a:p>
+            <a:r>
+              <a:rPr lang="zh-CN" altLang="en-US" sz="1600">
+                <a:latin typeface="+mj-ea"/>
+                <a:ea typeface="+mj-ea"/>
+                <a:cs typeface="+mj-ea"/>
+                <a:sym typeface="+mn-ea"/>
+              </a:rPr>
+              <a:t>如果变量在函数内没有声明（没有使用 var 关键字），该变量为全局变量。</a:t>
+            </a:r>
+            <a:endParaRPr lang="zh-CN" altLang="en-US" sz="1600" dirty="0" smtClean="0">
+              <a:latin typeface="+mj-ea"/>
+              <a:ea typeface="+mj-ea"/>
+              <a:cs typeface="+mj-ea"/>
+              <a:sym typeface="+mn-ea"/>
+            </a:endParaRPr>
+          </a:p>
+        </p:txBody>
+      </p:sp>
     </p:spTree>
   </p:cSld>
   <p:clrMapOvr>
@@ -5610,6 +5621,280 @@
       </p:grpSpPr>
       <p:sp>
         <p:nvSpPr>
+          <p:cNvPr id="2" name="幻灯片编号占位符 1"/>
+          <p:cNvSpPr>
+            <a:spLocks noGrp="1"/>
+          </p:cNvSpPr>
+          <p:nvPr>
+            <p:ph type="sldNum" sz="quarter" idx="10"/>
+          </p:nvPr>
+        </p:nvSpPr>
+        <p:spPr/>
+        <p:txBody>
+          <a:bodyPr/>
+          <a:lstStyle/>
+          <a:p>
+            <a:pPr>
+              <a:defRPr/>
+            </a:pPr>
+            <a:fld id="{05F6A23B-73E6-4DF5-9296-CE83C25FC8C1}" type="slidenum">
+              <a:rPr lang="en-US" smtClean="0"/>
+            </a:fld>
+            <a:endParaRPr lang="en-US" dirty="0"/>
+          </a:p>
+        </p:txBody>
+      </p:sp>
+      <p:sp>
+        <p:nvSpPr>
+          <p:cNvPr id="3" name="标题 2"/>
+          <p:cNvSpPr>
+            <a:spLocks noGrp="1"/>
+          </p:cNvSpPr>
+          <p:nvPr>
+            <p:ph type="title"/>
+          </p:nvPr>
+        </p:nvSpPr>
+        <p:spPr/>
+        <p:txBody>
+          <a:bodyPr/>
+          <a:lstStyle/>
+          <a:p>
+            <a:r>
+              <a:rPr kumimoji="1" lang="en-US" altLang="zh-CN" dirty="0"/>
+              <a:t>js</a:t>
+            </a:r>
+            <a:r>
+              <a:rPr kumimoji="1" lang="zh-CN" altLang="en-US" dirty="0"/>
+              <a:t>变量提升</a:t>
+            </a:r>
+            <a:endParaRPr kumimoji="1" lang="zh-CN" altLang="en-US" dirty="0"/>
+          </a:p>
+        </p:txBody>
+      </p:sp>
+      <p:sp>
+        <p:nvSpPr>
+          <p:cNvPr id="5" name="内容占位符 4"/>
+          <p:cNvSpPr/>
+          <p:nvPr>
+            <p:ph idx="12"/>
+          </p:nvPr>
+        </p:nvSpPr>
+        <p:spPr>
+          <a:xfrm>
+            <a:off x="360045" y="1007745"/>
+            <a:ext cx="3959860" cy="5476875"/>
+          </a:xfrm>
+        </p:spPr>
+        <p:txBody>
+          <a:bodyPr/>
+          <a:p>
+            <a:r>
+              <a:rPr lang="zh-CN" altLang="en-US"/>
+              <a:t>之前一直觉会认为javascript代码执行是由上到下一行行执行的</a:t>
+            </a:r>
+            <a:endParaRPr lang="zh-CN" altLang="en-US"/>
+          </a:p>
+          <a:p>
+            <a:endParaRPr lang="zh-CN" altLang="en-US"/>
+          </a:p>
+          <a:p>
+            <a:endParaRPr lang="zh-CN" altLang="en-US"/>
+          </a:p>
+          <a:p>
+            <a:endParaRPr lang="zh-CN" altLang="en-US"/>
+          </a:p>
+          <a:p>
+            <a:endParaRPr lang="zh-CN" altLang="en-US"/>
+          </a:p>
+          <a:p>
+            <a:endParaRPr lang="zh-CN" altLang="en-US"/>
+          </a:p>
+          <a:p>
+            <a:r>
+              <a:rPr lang="zh-CN" altLang="en-US"/>
+              <a:t>引擎解释javascript代码的之前会对其进行编译。在编译过程中会查找所有声明，并用合适作用域将他们关联起来。换句话说，在代码执行之前，会对作用域链中所有变量和函数声明先处理完先。所以，当遇到var a='hello world'中是 var a是先在编译阶段执行，然后在执行a='hello world'。</a:t>
+            </a:r>
+            <a:endParaRPr lang="zh-CN" altLang="en-US"/>
+          </a:p>
+        </p:txBody>
+      </p:sp>
+      <p:pic>
+        <p:nvPicPr>
+          <p:cNvPr id="17411" name="图片 4"/>
+          <p:cNvPicPr>
+            <a:picLocks noChangeAspect="1"/>
+          </p:cNvPicPr>
+          <p:nvPr>
+            <p:ph idx="13"/>
+          </p:nvPr>
+        </p:nvPicPr>
+        <p:blipFill>
+          <a:blip r:embed="rId1"/>
+          <a:stretch>
+            <a:fillRect/>
+          </a:stretch>
+        </p:blipFill>
+        <p:spPr>
+          <a:xfrm>
+            <a:off x="4731385" y="2057400"/>
+            <a:ext cx="3794760" cy="1937385"/>
+          </a:xfrm>
+          <a:prstGeom prst="rect">
+            <a:avLst/>
+          </a:prstGeom>
+          <a:noFill/>
+          <a:ln w="9525">
+            <a:noFill/>
+          </a:ln>
+        </p:spPr>
+      </p:pic>
+    </p:spTree>
+  </p:cSld>
+  <p:clrMapOvr>
+    <a:masterClrMapping/>
+  </p:clrMapOvr>
+  <p:timing>
+    <p:tnLst>
+      <p:par>
+        <p:cTn id="1" dur="indefinite" restart="never" nodeType="tmRoot"/>
+      </p:par>
+    </p:tnLst>
+  </p:timing>
+</p:sld>
+</file>
+
+<file path=ppt/slides/slide13.xml><?xml version="1.0" encoding="utf-8"?>
+<p:sld xmlns:a="http://schemas.openxmlformats.org/drawingml/2006/main" xmlns:r="http://schemas.openxmlformats.org/officeDocument/2006/relationships" xmlns:p="http://schemas.openxmlformats.org/presentationml/2006/main">
+  <p:cSld>
+    <p:spTree>
+      <p:nvGrpSpPr>
+        <p:cNvPr id="1" name=""/>
+        <p:cNvGrpSpPr/>
+        <p:nvPr/>
+      </p:nvGrpSpPr>
+      <p:grpSpPr/>
+      <p:sp>
+        <p:nvSpPr>
+          <p:cNvPr id="3" name="内容占位符 2"/>
+          <p:cNvSpPr>
+            <a:spLocks noGrp="1" noChangeArrowheads="1"/>
+          </p:cNvSpPr>
+          <p:nvPr>
+            <p:ph idx="1"/>
+          </p:nvPr>
+        </p:nvSpPr>
+        <p:spPr>
+          <a:xfrm>
+            <a:off x="439420" y="963930"/>
+            <a:ext cx="7192645" cy="5191760"/>
+          </a:xfrm>
+        </p:spPr>
+        <p:txBody>
+          <a:bodyPr/>
+          <a:p>
+            <a:r>
+              <a:rPr lang="zh-CN" altLang="en-US"/>
+              <a:t>闭包(closure)是Javacript语言的一个难点，也是它的特色，很多高级应用都要依靠闭包实现。</a:t>
+            </a:r>
+            <a:endParaRPr lang="zh-CN" altLang="en-US"/>
+          </a:p>
+          <a:p>
+            <a:r>
+              <a:rPr lang="zh-CN" altLang="en-US"/>
+              <a:t>在之前我们说过js的作用域有两种，那么全局作用域的东西能否访问局部作用域的变量呢？</a:t>
+            </a:r>
+            <a:endParaRPr lang="zh-CN" altLang="en-US"/>
+          </a:p>
+        </p:txBody>
+      </p:sp>
+      <p:sp>
+        <p:nvSpPr>
+          <p:cNvPr id="4" name="标题 3"/>
+          <p:cNvSpPr>
+            <a:spLocks noGrp="1" noChangeArrowheads="1"/>
+          </p:cNvSpPr>
+          <p:nvPr>
+            <p:ph type="title"/>
+          </p:nvPr>
+        </p:nvSpPr>
+        <p:spPr/>
+        <p:txBody>
+          <a:bodyPr/>
+          <a:p>
+            <a:r>
+              <a:rPr lang="zh-CN" altLang="en-US">
+                <a:solidFill>
+                  <a:schemeClr val="tx1"/>
+                </a:solidFill>
+                <a:effectLst>
+                  <a:outerShdw blurRad="38100" dist="19050" dir="2700000" algn="tl" rotWithShape="0">
+                    <a:schemeClr val="dk1">
+                      <a:alpha val="40000"/>
+                    </a:schemeClr>
+                  </a:outerShdw>
+                </a:effectLst>
+                <a:latin typeface="Arial" panose="020B0604020202020204" pitchFamily="34" charset="0"/>
+                <a:ea typeface="宋体" panose="02010600030101010101" pitchFamily="2" charset="-122"/>
+                <a:cs typeface="+mn-cs"/>
+                <a:sym typeface="+mn-ea"/>
+              </a:rPr>
+              <a:t>闭包</a:t>
+            </a:r>
+            <a:endParaRPr lang="zh-CN" altLang="en-US"/>
+          </a:p>
+        </p:txBody>
+      </p:sp>
+      <p:sp>
+        <p:nvSpPr>
+          <p:cNvPr id="2" name="灯片编号占位符 1"/>
+          <p:cNvSpPr>
+            <a:spLocks noGrp="1"/>
+          </p:cNvSpPr>
+          <p:nvPr>
+            <p:ph type="sldNum" sz="quarter" idx="10"/>
+          </p:nvPr>
+        </p:nvSpPr>
+        <p:spPr/>
+        <p:txBody>
+          <a:bodyPr/>
+          <a:p>
+            <a:pPr>
+              <a:defRPr/>
+            </a:pPr>
+            <a:fld id="{D4FE18B1-0DDD-4E8B-8EAA-9840798265F0}" type="slidenum">
+              <a:rPr lang="en-US" smtClean="0"/>
+            </a:fld>
+            <a:endParaRPr lang="en-US" dirty="0"/>
+          </a:p>
+        </p:txBody>
+      </p:sp>
+    </p:spTree>
+  </p:cSld>
+  <p:clrMapOvr>
+    <a:masterClrMapping/>
+  </p:clrMapOvr>
+</p:sld>
+</file>
+
+<file path=ppt/slides/slide14.xml><?xml version="1.0" encoding="utf-8"?>
+<p:sld xmlns:a="http://schemas.openxmlformats.org/drawingml/2006/main" xmlns:r="http://schemas.openxmlformats.org/officeDocument/2006/relationships" xmlns:p="http://schemas.openxmlformats.org/presentationml/2006/main">
+  <p:cSld>
+    <p:spTree>
+      <p:nvGrpSpPr>
+        <p:cNvPr id="1" name=""/>
+        <p:cNvGrpSpPr/>
+        <p:nvPr/>
+      </p:nvGrpSpPr>
+      <p:grpSpPr>
+        <a:xfrm>
+          <a:off x="0" y="0"/>
+          <a:ext cx="0" cy="0"/>
+          <a:chOff x="0" y="0"/>
+          <a:chExt cx="0" cy="0"/>
+        </a:xfrm>
+      </p:grpSpPr>
+      <p:sp>
+        <p:nvSpPr>
           <p:cNvPr id="2" name="文本框 1"/>
           <p:cNvSpPr txBox="1"/>
           <p:nvPr/>
@@ -5728,6 +6013,100 @@
         <p:cNvGrpSpPr/>
         <p:nvPr/>
       </p:nvGrpSpPr>
+      <p:grpSpPr/>
+      <p:sp>
+        <p:nvSpPr>
+          <p:cNvPr id="4" name="标题 3"/>
+          <p:cNvSpPr>
+            <a:spLocks noGrp="1" noChangeArrowheads="1"/>
+          </p:cNvSpPr>
+          <p:nvPr>
+            <p:ph type="title"/>
+          </p:nvPr>
+        </p:nvSpPr>
+        <p:spPr/>
+        <p:txBody>
+          <a:bodyPr/>
+          <a:p>
+            <a:r>
+              <a:rPr lang="zh-CN" altLang="en-US"/>
+              <a:t>前言</a:t>
+            </a:r>
+            <a:endParaRPr lang="zh-CN" altLang="en-US"/>
+          </a:p>
+        </p:txBody>
+      </p:sp>
+      <p:sp>
+        <p:nvSpPr>
+          <p:cNvPr id="2" name="灯片编号占位符 1"/>
+          <p:cNvSpPr>
+            <a:spLocks noGrp="1"/>
+          </p:cNvSpPr>
+          <p:nvPr>
+            <p:ph type="sldNum" sz="quarter" idx="10"/>
+          </p:nvPr>
+        </p:nvSpPr>
+        <p:spPr/>
+        <p:txBody>
+          <a:bodyPr/>
+          <a:p>
+            <a:pPr>
+              <a:defRPr/>
+            </a:pPr>
+            <a:fld id="{D4FE18B1-0DDD-4E8B-8EAA-9840798265F0}" type="slidenum">
+              <a:rPr lang="en-US" smtClean="0"/>
+            </a:fld>
+            <a:endParaRPr lang="en-US" dirty="0"/>
+          </a:p>
+        </p:txBody>
+      </p:sp>
+      <p:pic>
+        <p:nvPicPr>
+          <p:cNvPr id="4098" name="图片 1" descr="83c6c631d88189afd16e007ba6190f6a"/>
+          <p:cNvPicPr>
+            <a:picLocks noChangeAspect="1"/>
+          </p:cNvPicPr>
+          <p:nvPr>
+            <p:ph idx="1"/>
+          </p:nvPr>
+        </p:nvPicPr>
+        <p:blipFill>
+          <a:blip r:embed="rId1"/>
+          <a:stretch>
+            <a:fillRect/>
+          </a:stretch>
+        </p:blipFill>
+        <p:spPr>
+          <a:xfrm>
+            <a:off x="904240" y="1266190"/>
+            <a:ext cx="7019925" cy="4563110"/>
+          </a:xfrm>
+          <a:prstGeom prst="rect">
+            <a:avLst/>
+          </a:prstGeom>
+          <a:noFill/>
+          <a:ln w="9525">
+            <a:noFill/>
+          </a:ln>
+        </p:spPr>
+      </p:pic>
+    </p:spTree>
+  </p:cSld>
+  <p:clrMapOvr>
+    <a:masterClrMapping/>
+  </p:clrMapOvr>
+</p:sld>
+</file>
+
+<file path=ppt/slides/slide3.xml><?xml version="1.0" encoding="utf-8"?>
+<p:sld xmlns:a="http://schemas.openxmlformats.org/drawingml/2006/main" xmlns:r="http://schemas.openxmlformats.org/officeDocument/2006/relationships" xmlns:p="http://schemas.openxmlformats.org/presentationml/2006/main">
+  <p:cSld>
+    <p:spTree>
+      <p:nvGrpSpPr>
+        <p:cNvPr id="1" name=""/>
+        <p:cNvGrpSpPr/>
+        <p:nvPr/>
+      </p:nvGrpSpPr>
       <p:grpSpPr>
         <a:xfrm>
           <a:off x="0" y="0"/>
@@ -5827,7 +6206,7 @@
 </p:sld>
 </file>
 
-<file path=ppt/slides/slide3.xml><?xml version="1.0" encoding="utf-8"?>
+<file path=ppt/slides/slide4.xml><?xml version="1.0" encoding="utf-8"?>
 <p:sld xmlns:a="http://schemas.openxmlformats.org/drawingml/2006/main" xmlns:r="http://schemas.openxmlformats.org/officeDocument/2006/relationships" xmlns:p="http://schemas.openxmlformats.org/presentationml/2006/main">
   <p:cSld>
     <p:spTree>
@@ -6221,155 +6600,6 @@
 </p:sld>
 </file>
 
-<file path=ppt/slides/slide4.xml><?xml version="1.0" encoding="utf-8"?>
-<p:sld xmlns:a="http://schemas.openxmlformats.org/drawingml/2006/main" xmlns:r="http://schemas.openxmlformats.org/officeDocument/2006/relationships" xmlns:p="http://schemas.openxmlformats.org/presentationml/2006/main">
-  <p:cSld>
-    <p:spTree>
-      <p:nvGrpSpPr>
-        <p:cNvPr id="1" name=""/>
-        <p:cNvGrpSpPr/>
-        <p:nvPr/>
-      </p:nvGrpSpPr>
-      <p:grpSpPr>
-        <a:xfrm>
-          <a:off x="0" y="0"/>
-          <a:ext cx="0" cy="0"/>
-          <a:chOff x="0" y="0"/>
-          <a:chExt cx="0" cy="0"/>
-        </a:xfrm>
-      </p:grpSpPr>
-      <p:sp>
-        <p:nvSpPr>
-          <p:cNvPr id="3" name="幻灯片编号占位符 2"/>
-          <p:cNvSpPr>
-            <a:spLocks noGrp="1"/>
-          </p:cNvSpPr>
-          <p:nvPr>
-            <p:ph type="sldNum" sz="quarter" idx="10"/>
-          </p:nvPr>
-        </p:nvSpPr>
-        <p:spPr>
-          <a:xfrm>
-            <a:off x="7446645" y="6551930"/>
-            <a:ext cx="1691640" cy="304800"/>
-          </a:xfrm>
-        </p:spPr>
-        <p:txBody>
-          <a:bodyPr/>
-          <a:lstStyle/>
-          <a:p>
-            <a:pPr>
-              <a:defRPr/>
-            </a:pPr>
-            <a:r>
-              <a:rPr lang="en-US" dirty="0"/>
-              <a:t>code1</a:t>
-            </a:r>
-            <a:endParaRPr lang="en-US" dirty="0"/>
-          </a:p>
-        </p:txBody>
-      </p:sp>
-      <p:sp>
-        <p:nvSpPr>
-          <p:cNvPr id="4" name="标题 3"/>
-          <p:cNvSpPr>
-            <a:spLocks noGrp="1"/>
-          </p:cNvSpPr>
-          <p:nvPr>
-            <p:ph type="title"/>
-          </p:nvPr>
-        </p:nvSpPr>
-        <p:spPr/>
-        <p:txBody>
-          <a:bodyPr/>
-          <a:lstStyle/>
-          <a:p>
-            <a:r>
-              <a:rPr lang="en-US" altLang="zh-CN" u="sng" dirty="0">
-                <a:solidFill>
-                  <a:schemeClr val="tx1"/>
-                </a:solidFill>
-                <a:sym typeface="+mn-ea"/>
-              </a:rPr>
-              <a:t>js变量的类型有哪些？</a:t>
-            </a:r>
-            <a:endParaRPr kumimoji="1" lang="zh-CN" altLang="en-US" dirty="0"/>
-          </a:p>
-        </p:txBody>
-      </p:sp>
-      <p:pic>
-        <p:nvPicPr>
-          <p:cNvPr id="8193" name="图片 3"/>
-          <p:cNvPicPr>
-            <a:picLocks noChangeAspect="1"/>
-          </p:cNvPicPr>
-          <p:nvPr>
-            <p:ph idx="1"/>
-          </p:nvPr>
-        </p:nvPicPr>
-        <p:blipFill>
-          <a:blip r:embed="rId1"/>
-          <a:stretch>
-            <a:fillRect/>
-          </a:stretch>
-        </p:blipFill>
-        <p:spPr>
-          <a:xfrm>
-            <a:off x="483870" y="805180"/>
-            <a:ext cx="6120130" cy="2785110"/>
-          </a:xfrm>
-          <a:prstGeom prst="rect">
-            <a:avLst/>
-          </a:prstGeom>
-          <a:noFill/>
-          <a:ln w="9525">
-            <a:noFill/>
-          </a:ln>
-        </p:spPr>
-      </p:pic>
-      <p:pic>
-        <p:nvPicPr>
-          <p:cNvPr id="8195" name="图片 4"/>
-          <p:cNvPicPr>
-            <a:picLocks noChangeAspect="1"/>
-          </p:cNvPicPr>
-          <p:nvPr/>
-        </p:nvPicPr>
-        <p:blipFill>
-          <a:blip r:embed="rId2"/>
-          <a:stretch>
-            <a:fillRect/>
-          </a:stretch>
-        </p:blipFill>
-        <p:spPr>
-          <a:xfrm>
-            <a:off x="483870" y="3658870"/>
-            <a:ext cx="5303838" cy="2767013"/>
-          </a:xfrm>
-          <a:prstGeom prst="rect">
-            <a:avLst/>
-          </a:prstGeom>
-          <a:noFill/>
-          <a:ln w="9525">
-            <a:noFill/>
-          </a:ln>
-        </p:spPr>
-      </p:pic>
-    </p:spTree>
-  </p:cSld>
-  <p:clrMapOvr>
-    <a:masterClrMapping/>
-  </p:clrMapOvr>
-  <p:timing>
-    <p:tnLst>
-      <p:par>
-        <p:cTn id="1" dur="indefinite" restart="never" nodeType="tmRoot"/>
-      </p:par>
-    </p:tnLst>
-  </p:timing>
-</p:sld>
-</file>
-
 <file path=ppt/slides/slide5.xml><?xml version="1.0" encoding="utf-8"?>
 <p:sld xmlns:a="http://schemas.openxmlformats.org/drawingml/2006/main" xmlns:r="http://schemas.openxmlformats.org/officeDocument/2006/relationships" xmlns:p="http://schemas.openxmlformats.org/presentationml/2006/main">
   <p:cSld>
@@ -6389,73 +6619,18 @@
       </p:grpSpPr>
       <p:sp>
         <p:nvSpPr>
-          <p:cNvPr id="2" name="内容占位符 1"/>
+          <p:cNvPr id="3" name="幻灯片编号占位符 2"/>
           <p:cNvSpPr>
             <a:spLocks noGrp="1"/>
           </p:cNvSpPr>
           <p:nvPr>
-            <p:ph idx="1"/>
+            <p:ph type="sldNum" sz="quarter" idx="10"/>
           </p:nvPr>
         </p:nvSpPr>
         <p:spPr>
           <a:xfrm>
-            <a:off x="467544" y="1124744"/>
-            <a:ext cx="7164456" cy="5031256"/>
-          </a:xfrm>
-        </p:spPr>
-        <p:txBody>
-          <a:bodyPr/>
-          <a:lstStyle/>
-          <a:p>
-            <a:r>
-              <a:rPr kumimoji="1" lang="zh-CN" altLang="en-US" dirty="0"/>
-              <a:t>typeof</a:t>
-            </a:r>
-            <a:endParaRPr kumimoji="1" lang="zh-CN" altLang="en-US" dirty="0"/>
-          </a:p>
-          <a:p>
-            <a:r>
-              <a:rPr kumimoji="1" lang="zh-CN" altLang="en-US" dirty="0"/>
-              <a:t>用于判断一个一个表达式，（对象或者原始值），返回一个字符串。</a:t>
-            </a:r>
-            <a:endParaRPr kumimoji="1" lang="zh-CN" altLang="en-US" dirty="0"/>
-          </a:p>
-          <a:p>
-            <a:endParaRPr kumimoji="1" lang="zh-CN" altLang="en-US" dirty="0"/>
-          </a:p>
-          <a:p>
-            <a:endParaRPr kumimoji="1" lang="zh-CN" altLang="en-US" dirty="0"/>
-          </a:p>
-          <a:p>
-            <a:r>
-              <a:rPr kumimoji="1" lang="zh-CN" altLang="en-US" dirty="0"/>
-              <a:t>instanceof</a:t>
-            </a:r>
-            <a:endParaRPr kumimoji="1" lang="zh-CN" altLang="en-US" dirty="0"/>
-          </a:p>
-          <a:p>
-            <a:r>
-              <a:rPr kumimoji="1" lang="zh-CN" altLang="en-US" dirty="0"/>
-              <a:t>instanceof 运算符用来测试一个对象在其原型链中是否存在一个构造函数的 prototype 属性。</a:t>
-            </a:r>
-            <a:endParaRPr kumimoji="1" lang="zh-CN" altLang="en-US" dirty="0"/>
-          </a:p>
-        </p:txBody>
-      </p:sp>
-      <p:sp>
-        <p:nvSpPr>
-          <p:cNvPr id="3" name="幻灯片编号占位符 2"/>
-          <p:cNvSpPr>
-            <a:spLocks noGrp="1"/>
-          </p:cNvSpPr>
-          <p:nvPr>
-            <p:ph type="sldNum" sz="quarter" idx="10"/>
-          </p:nvPr>
-        </p:nvSpPr>
-        <p:spPr>
-          <a:xfrm>
-            <a:off x="7061835" y="6551930"/>
-            <a:ext cx="2076450" cy="304800"/>
+            <a:off x="7446645" y="6551930"/>
+            <a:ext cx="1691640" cy="304800"/>
           </a:xfrm>
         </p:spPr>
         <p:txBody>
@@ -6466,7 +6641,7 @@
               <a:defRPr/>
             </a:pPr>
             <a:r>
-              <a:rPr lang="en-US" smtClean="0"/>
+              <a:rPr lang="en-US" dirty="0"/>
               <a:t>code1</a:t>
             </a:r>
             <a:endParaRPr lang="en-US" dirty="0"/>
@@ -6489,28 +6664,76 @@
           <a:lstStyle/>
           <a:p>
             <a:r>
-              <a:rPr lang="zh-CN" altLang="en-US">
+              <a:rPr lang="en-US" altLang="zh-CN" u="sng" dirty="0">
                 <a:solidFill>
                   <a:schemeClr val="tx1"/>
                 </a:solidFill>
-                <a:effectLst>
-                  <a:outerShdw blurRad="38100" dist="19050" dir="2700000" algn="tl" rotWithShape="0">
-                    <a:schemeClr val="dk1">
-                      <a:alpha val="40000"/>
-                    </a:schemeClr>
-                  </a:outerShdw>
-                </a:effectLst>
-                <a:latin typeface="Arial" panose="020B0604020202020204" pitchFamily="34" charset="0"/>
-                <a:ea typeface="宋体" panose="02010600030101010101" pitchFamily="2" charset="-122"/>
-                <a:cs typeface="+mn-cs"/>
                 <a:sym typeface="+mn-ea"/>
               </a:rPr>
-              <a:t>如何判断一个变量的类型</a:t>
+              <a:t>js变量的类型有哪些？</a:t>
             </a:r>
             <a:endParaRPr kumimoji="1" lang="zh-CN" altLang="en-US" dirty="0"/>
           </a:p>
         </p:txBody>
       </p:sp>
+      <p:pic>
+        <p:nvPicPr>
+          <p:cNvPr id="8193" name="图片 3"/>
+          <p:cNvPicPr>
+            <a:picLocks noChangeAspect="1"/>
+          </p:cNvPicPr>
+          <p:nvPr>
+            <p:ph idx="1"/>
+          </p:nvPr>
+        </p:nvPicPr>
+        <p:blipFill>
+          <a:blip r:embed="rId1"/>
+          <a:stretch>
+            <a:fillRect/>
+          </a:stretch>
+        </p:blipFill>
+        <p:spPr>
+          <a:xfrm>
+            <a:off x="483870" y="805180"/>
+            <a:ext cx="6120130" cy="2785110"/>
+          </a:xfrm>
+          <a:prstGeom prst="rect">
+            <a:avLst/>
+          </a:prstGeom>
+          <a:noFill/>
+          <a:ln w="9525">
+            <a:noFill/>
+          </a:ln>
+        </p:spPr>
+      </p:pic>
+      <p:pic>
+        <p:nvPicPr>
+          <p:cNvPr id="8195" name="图片 4"/>
+          <p:cNvPicPr>
+            <a:picLocks noChangeAspect="1"/>
+          </p:cNvPicPr>
+          <p:nvPr/>
+        </p:nvPicPr>
+        <p:blipFill>
+          <a:blip r:embed="rId2"/>
+          <a:stretch>
+            <a:fillRect/>
+          </a:stretch>
+        </p:blipFill>
+        <p:spPr>
+          <a:xfrm>
+            <a:off x="483870" y="3658870"/>
+            <a:ext cx="5303838" cy="2767013"/>
+          </a:xfrm>
+          <a:prstGeom prst="rect">
+            <a:avLst/>
+          </a:prstGeom>
+          <a:noFill/>
+          <a:ln w="9525">
+            <a:noFill/>
+          </a:ln>
+        </p:spPr>
+      </p:pic>
     </p:spTree>
   </p:cSld>
   <p:clrMapOvr>
@@ -6545,6 +6768,61 @@
       </p:grpSpPr>
       <p:sp>
         <p:nvSpPr>
+          <p:cNvPr id="2" name="内容占位符 1"/>
+          <p:cNvSpPr>
+            <a:spLocks noGrp="1"/>
+          </p:cNvSpPr>
+          <p:nvPr>
+            <p:ph idx="1"/>
+          </p:nvPr>
+        </p:nvSpPr>
+        <p:spPr>
+          <a:xfrm>
+            <a:off x="467544" y="1124744"/>
+            <a:ext cx="7164456" cy="5031256"/>
+          </a:xfrm>
+        </p:spPr>
+        <p:txBody>
+          <a:bodyPr/>
+          <a:lstStyle/>
+          <a:p>
+            <a:r>
+              <a:rPr kumimoji="1" lang="zh-CN" altLang="en-US" dirty="0"/>
+              <a:t>typeof</a:t>
+            </a:r>
+            <a:endParaRPr kumimoji="1" lang="zh-CN" altLang="en-US" dirty="0"/>
+          </a:p>
+          <a:p>
+            <a:r>
+              <a:rPr kumimoji="1" lang="zh-CN" altLang="en-US" dirty="0"/>
+              <a:t>用于判断一个一个表达式，（对象或者原始值），返回一个字符串。</a:t>
+            </a:r>
+            <a:endParaRPr kumimoji="1" lang="zh-CN" altLang="en-US" dirty="0"/>
+          </a:p>
+          <a:p>
+            <a:endParaRPr kumimoji="1" lang="zh-CN" altLang="en-US" dirty="0"/>
+          </a:p>
+          <a:p>
+            <a:endParaRPr kumimoji="1" lang="zh-CN" altLang="en-US" dirty="0"/>
+          </a:p>
+          <a:p>
+            <a:r>
+              <a:rPr kumimoji="1" lang="zh-CN" altLang="en-US" dirty="0"/>
+              <a:t>instanceof</a:t>
+            </a:r>
+            <a:endParaRPr kumimoji="1" lang="zh-CN" altLang="en-US" dirty="0"/>
+          </a:p>
+          <a:p>
+            <a:r>
+              <a:rPr kumimoji="1" lang="zh-CN" altLang="en-US" dirty="0"/>
+              <a:t>instanceof 运算符用来测试一个对象在其原型链中是否存在一个构造函数的 prototype 属性。</a:t>
+            </a:r>
+            <a:endParaRPr kumimoji="1" lang="zh-CN" altLang="en-US" dirty="0"/>
+          </a:p>
+        </p:txBody>
+      </p:sp>
+      <p:sp>
+        <p:nvSpPr>
           <p:cNvPr id="3" name="幻灯片编号占位符 2"/>
           <p:cNvSpPr>
             <a:spLocks noGrp="1"/>
@@ -6555,8 +6833,8 @@
         </p:nvSpPr>
         <p:spPr>
           <a:xfrm>
-            <a:off x="7988300" y="6551930"/>
-            <a:ext cx="1149985" cy="304800"/>
+            <a:off x="7061835" y="6551930"/>
+            <a:ext cx="2076450" cy="304800"/>
           </a:xfrm>
         </p:spPr>
         <p:txBody>
@@ -6568,7 +6846,7 @@
             </a:pPr>
             <a:r>
               <a:rPr lang="en-US" smtClean="0"/>
-              <a:t>code2</a:t>
+              <a:t>code1</a:t>
             </a:r>
             <a:endParaRPr lang="en-US" dirty="0"/>
           </a:p>
@@ -6606,40 +6884,12 @@
                 <a:cs typeface="+mn-cs"/>
                 <a:sym typeface="+mn-ea"/>
               </a:rPr>
-              <a:t>原型和原型链</a:t>
+              <a:t>如何判断一个变量的类型</a:t>
             </a:r>
             <a:endParaRPr kumimoji="1" lang="zh-CN" altLang="en-US" dirty="0"/>
           </a:p>
         </p:txBody>
       </p:sp>
-      <p:pic>
-        <p:nvPicPr>
-          <p:cNvPr id="12290" name="图片 7"/>
-          <p:cNvPicPr>
-            <a:picLocks noChangeAspect="1"/>
-          </p:cNvPicPr>
-          <p:nvPr/>
-        </p:nvPicPr>
-        <p:blipFill>
-          <a:blip r:embed="rId1"/>
-          <a:stretch>
-            <a:fillRect/>
-          </a:stretch>
-        </p:blipFill>
-        <p:spPr>
-          <a:xfrm>
-            <a:off x="360045" y="1169988"/>
-            <a:ext cx="8278813" cy="3971925"/>
-          </a:xfrm>
-          <a:prstGeom prst="rect">
-            <a:avLst/>
-          </a:prstGeom>
-          <a:noFill/>
-          <a:ln w="9525">
-            <a:noFill/>
-          </a:ln>
-        </p:spPr>
-      </p:pic>
     </p:spTree>
   </p:cSld>
   <p:clrMapOvr>
@@ -6664,100 +6914,6 @@
         <p:cNvGrpSpPr/>
         <p:nvPr/>
       </p:nvGrpSpPr>
-      <p:grpSpPr/>
-      <p:sp>
-        <p:nvSpPr>
-          <p:cNvPr id="4" name="标题 3"/>
-          <p:cNvSpPr>
-            <a:spLocks noGrp="1" noChangeArrowheads="1"/>
-          </p:cNvSpPr>
-          <p:nvPr>
-            <p:ph type="title"/>
-          </p:nvPr>
-        </p:nvSpPr>
-        <p:spPr/>
-        <p:txBody>
-          <a:bodyPr/>
-          <a:p>
-            <a:r>
-              <a:rPr lang="zh-CN" altLang="en-US"/>
-              <a:t>原型链</a:t>
-            </a:r>
-            <a:endParaRPr lang="zh-CN" altLang="en-US"/>
-          </a:p>
-        </p:txBody>
-      </p:sp>
-      <p:sp>
-        <p:nvSpPr>
-          <p:cNvPr id="2" name="灯片编号占位符 1"/>
-          <p:cNvSpPr>
-            <a:spLocks noGrp="1"/>
-          </p:cNvSpPr>
-          <p:nvPr>
-            <p:ph type="sldNum" sz="quarter" idx="10"/>
-          </p:nvPr>
-        </p:nvSpPr>
-        <p:spPr/>
-        <p:txBody>
-          <a:bodyPr/>
-          <a:p>
-            <a:pPr>
-              <a:defRPr/>
-            </a:pPr>
-            <a:fld id="{D4FE18B1-0DDD-4E8B-8EAA-9840798265F0}" type="slidenum">
-              <a:rPr lang="en-US" smtClean="0"/>
-            </a:fld>
-            <a:endParaRPr lang="en-US" dirty="0"/>
-          </a:p>
-        </p:txBody>
-      </p:sp>
-      <p:pic>
-        <p:nvPicPr>
-          <p:cNvPr id="14337" name="图片 3"/>
-          <p:cNvPicPr>
-            <a:picLocks noChangeAspect="1"/>
-          </p:cNvPicPr>
-          <p:nvPr>
-            <p:ph idx="1"/>
-          </p:nvPr>
-        </p:nvPicPr>
-        <p:blipFill>
-          <a:blip r:embed="rId1"/>
-          <a:stretch>
-            <a:fillRect/>
-          </a:stretch>
-        </p:blipFill>
-        <p:spPr>
-          <a:xfrm>
-            <a:off x="1324610" y="1502410"/>
-            <a:ext cx="6120130" cy="3048635"/>
-          </a:xfrm>
-          <a:prstGeom prst="rect">
-            <a:avLst/>
-          </a:prstGeom>
-          <a:noFill/>
-          <a:ln w="9525">
-            <a:noFill/>
-          </a:ln>
-        </p:spPr>
-      </p:pic>
-    </p:spTree>
-  </p:cSld>
-  <p:clrMapOvr>
-    <a:masterClrMapping/>
-  </p:clrMapOvr>
-</p:sld>
-</file>
-
-<file path=ppt/slides/slide8.xml><?xml version="1.0" encoding="utf-8"?>
-<p:sld xmlns:a="http://schemas.openxmlformats.org/drawingml/2006/main" xmlns:r="http://schemas.openxmlformats.org/officeDocument/2006/relationships" xmlns:p="http://schemas.openxmlformats.org/presentationml/2006/main">
-  <p:cSld>
-    <p:spTree>
-      <p:nvGrpSpPr>
-        <p:cNvPr id="1" name=""/>
-        <p:cNvGrpSpPr/>
-        <p:nvPr/>
-      </p:nvGrpSpPr>
       <p:grpSpPr>
         <a:xfrm>
           <a:off x="0" y="0"/>
@@ -6768,59 +6924,18 @@
       </p:grpSpPr>
       <p:sp>
         <p:nvSpPr>
-          <p:cNvPr id="2" name="内容占位符 1"/>
+          <p:cNvPr id="3" name="幻灯片编号占位符 2"/>
           <p:cNvSpPr>
             <a:spLocks noGrp="1"/>
           </p:cNvSpPr>
           <p:nvPr>
-            <p:ph idx="1"/>
+            <p:ph type="sldNum" sz="quarter" idx="10"/>
           </p:nvPr>
         </p:nvSpPr>
         <p:spPr>
           <a:xfrm>
-            <a:off x="611560" y="1196752"/>
-            <a:ext cx="7488832" cy="5040560"/>
-          </a:xfrm>
-        </p:spPr>
-        <p:txBody>
-          <a:bodyPr/>
-          <a:lstStyle/>
-          <a:p>
-            <a:r>
-              <a:rPr kumimoji="1" lang="zh-CN" altLang="en-US" dirty="0"/>
-              <a:t>显式转换 </a:t>
-            </a:r>
-            <a:endParaRPr kumimoji="1" lang="zh-CN" altLang="en-US" dirty="0"/>
-          </a:p>
-          <a:p>
-            <a:r>
-              <a:rPr kumimoji="1" lang="zh-CN" altLang="en-US" dirty="0"/>
-              <a:t>隐</a:t>
-            </a:r>
-            <a:r>
-              <a:rPr kumimoji="1" lang="zh-CN" altLang="en-US" dirty="0">
-                <a:sym typeface="+mn-ea"/>
-              </a:rPr>
-              <a:t>式转换</a:t>
-            </a:r>
-            <a:endParaRPr kumimoji="1" lang="zh-CN" altLang="en-US" dirty="0"/>
-          </a:p>
-        </p:txBody>
-      </p:sp>
-      <p:sp>
-        <p:nvSpPr>
-          <p:cNvPr id="3" name="幻灯片编号占位符 2"/>
-          <p:cNvSpPr>
-            <a:spLocks noGrp="1"/>
-          </p:cNvSpPr>
-          <p:nvPr>
-            <p:ph type="sldNum" sz="quarter" idx="10"/>
-          </p:nvPr>
-        </p:nvSpPr>
-        <p:spPr>
-          <a:xfrm>
-            <a:off x="7379970" y="6551930"/>
-            <a:ext cx="1758315" cy="304800"/>
+            <a:off x="7988300" y="6551930"/>
+            <a:ext cx="1149985" cy="304800"/>
           </a:xfrm>
         </p:spPr>
         <p:txBody>
@@ -6831,7 +6946,7 @@
               <a:defRPr/>
             </a:pPr>
             <a:r>
-              <a:rPr lang="en-US" dirty="0"/>
+              <a:rPr lang="en-US" smtClean="0"/>
               <a:t>code2</a:t>
             </a:r>
             <a:endParaRPr lang="en-US" dirty="0"/>
@@ -6854,16 +6969,23 @@
           <a:lstStyle/>
           <a:p>
             <a:r>
-              <a:rPr>
+              <a:rPr lang="zh-CN" altLang="en-US">
+                <a:solidFill>
+                  <a:schemeClr val="tx1"/>
+                </a:solidFill>
+                <a:effectLst>
+                  <a:outerShdw blurRad="38100" dist="19050" dir="2700000" algn="tl" rotWithShape="0">
+                    <a:schemeClr val="dk1">
+                      <a:alpha val="40000"/>
+                    </a:schemeClr>
+                  </a:outerShdw>
+                </a:effectLst>
+                <a:latin typeface="Arial" panose="020B0604020202020204" pitchFamily="34" charset="0"/>
+                <a:ea typeface="宋体" panose="02010600030101010101" pitchFamily="2" charset="-122"/>
+                <a:cs typeface="+mn-cs"/>
                 <a:sym typeface="+mn-ea"/>
               </a:rPr>
-              <a:t>js的强制类型转换</a:t>
-            </a:r>
-            <a:r>
-              <a:rPr lang="zh-CN">
-                <a:sym typeface="+mn-ea"/>
-              </a:rPr>
-              <a:t>有哪些？</a:t>
+              <a:t>原型和原型链</a:t>
             </a:r>
             <a:endParaRPr kumimoji="1" lang="zh-CN" altLang="en-US" dirty="0"/>
           </a:p>
@@ -6871,7 +6993,7 @@
       </p:sp>
       <p:pic>
         <p:nvPicPr>
-          <p:cNvPr id="15362" name="图片 5" descr="Image"/>
+          <p:cNvPr id="12290" name="图片 7"/>
           <p:cNvPicPr>
             <a:picLocks noChangeAspect="1"/>
           </p:cNvPicPr>
@@ -6885,8 +7007,8 @@
         </p:blipFill>
         <p:spPr>
           <a:xfrm>
-            <a:off x="811848" y="2242503"/>
-            <a:ext cx="2543175" cy="3295650"/>
+            <a:off x="360045" y="1169988"/>
+            <a:ext cx="8278813" cy="3971925"/>
           </a:xfrm>
           <a:prstGeom prst="rect">
             <a:avLst/>
@@ -6909,6 +7031,100 @@
       </p:par>
     </p:tnLst>
   </p:timing>
+</p:sld>
+</file>
+
+<file path=ppt/slides/slide8.xml><?xml version="1.0" encoding="utf-8"?>
+<p:sld xmlns:a="http://schemas.openxmlformats.org/drawingml/2006/main" xmlns:r="http://schemas.openxmlformats.org/officeDocument/2006/relationships" xmlns:p="http://schemas.openxmlformats.org/presentationml/2006/main">
+  <p:cSld>
+    <p:spTree>
+      <p:nvGrpSpPr>
+        <p:cNvPr id="1" name=""/>
+        <p:cNvGrpSpPr/>
+        <p:nvPr/>
+      </p:nvGrpSpPr>
+      <p:grpSpPr/>
+      <p:sp>
+        <p:nvSpPr>
+          <p:cNvPr id="4" name="标题 3"/>
+          <p:cNvSpPr>
+            <a:spLocks noGrp="1" noChangeArrowheads="1"/>
+          </p:cNvSpPr>
+          <p:nvPr>
+            <p:ph type="title"/>
+          </p:nvPr>
+        </p:nvSpPr>
+        <p:spPr/>
+        <p:txBody>
+          <a:bodyPr/>
+          <a:p>
+            <a:r>
+              <a:rPr lang="zh-CN" altLang="en-US"/>
+              <a:t>原型链</a:t>
+            </a:r>
+            <a:endParaRPr lang="zh-CN" altLang="en-US"/>
+          </a:p>
+        </p:txBody>
+      </p:sp>
+      <p:sp>
+        <p:nvSpPr>
+          <p:cNvPr id="2" name="灯片编号占位符 1"/>
+          <p:cNvSpPr>
+            <a:spLocks noGrp="1"/>
+          </p:cNvSpPr>
+          <p:nvPr>
+            <p:ph type="sldNum" sz="quarter" idx="10"/>
+          </p:nvPr>
+        </p:nvSpPr>
+        <p:spPr/>
+        <p:txBody>
+          <a:bodyPr/>
+          <a:p>
+            <a:pPr>
+              <a:defRPr/>
+            </a:pPr>
+            <a:fld id="{D4FE18B1-0DDD-4E8B-8EAA-9840798265F0}" type="slidenum">
+              <a:rPr lang="en-US" smtClean="0"/>
+            </a:fld>
+            <a:endParaRPr lang="en-US" dirty="0"/>
+          </a:p>
+        </p:txBody>
+      </p:sp>
+      <p:pic>
+        <p:nvPicPr>
+          <p:cNvPr id="14337" name="图片 3"/>
+          <p:cNvPicPr>
+            <a:picLocks noChangeAspect="1"/>
+          </p:cNvPicPr>
+          <p:nvPr>
+            <p:ph idx="1"/>
+          </p:nvPr>
+        </p:nvPicPr>
+        <p:blipFill>
+          <a:blip r:embed="rId1"/>
+          <a:stretch>
+            <a:fillRect/>
+          </a:stretch>
+        </p:blipFill>
+        <p:spPr>
+          <a:xfrm>
+            <a:off x="1324610" y="1502410"/>
+            <a:ext cx="6120130" cy="3048635"/>
+          </a:xfrm>
+          <a:prstGeom prst="rect">
+            <a:avLst/>
+          </a:prstGeom>
+          <a:noFill/>
+          <a:ln w="9525">
+            <a:noFill/>
+          </a:ln>
+        </p:spPr>
+      </p:pic>
+    </p:spTree>
+  </p:cSld>
+  <p:clrMapOvr>
+    <a:masterClrMapping/>
+  </p:clrMapOvr>
 </p:sld>
 </file>
 
@@ -6931,15 +7147,61 @@
       </p:grpSpPr>
       <p:sp>
         <p:nvSpPr>
-          <p:cNvPr id="2" name="幻灯片编号占位符 1"/>
+          <p:cNvPr id="2" name="内容占位符 1"/>
           <p:cNvSpPr>
             <a:spLocks noGrp="1"/>
           </p:cNvSpPr>
           <p:nvPr>
+            <p:ph idx="1"/>
+          </p:nvPr>
+        </p:nvSpPr>
+        <p:spPr>
+          <a:xfrm>
+            <a:off x="611560" y="1196752"/>
+            <a:ext cx="7488832" cy="5040560"/>
+          </a:xfrm>
+        </p:spPr>
+        <p:txBody>
+          <a:bodyPr/>
+          <a:lstStyle/>
+          <a:p>
+            <a:r>
+              <a:rPr kumimoji="1" lang="zh-CN" altLang="en-US" dirty="0"/>
+              <a:t>显式转换 </a:t>
+            </a:r>
+            <a:endParaRPr kumimoji="1" lang="zh-CN" altLang="en-US" dirty="0"/>
+          </a:p>
+          <a:p>
+            <a:r>
+              <a:rPr kumimoji="1" lang="zh-CN" altLang="en-US" dirty="0"/>
+              <a:t>隐</a:t>
+            </a:r>
+            <a:r>
+              <a:rPr kumimoji="1" lang="zh-CN" altLang="en-US" dirty="0">
+                <a:sym typeface="+mn-ea"/>
+              </a:rPr>
+              <a:t>式转换</a:t>
+            </a:r>
+            <a:endParaRPr kumimoji="1" lang="zh-CN" altLang="en-US" dirty="0"/>
+          </a:p>
+        </p:txBody>
+      </p:sp>
+      <p:sp>
+        <p:nvSpPr>
+          <p:cNvPr id="3" name="幻灯片编号占位符 2"/>
+          <p:cNvSpPr>
+            <a:spLocks noGrp="1"/>
+          </p:cNvSpPr>
+          <p:nvPr>
             <p:ph type="sldNum" sz="quarter" idx="10"/>
           </p:nvPr>
         </p:nvSpPr>
-        <p:spPr/>
+        <p:spPr>
+          <a:xfrm>
+            <a:off x="7379970" y="6551930"/>
+            <a:ext cx="1758315" cy="304800"/>
+          </a:xfrm>
+        </p:spPr>
         <p:txBody>
           <a:bodyPr/>
           <a:lstStyle/>
@@ -6947,16 +7209,17 @@
             <a:pPr>
               <a:defRPr/>
             </a:pPr>
-            <a:fld id="{05F6A23B-73E6-4DF5-9296-CE83C25FC8C1}" type="slidenum">
-              <a:rPr lang="en-US" smtClean="0"/>
-            </a:fld>
+            <a:r>
+              <a:rPr lang="en-US" dirty="0"/>
+              <a:t>code2</a:t>
+            </a:r>
             <a:endParaRPr lang="en-US" dirty="0"/>
           </a:p>
         </p:txBody>
       </p:sp>
       <p:sp>
         <p:nvSpPr>
-          <p:cNvPr id="3" name="标题 2"/>
+          <p:cNvPr id="4" name="标题 3"/>
           <p:cNvSpPr>
             <a:spLocks noGrp="1"/>
           </p:cNvSpPr>
@@ -6970,50 +7233,24 @@
           <a:lstStyle/>
           <a:p>
             <a:r>
-              <a:rPr kumimoji="1" lang="en-US" altLang="zh-CN" dirty="0"/>
-              <a:t>!!</a:t>
-            </a:r>
-            <a:r>
-              <a:rPr kumimoji="1" lang="zh-CN" altLang="en-US" dirty="0"/>
-              <a:t>的使用</a:t>
-            </a:r>
-            <a:endParaRPr kumimoji="1" lang="zh-CN" altLang="en-US" dirty="0"/>
-          </a:p>
-        </p:txBody>
-      </p:sp>
-      <p:sp>
-        <p:nvSpPr>
-          <p:cNvPr id="4" name="内容占位符 3"/>
-          <p:cNvSpPr>
-            <a:spLocks noGrp="1"/>
-          </p:cNvSpPr>
-          <p:nvPr>
-            <p:ph idx="1"/>
-          </p:nvPr>
-        </p:nvSpPr>
-        <p:spPr/>
-        <p:txBody>
-          <a:bodyPr/>
-          <a:lstStyle/>
-          <a:p>
-            <a:pPr marL="450850" lvl="1" indent="0">
-              <a:buNone/>
-            </a:pPr>
-            <a:endParaRPr lang="en-US" altLang="zh-CN" sz="2000" dirty="0" smtClean="0"/>
-          </a:p>
-          <a:p>
-            <a:pPr lvl="1"/>
-            <a:endParaRPr lang="en-US" altLang="zh-CN" dirty="0"/>
-          </a:p>
-          <a:p>
-            <a:pPr lvl="1"/>
+              <a:rPr>
+                <a:sym typeface="+mn-ea"/>
+              </a:rPr>
+              <a:t>js的强制类型转换</a:t>
+            </a:r>
+            <a:r>
+              <a:rPr lang="zh-CN">
+                <a:sym typeface="+mn-ea"/>
+              </a:rPr>
+              <a:t>有哪些？</a:t>
+            </a:r>
             <a:endParaRPr kumimoji="1" lang="zh-CN" altLang="en-US" dirty="0"/>
           </a:p>
         </p:txBody>
       </p:sp>
       <p:pic>
         <p:nvPicPr>
-          <p:cNvPr id="11267" name="图片 5"/>
+          <p:cNvPr id="15362" name="图片 5" descr="Image"/>
           <p:cNvPicPr>
             <a:picLocks noChangeAspect="1"/>
           </p:cNvPicPr>
@@ -7027,36 +7264,8 @@
         </p:blipFill>
         <p:spPr>
           <a:xfrm>
-            <a:off x="931545" y="1442720"/>
-            <a:ext cx="1533525" cy="3430905"/>
-          </a:xfrm>
-          <a:prstGeom prst="rect">
-            <a:avLst/>
-          </a:prstGeom>
-          <a:noFill/>
-          <a:ln w="9525">
-            <a:noFill/>
-          </a:ln>
-        </p:spPr>
-      </p:pic>
-      <p:pic>
-        <p:nvPicPr>
-          <p:cNvPr id="11266" name="图片 4"/>
-          <p:cNvPicPr>
-            <a:picLocks noChangeAspect="1"/>
-          </p:cNvPicPr>
-          <p:nvPr/>
-        </p:nvPicPr>
-        <p:blipFill>
-          <a:blip r:embed="rId2"/>
-          <a:stretch>
-            <a:fillRect/>
-          </a:stretch>
-        </p:blipFill>
-        <p:spPr>
-          <a:xfrm>
-            <a:off x="4062413" y="1808798"/>
-            <a:ext cx="2600325" cy="1809750"/>
+            <a:off x="811848" y="2242503"/>
+            <a:ext cx="2543175" cy="3295650"/>
           </a:xfrm>
           <a:prstGeom prst="rect">
             <a:avLst/>

--- a/javascript技术分享/mui以及推送分享.pptx
+++ b/javascript技术分享/mui以及推送分享.pptx
@@ -8,28 +8,27 @@
     <p:notesMasterId r:id="rId4"/>
   </p:notesMasterIdLst>
   <p:handoutMasterIdLst>
-    <p:handoutMasterId r:id="rId18"/>
+    <p:handoutMasterId r:id="rId17"/>
   </p:handoutMasterIdLst>
   <p:sldIdLst>
     <p:sldId id="465" r:id="rId3"/>
-    <p:sldId id="546" r:id="rId5"/>
-    <p:sldId id="466" r:id="rId6"/>
-    <p:sldId id="530" r:id="rId7"/>
-    <p:sldId id="532" r:id="rId8"/>
-    <p:sldId id="533" r:id="rId9"/>
-    <p:sldId id="534" r:id="rId10"/>
-    <p:sldId id="540" r:id="rId11"/>
-    <p:sldId id="535" r:id="rId12"/>
-    <p:sldId id="524" r:id="rId13"/>
-    <p:sldId id="526" r:id="rId14"/>
-    <p:sldId id="527" r:id="rId15"/>
-    <p:sldId id="547" r:id="rId16"/>
-    <p:sldId id="412" r:id="rId17"/>
+    <p:sldId id="466" r:id="rId5"/>
+    <p:sldId id="530" r:id="rId6"/>
+    <p:sldId id="532" r:id="rId7"/>
+    <p:sldId id="533" r:id="rId8"/>
+    <p:sldId id="534" r:id="rId9"/>
+    <p:sldId id="540" r:id="rId10"/>
+    <p:sldId id="535" r:id="rId11"/>
+    <p:sldId id="524" r:id="rId12"/>
+    <p:sldId id="526" r:id="rId13"/>
+    <p:sldId id="527" r:id="rId14"/>
+    <p:sldId id="547" r:id="rId15"/>
+    <p:sldId id="412" r:id="rId16"/>
   </p:sldIdLst>
   <p:sldSz cx="9144000" cy="6858000" type="screen4x3"/>
   <p:notesSz cx="6797675" cy="9928225"/>
   <p:custDataLst>
-    <p:tags r:id="rId23"/>
+    <p:tags r:id="rId22"/>
   </p:custDataLst>
   <p:defaultTextStyle>
     <a:defPPr>
@@ -5140,7 +5139,7 @@
       </p:grpSpPr>
       <p:sp>
         <p:nvSpPr>
-          <p:cNvPr id="2" name="幻灯片编号占位符 1"/>
+          <p:cNvPr id="4" name="幻灯片编号占位符 3"/>
           <p:cNvSpPr>
             <a:spLocks noGrp="1"/>
           </p:cNvSpPr>
@@ -5156,7 +5155,7 @@
             <a:pPr>
               <a:defRPr/>
             </a:pPr>
-            <a:fld id="{05F6A23B-73E6-4DF5-9296-CE83C25FC8C1}" type="slidenum">
+            <a:fld id="{D9ED33AB-5208-45B3-B4C4-C2D2F189FBD9}" type="slidenum">
               <a:rPr lang="en-US" smtClean="0"/>
             </a:fld>
             <a:endParaRPr lang="en-US" dirty="0"/>
@@ -5165,7 +5164,7 @@
       </p:sp>
       <p:sp>
         <p:nvSpPr>
-          <p:cNvPr id="3" name="标题 2"/>
+          <p:cNvPr id="6" name="标题 5"/>
           <p:cNvSpPr>
             <a:spLocks noGrp="1"/>
           </p:cNvSpPr>
@@ -5179,12 +5178,23 @@
           <a:lstStyle/>
           <a:p>
             <a:r>
-              <a:rPr kumimoji="1" lang="en-US" altLang="zh-CN" dirty="0"/>
-              <a:t>!!</a:t>
-            </a:r>
-            <a:r>
-              <a:rPr kumimoji="1" lang="zh-CN" altLang="en-US" dirty="0"/>
-              <a:t>的使用</a:t>
+              <a:rPr lang="zh-CN" altLang="en-US">
+                <a:solidFill>
+                  <a:schemeClr val="tx1"/>
+                </a:solidFill>
+                <a:effectLst>
+                  <a:outerShdw blurRad="38100" dist="19050" dir="2700000" algn="tl" rotWithShape="0">
+                    <a:schemeClr val="dk1">
+                      <a:alpha val="40000"/>
+                    </a:schemeClr>
+                  </a:outerShdw>
+                </a:effectLst>
+                <a:latin typeface="Arial" panose="020B0604020202020204" pitchFamily="34" charset="0"/>
+                <a:ea typeface="宋体" panose="02010600030101010101" pitchFamily="2" charset="-122"/>
+                <a:cs typeface="+mn-cs"/>
+                <a:sym typeface="+mn-ea"/>
+              </a:rPr>
+              <a:t>作用域和闭包</a:t>
             </a:r>
             <a:endParaRPr kumimoji="1" lang="zh-CN" altLang="en-US" dirty="0"/>
           </a:p>
@@ -5192,7 +5202,7 @@
       </p:sp>
       <p:sp>
         <p:nvSpPr>
-          <p:cNvPr id="4" name="内容占位符 3"/>
+          <p:cNvPr id="7" name="内容占位符 6"/>
           <p:cNvSpPr>
             <a:spLocks noGrp="1"/>
           </p:cNvSpPr>
@@ -5205,24 +5215,25 @@
           <a:bodyPr/>
           <a:lstStyle/>
           <a:p>
-            <a:pPr marL="450850" lvl="1" indent="0">
-              <a:buNone/>
-            </a:pPr>
-            <a:endParaRPr lang="en-US" altLang="zh-CN" sz="2000" dirty="0" smtClean="0"/>
-          </a:p>
-          <a:p>
-            <a:pPr lvl="1"/>
-            <a:endParaRPr lang="en-US" altLang="zh-CN" dirty="0"/>
-          </a:p>
-          <a:p>
-            <a:pPr lvl="1"/>
-            <a:endParaRPr kumimoji="1" lang="zh-CN" altLang="en-US" dirty="0"/>
+            <a:endParaRPr kumimoji="1" lang="en-US" altLang="zh-CN" dirty="0" smtClean="0"/>
+          </a:p>
+          <a:p>
+            <a:endParaRPr kumimoji="1" lang="en-US" altLang="zh-CN" dirty="0" smtClean="0"/>
+          </a:p>
+          <a:p>
+            <a:endParaRPr kumimoji="1" lang="en-US" altLang="zh-CN" dirty="0"/>
+          </a:p>
+          <a:p>
+            <a:endParaRPr kumimoji="1" lang="en-US" altLang="zh-CN" dirty="0" smtClean="0"/>
+          </a:p>
+          <a:p>
+            <a:endParaRPr kumimoji="1" lang="en-US" altLang="zh-CN" dirty="0"/>
           </a:p>
         </p:txBody>
       </p:sp>
       <p:pic>
         <p:nvPicPr>
-          <p:cNvPr id="11267" name="图片 5"/>
+          <p:cNvPr id="16386" name="图片 1"/>
           <p:cNvPicPr>
             <a:picLocks noChangeAspect="1"/>
           </p:cNvPicPr>
@@ -5236,8 +5247,8 @@
         </p:blipFill>
         <p:spPr>
           <a:xfrm>
-            <a:off x="931545" y="1442720"/>
-            <a:ext cx="1533525" cy="3430905"/>
+            <a:off x="633413" y="1112838"/>
+            <a:ext cx="2686050" cy="2190750"/>
           </a:xfrm>
           <a:prstGeom prst="rect">
             <a:avLst/>
@@ -5248,9 +5259,68 @@
           </a:ln>
         </p:spPr>
       </p:pic>
+      <p:sp>
+        <p:nvSpPr>
+          <p:cNvPr id="2" name="文本框 1"/>
+          <p:cNvSpPr txBox="1"/>
+          <p:nvPr/>
+        </p:nvSpPr>
+        <p:spPr>
+          <a:xfrm>
+            <a:off x="633730" y="3616960"/>
+            <a:ext cx="2540000" cy="1814830"/>
+          </a:xfrm>
+          <a:prstGeom prst="rect">
+            <a:avLst/>
+          </a:prstGeom>
+          <a:noFill/>
+          <a:ln>
+            <a:noFill/>
+          </a:ln>
+        </p:spPr>
+        <p:txBody>
+          <a:bodyPr vert="horz" wrap="square" lIns="91440" tIns="45720" rIns="91440" bIns="45720" numCol="1" rtlCol="0" anchor="t" anchorCtr="0" compatLnSpc="1">
+            <a:spAutoFit/>
+          </a:bodyPr>
+          <a:p>
+            <a:r>
+              <a:rPr lang="zh-CN" altLang="en-US" sz="1600">
+                <a:latin typeface="+mj-ea"/>
+                <a:ea typeface="+mj-ea"/>
+                <a:sym typeface="+mn-ea"/>
+              </a:rPr>
+              <a:t>因为局部变量只作用于函数内，所以不同的函数可以使用相同名称的变量。</a:t>
+            </a:r>
+            <a:endParaRPr lang="zh-CN" altLang="en-US" sz="1600">
+              <a:latin typeface="+mj-ea"/>
+              <a:ea typeface="+mj-ea"/>
+            </a:endParaRPr>
+          </a:p>
+          <a:p>
+            <a:endParaRPr lang="zh-CN" altLang="en-US" sz="1600">
+              <a:latin typeface="+mj-ea"/>
+              <a:ea typeface="+mj-ea"/>
+            </a:endParaRPr>
+          </a:p>
+          <a:p>
+            <a:r>
+              <a:rPr lang="zh-CN" altLang="en-US" sz="1600">
+                <a:latin typeface="+mj-ea"/>
+                <a:ea typeface="+mj-ea"/>
+                <a:sym typeface="+mn-ea"/>
+              </a:rPr>
+              <a:t>局部变量在函数开始执行时创建，函数执行完后局部变量会自动销毁。</a:t>
+            </a:r>
+            <a:endParaRPr lang="zh-CN" altLang="en-US" sz="1600" dirty="0" smtClean="0">
+              <a:latin typeface="+mj-ea"/>
+              <a:ea typeface="+mj-ea"/>
+            </a:endParaRPr>
+          </a:p>
+        </p:txBody>
+      </p:sp>
       <p:pic>
         <p:nvPicPr>
-          <p:cNvPr id="11266" name="图片 4"/>
+          <p:cNvPr id="16388" name="图片 3"/>
           <p:cNvPicPr>
             <a:picLocks noChangeAspect="1"/>
           </p:cNvPicPr>
@@ -5264,8 +5334,8 @@
         </p:blipFill>
         <p:spPr>
           <a:xfrm>
-            <a:off x="4062413" y="1808798"/>
-            <a:ext cx="2600325" cy="1809750"/>
+            <a:off x="4181475" y="1027113"/>
+            <a:ext cx="3333750" cy="2362200"/>
           </a:xfrm>
           <a:prstGeom prst="rect">
             <a:avLst/>
@@ -5276,6 +5346,76 @@
           </a:ln>
         </p:spPr>
       </p:pic>
+      <p:pic>
+        <p:nvPicPr>
+          <p:cNvPr id="16390" name="图片 6"/>
+          <p:cNvPicPr>
+            <a:picLocks noChangeAspect="1"/>
+          </p:cNvPicPr>
+          <p:nvPr/>
+        </p:nvPicPr>
+        <p:blipFill>
+          <a:blip r:embed="rId3"/>
+          <a:stretch>
+            <a:fillRect/>
+          </a:stretch>
+        </p:blipFill>
+        <p:spPr>
+          <a:xfrm>
+            <a:off x="4324350" y="4476750"/>
+            <a:ext cx="2800350" cy="1438275"/>
+          </a:xfrm>
+          <a:prstGeom prst="rect">
+            <a:avLst/>
+          </a:prstGeom>
+          <a:noFill/>
+          <a:ln w="9525">
+            <a:noFill/>
+          </a:ln>
+        </p:spPr>
+      </p:pic>
+      <p:sp>
+        <p:nvSpPr>
+          <p:cNvPr id="3" name="文本框 2"/>
+          <p:cNvSpPr txBox="1"/>
+          <p:nvPr/>
+        </p:nvSpPr>
+        <p:spPr>
+          <a:xfrm>
+            <a:off x="4408170" y="3389630"/>
+            <a:ext cx="3107055" cy="829945"/>
+          </a:xfrm>
+          <a:prstGeom prst="rect">
+            <a:avLst/>
+          </a:prstGeom>
+          <a:noFill/>
+          <a:ln>
+            <a:noFill/>
+          </a:ln>
+        </p:spPr>
+        <p:txBody>
+          <a:bodyPr vert="horz" wrap="square" lIns="91440" tIns="45720" rIns="91440" bIns="45720" numCol="1" rtlCol="0" anchor="t" anchorCtr="0" compatLnSpc="1">
+            <a:spAutoFit/>
+          </a:bodyPr>
+          <a:p>
+            <a:r>
+              <a:rPr lang="zh-CN" altLang="en-US" sz="1600">
+                <a:latin typeface="+mj-ea"/>
+                <a:ea typeface="+mj-ea"/>
+                <a:cs typeface="+mj-ea"/>
+                <a:sym typeface="+mn-ea"/>
+              </a:rPr>
+              <a:t>如果变量在函数内没有声明（没有使用 var 关键字），该变量为全局变量。</a:t>
+            </a:r>
+            <a:endParaRPr lang="zh-CN" altLang="en-US" sz="1600" dirty="0" smtClean="0">
+              <a:latin typeface="+mj-ea"/>
+              <a:ea typeface="+mj-ea"/>
+              <a:cs typeface="+mj-ea"/>
+              <a:sym typeface="+mn-ea"/>
+            </a:endParaRPr>
+          </a:p>
+        </p:txBody>
+      </p:sp>
     </p:spTree>
   </p:cSld>
   <p:clrMapOvr>
@@ -5310,7 +5450,7 @@
       </p:grpSpPr>
       <p:sp>
         <p:nvSpPr>
-          <p:cNvPr id="4" name="幻灯片编号占位符 3"/>
+          <p:cNvPr id="2" name="幻灯片编号占位符 1"/>
           <p:cNvSpPr>
             <a:spLocks noGrp="1"/>
           </p:cNvSpPr>
@@ -5326,7 +5466,7 @@
             <a:pPr>
               <a:defRPr/>
             </a:pPr>
-            <a:fld id="{D9ED33AB-5208-45B3-B4C4-C2D2F189FBD9}" type="slidenum">
+            <a:fld id="{05F6A23B-73E6-4DF5-9296-CE83C25FC8C1}" type="slidenum">
               <a:rPr lang="en-US" smtClean="0"/>
             </a:fld>
             <a:endParaRPr lang="en-US" dirty="0"/>
@@ -5335,7 +5475,7 @@
       </p:sp>
       <p:sp>
         <p:nvSpPr>
-          <p:cNvPr id="6" name="标题 5"/>
+          <p:cNvPr id="3" name="标题 2"/>
           <p:cNvSpPr>
             <a:spLocks noGrp="1"/>
           </p:cNvSpPr>
@@ -5349,23 +5489,12 @@
           <a:lstStyle/>
           <a:p>
             <a:r>
-              <a:rPr lang="zh-CN" altLang="en-US">
-                <a:solidFill>
-                  <a:schemeClr val="tx1"/>
-                </a:solidFill>
-                <a:effectLst>
-                  <a:outerShdw blurRad="38100" dist="19050" dir="2700000" algn="tl" rotWithShape="0">
-                    <a:schemeClr val="dk1">
-                      <a:alpha val="40000"/>
-                    </a:schemeClr>
-                  </a:outerShdw>
-                </a:effectLst>
-                <a:latin typeface="Arial" panose="020B0604020202020204" pitchFamily="34" charset="0"/>
-                <a:ea typeface="宋体" panose="02010600030101010101" pitchFamily="2" charset="-122"/>
-                <a:cs typeface="+mn-cs"/>
-                <a:sym typeface="+mn-ea"/>
-              </a:rPr>
-              <a:t>作用域和闭包</a:t>
+              <a:rPr kumimoji="1" lang="en-US" altLang="zh-CN" dirty="0"/>
+              <a:t>js</a:t>
+            </a:r>
+            <a:r>
+              <a:rPr kumimoji="1" lang="zh-CN" altLang="en-US" dirty="0"/>
+              <a:t>变量提升</a:t>
             </a:r>
             <a:endParaRPr kumimoji="1" lang="zh-CN" altLang="en-US" dirty="0"/>
           </a:p>
@@ -5373,42 +5502,60 @@
       </p:sp>
       <p:sp>
         <p:nvSpPr>
-          <p:cNvPr id="7" name="内容占位符 6"/>
-          <p:cNvSpPr>
-            <a:spLocks noGrp="1"/>
-          </p:cNvSpPr>
-          <p:nvPr>
-            <p:ph idx="1"/>
-          </p:nvPr>
-        </p:nvSpPr>
-        <p:spPr/>
+          <p:cNvPr id="5" name="内容占位符 4"/>
+          <p:cNvSpPr/>
+          <p:nvPr>
+            <p:ph idx="12"/>
+          </p:nvPr>
+        </p:nvSpPr>
+        <p:spPr>
+          <a:xfrm>
+            <a:off x="360045" y="1007745"/>
+            <a:ext cx="3959860" cy="5476875"/>
+          </a:xfrm>
+        </p:spPr>
         <p:txBody>
           <a:bodyPr/>
-          <a:lstStyle/>
-          <a:p>
-            <a:endParaRPr kumimoji="1" lang="en-US" altLang="zh-CN" dirty="0" smtClean="0"/>
-          </a:p>
-          <a:p>
-            <a:endParaRPr kumimoji="1" lang="en-US" altLang="zh-CN" dirty="0" smtClean="0"/>
-          </a:p>
-          <a:p>
-            <a:endParaRPr kumimoji="1" lang="en-US" altLang="zh-CN" dirty="0"/>
-          </a:p>
-          <a:p>
-            <a:endParaRPr kumimoji="1" lang="en-US" altLang="zh-CN" dirty="0" smtClean="0"/>
-          </a:p>
-          <a:p>
-            <a:endParaRPr kumimoji="1" lang="en-US" altLang="zh-CN" dirty="0"/>
+          <a:p>
+            <a:r>
+              <a:rPr lang="zh-CN" altLang="en-US"/>
+              <a:t>之前一直觉会认为javascript代码执行是由上到下一行行执行的</a:t>
+            </a:r>
+            <a:endParaRPr lang="zh-CN" altLang="en-US"/>
+          </a:p>
+          <a:p>
+            <a:endParaRPr lang="zh-CN" altLang="en-US"/>
+          </a:p>
+          <a:p>
+            <a:endParaRPr lang="zh-CN" altLang="en-US"/>
+          </a:p>
+          <a:p>
+            <a:endParaRPr lang="zh-CN" altLang="en-US"/>
+          </a:p>
+          <a:p>
+            <a:endParaRPr lang="zh-CN" altLang="en-US"/>
+          </a:p>
+          <a:p>
+            <a:endParaRPr lang="zh-CN" altLang="en-US"/>
+          </a:p>
+          <a:p>
+            <a:r>
+              <a:rPr lang="zh-CN" altLang="en-US"/>
+              <a:t>引擎解释javascript代码的之前会对其进行编译。在编译过程中会查找所有声明，并用合适作用域将他们关联起来。换句话说，在代码执行之前，会对作用域链中所有变量和函数声明先处理完先。所以，当遇到var a='hello world'中是 var a是先在编译阶段执行，然后在执行a='hello world'。</a:t>
+            </a:r>
+            <a:endParaRPr lang="zh-CN" altLang="en-US"/>
           </a:p>
         </p:txBody>
       </p:sp>
       <p:pic>
         <p:nvPicPr>
-          <p:cNvPr id="16386" name="图片 1"/>
+          <p:cNvPr id="17411" name="图片 4"/>
           <p:cNvPicPr>
             <a:picLocks noChangeAspect="1"/>
           </p:cNvPicPr>
-          <p:nvPr/>
+          <p:nvPr>
+            <p:ph idx="13"/>
+          </p:nvPr>
         </p:nvPicPr>
         <p:blipFill>
           <a:blip r:embed="rId1"/>
@@ -5418,8 +5565,8 @@
         </p:blipFill>
         <p:spPr>
           <a:xfrm>
-            <a:off x="633413" y="1112838"/>
-            <a:ext cx="2686050" cy="2190750"/>
+            <a:off x="4731385" y="2057400"/>
+            <a:ext cx="3794760" cy="1937385"/>
           </a:xfrm>
           <a:prstGeom prst="rect">
             <a:avLst/>
@@ -5430,163 +5577,6 @@
           </a:ln>
         </p:spPr>
       </p:pic>
-      <p:sp>
-        <p:nvSpPr>
-          <p:cNvPr id="2" name="文本框 1"/>
-          <p:cNvSpPr txBox="1"/>
-          <p:nvPr/>
-        </p:nvSpPr>
-        <p:spPr>
-          <a:xfrm>
-            <a:off x="633730" y="3616960"/>
-            <a:ext cx="2540000" cy="1814830"/>
-          </a:xfrm>
-          <a:prstGeom prst="rect">
-            <a:avLst/>
-          </a:prstGeom>
-          <a:noFill/>
-          <a:ln>
-            <a:noFill/>
-          </a:ln>
-        </p:spPr>
-        <p:txBody>
-          <a:bodyPr vert="horz" wrap="square" lIns="91440" tIns="45720" rIns="91440" bIns="45720" numCol="1" rtlCol="0" anchor="t" anchorCtr="0" compatLnSpc="1">
-            <a:spAutoFit/>
-          </a:bodyPr>
-          <a:p>
-            <a:r>
-              <a:rPr lang="zh-CN" altLang="en-US" sz="1600">
-                <a:latin typeface="+mj-ea"/>
-                <a:ea typeface="+mj-ea"/>
-                <a:sym typeface="+mn-ea"/>
-              </a:rPr>
-              <a:t>因为局部变量只作用于函数内，所以不同的函数可以使用相同名称的变量。</a:t>
-            </a:r>
-            <a:endParaRPr lang="zh-CN" altLang="en-US" sz="1600">
-              <a:latin typeface="+mj-ea"/>
-              <a:ea typeface="+mj-ea"/>
-            </a:endParaRPr>
-          </a:p>
-          <a:p>
-            <a:endParaRPr lang="zh-CN" altLang="en-US" sz="1600">
-              <a:latin typeface="+mj-ea"/>
-              <a:ea typeface="+mj-ea"/>
-            </a:endParaRPr>
-          </a:p>
-          <a:p>
-            <a:r>
-              <a:rPr lang="zh-CN" altLang="en-US" sz="1600">
-                <a:latin typeface="+mj-ea"/>
-                <a:ea typeface="+mj-ea"/>
-                <a:sym typeface="+mn-ea"/>
-              </a:rPr>
-              <a:t>局部变量在函数开始执行时创建，函数执行完后局部变量会自动销毁。</a:t>
-            </a:r>
-            <a:endParaRPr lang="zh-CN" altLang="en-US" sz="1600" dirty="0" smtClean="0">
-              <a:latin typeface="+mj-ea"/>
-              <a:ea typeface="+mj-ea"/>
-            </a:endParaRPr>
-          </a:p>
-        </p:txBody>
-      </p:sp>
-      <p:pic>
-        <p:nvPicPr>
-          <p:cNvPr id="16388" name="图片 3"/>
-          <p:cNvPicPr>
-            <a:picLocks noChangeAspect="1"/>
-          </p:cNvPicPr>
-          <p:nvPr/>
-        </p:nvPicPr>
-        <p:blipFill>
-          <a:blip r:embed="rId2"/>
-          <a:stretch>
-            <a:fillRect/>
-          </a:stretch>
-        </p:blipFill>
-        <p:spPr>
-          <a:xfrm>
-            <a:off x="4181475" y="1027113"/>
-            <a:ext cx="3333750" cy="2362200"/>
-          </a:xfrm>
-          <a:prstGeom prst="rect">
-            <a:avLst/>
-          </a:prstGeom>
-          <a:noFill/>
-          <a:ln w="9525">
-            <a:noFill/>
-          </a:ln>
-        </p:spPr>
-      </p:pic>
-      <p:pic>
-        <p:nvPicPr>
-          <p:cNvPr id="16390" name="图片 6"/>
-          <p:cNvPicPr>
-            <a:picLocks noChangeAspect="1"/>
-          </p:cNvPicPr>
-          <p:nvPr/>
-        </p:nvPicPr>
-        <p:blipFill>
-          <a:blip r:embed="rId3"/>
-          <a:stretch>
-            <a:fillRect/>
-          </a:stretch>
-        </p:blipFill>
-        <p:spPr>
-          <a:xfrm>
-            <a:off x="4324350" y="4476750"/>
-            <a:ext cx="2800350" cy="1438275"/>
-          </a:xfrm>
-          <a:prstGeom prst="rect">
-            <a:avLst/>
-          </a:prstGeom>
-          <a:noFill/>
-          <a:ln w="9525">
-            <a:noFill/>
-          </a:ln>
-        </p:spPr>
-      </p:pic>
-      <p:sp>
-        <p:nvSpPr>
-          <p:cNvPr id="3" name="文本框 2"/>
-          <p:cNvSpPr txBox="1"/>
-          <p:nvPr/>
-        </p:nvSpPr>
-        <p:spPr>
-          <a:xfrm>
-            <a:off x="4408170" y="3389630"/>
-            <a:ext cx="3107055" cy="829945"/>
-          </a:xfrm>
-          <a:prstGeom prst="rect">
-            <a:avLst/>
-          </a:prstGeom>
-          <a:noFill/>
-          <a:ln>
-            <a:noFill/>
-          </a:ln>
-        </p:spPr>
-        <p:txBody>
-          <a:bodyPr vert="horz" wrap="square" lIns="91440" tIns="45720" rIns="91440" bIns="45720" numCol="1" rtlCol="0" anchor="t" anchorCtr="0" compatLnSpc="1">
-            <a:spAutoFit/>
-          </a:bodyPr>
-          <a:p>
-            <a:r>
-              <a:rPr lang="zh-CN" altLang="en-US" sz="1600">
-                <a:latin typeface="+mj-ea"/>
-                <a:ea typeface="+mj-ea"/>
-                <a:cs typeface="+mj-ea"/>
-                <a:sym typeface="+mn-ea"/>
-              </a:rPr>
-              <a:t>如果变量在函数内没有声明（没有使用 var 关键字），该变量为全局变量。</a:t>
-            </a:r>
-            <a:endParaRPr lang="zh-CN" altLang="en-US" sz="1600" dirty="0" smtClean="0">
-              <a:latin typeface="+mj-ea"/>
-              <a:ea typeface="+mj-ea"/>
-              <a:cs typeface="+mj-ea"/>
-              <a:sym typeface="+mn-ea"/>
-            </a:endParaRPr>
-          </a:p>
-        </p:txBody>
-      </p:sp>
     </p:spTree>
   </p:cSld>
   <p:clrMapOvr>
@@ -5611,167 +5601,6 @@
         <p:cNvGrpSpPr/>
         <p:nvPr/>
       </p:nvGrpSpPr>
-      <p:grpSpPr>
-        <a:xfrm>
-          <a:off x="0" y="0"/>
-          <a:ext cx="0" cy="0"/>
-          <a:chOff x="0" y="0"/>
-          <a:chExt cx="0" cy="0"/>
-        </a:xfrm>
-      </p:grpSpPr>
-      <p:sp>
-        <p:nvSpPr>
-          <p:cNvPr id="2" name="幻灯片编号占位符 1"/>
-          <p:cNvSpPr>
-            <a:spLocks noGrp="1"/>
-          </p:cNvSpPr>
-          <p:nvPr>
-            <p:ph type="sldNum" sz="quarter" idx="10"/>
-          </p:nvPr>
-        </p:nvSpPr>
-        <p:spPr/>
-        <p:txBody>
-          <a:bodyPr/>
-          <a:lstStyle/>
-          <a:p>
-            <a:pPr>
-              <a:defRPr/>
-            </a:pPr>
-            <a:fld id="{05F6A23B-73E6-4DF5-9296-CE83C25FC8C1}" type="slidenum">
-              <a:rPr lang="en-US" smtClean="0"/>
-            </a:fld>
-            <a:endParaRPr lang="en-US" dirty="0"/>
-          </a:p>
-        </p:txBody>
-      </p:sp>
-      <p:sp>
-        <p:nvSpPr>
-          <p:cNvPr id="3" name="标题 2"/>
-          <p:cNvSpPr>
-            <a:spLocks noGrp="1"/>
-          </p:cNvSpPr>
-          <p:nvPr>
-            <p:ph type="title"/>
-          </p:nvPr>
-        </p:nvSpPr>
-        <p:spPr/>
-        <p:txBody>
-          <a:bodyPr/>
-          <a:lstStyle/>
-          <a:p>
-            <a:r>
-              <a:rPr kumimoji="1" lang="en-US" altLang="zh-CN" dirty="0"/>
-              <a:t>js</a:t>
-            </a:r>
-            <a:r>
-              <a:rPr kumimoji="1" lang="zh-CN" altLang="en-US" dirty="0"/>
-              <a:t>变量提升</a:t>
-            </a:r>
-            <a:endParaRPr kumimoji="1" lang="zh-CN" altLang="en-US" dirty="0"/>
-          </a:p>
-        </p:txBody>
-      </p:sp>
-      <p:sp>
-        <p:nvSpPr>
-          <p:cNvPr id="5" name="内容占位符 4"/>
-          <p:cNvSpPr/>
-          <p:nvPr>
-            <p:ph idx="12"/>
-          </p:nvPr>
-        </p:nvSpPr>
-        <p:spPr>
-          <a:xfrm>
-            <a:off x="360045" y="1007745"/>
-            <a:ext cx="3959860" cy="5476875"/>
-          </a:xfrm>
-        </p:spPr>
-        <p:txBody>
-          <a:bodyPr/>
-          <a:p>
-            <a:r>
-              <a:rPr lang="zh-CN" altLang="en-US"/>
-              <a:t>之前一直觉会认为javascript代码执行是由上到下一行行执行的</a:t>
-            </a:r>
-            <a:endParaRPr lang="zh-CN" altLang="en-US"/>
-          </a:p>
-          <a:p>
-            <a:endParaRPr lang="zh-CN" altLang="en-US"/>
-          </a:p>
-          <a:p>
-            <a:endParaRPr lang="zh-CN" altLang="en-US"/>
-          </a:p>
-          <a:p>
-            <a:endParaRPr lang="zh-CN" altLang="en-US"/>
-          </a:p>
-          <a:p>
-            <a:endParaRPr lang="zh-CN" altLang="en-US"/>
-          </a:p>
-          <a:p>
-            <a:endParaRPr lang="zh-CN" altLang="en-US"/>
-          </a:p>
-          <a:p>
-            <a:r>
-              <a:rPr lang="zh-CN" altLang="en-US"/>
-              <a:t>引擎解释javascript代码的之前会对其进行编译。在编译过程中会查找所有声明，并用合适作用域将他们关联起来。换句话说，在代码执行之前，会对作用域链中所有变量和函数声明先处理完先。所以，当遇到var a='hello world'中是 var a是先在编译阶段执行，然后在执行a='hello world'。</a:t>
-            </a:r>
-            <a:endParaRPr lang="zh-CN" altLang="en-US"/>
-          </a:p>
-        </p:txBody>
-      </p:sp>
-      <p:pic>
-        <p:nvPicPr>
-          <p:cNvPr id="17411" name="图片 4"/>
-          <p:cNvPicPr>
-            <a:picLocks noChangeAspect="1"/>
-          </p:cNvPicPr>
-          <p:nvPr>
-            <p:ph idx="13"/>
-          </p:nvPr>
-        </p:nvPicPr>
-        <p:blipFill>
-          <a:blip r:embed="rId1"/>
-          <a:stretch>
-            <a:fillRect/>
-          </a:stretch>
-        </p:blipFill>
-        <p:spPr>
-          <a:xfrm>
-            <a:off x="4731385" y="2057400"/>
-            <a:ext cx="3794760" cy="1937385"/>
-          </a:xfrm>
-          <a:prstGeom prst="rect">
-            <a:avLst/>
-          </a:prstGeom>
-          <a:noFill/>
-          <a:ln w="9525">
-            <a:noFill/>
-          </a:ln>
-        </p:spPr>
-      </p:pic>
-    </p:spTree>
-  </p:cSld>
-  <p:clrMapOvr>
-    <a:masterClrMapping/>
-  </p:clrMapOvr>
-  <p:timing>
-    <p:tnLst>
-      <p:par>
-        <p:cTn id="1" dur="indefinite" restart="never" nodeType="tmRoot"/>
-      </p:par>
-    </p:tnLst>
-  </p:timing>
-</p:sld>
-</file>
-
-<file path=ppt/slides/slide13.xml><?xml version="1.0" encoding="utf-8"?>
-<p:sld xmlns:a="http://schemas.openxmlformats.org/drawingml/2006/main" xmlns:r="http://schemas.openxmlformats.org/officeDocument/2006/relationships" xmlns:p="http://schemas.openxmlformats.org/presentationml/2006/main">
-  <p:cSld>
-    <p:spTree>
-      <p:nvGrpSpPr>
-        <p:cNvPr id="1" name=""/>
-        <p:cNvGrpSpPr/>
-        <p:nvPr/>
-      </p:nvGrpSpPr>
       <p:grpSpPr/>
       <p:sp>
         <p:nvSpPr>
@@ -5792,17 +5621,6 @@
         <p:txBody>
           <a:bodyPr/>
           <a:p>
-            <a:r>
-              <a:rPr lang="zh-CN" altLang="en-US"/>
-              <a:t>闭包(closure)是Javacript语言的一个难点，也是它的特色，很多高级应用都要依靠闭包实现。</a:t>
-            </a:r>
-            <a:endParaRPr lang="zh-CN" altLang="en-US"/>
-          </a:p>
-          <a:p>
-            <a:r>
-              <a:rPr lang="zh-CN" altLang="en-US"/>
-              <a:t>在之前我们说过js的作用域有两种，那么全局作用域的东西能否访问局部作用域的变量呢？</a:t>
-            </a:r>
             <a:endParaRPr lang="zh-CN" altLang="en-US"/>
           </a:p>
         </p:txBody>
@@ -5876,7 +5694,7 @@
 </p:sld>
 </file>
 
-<file path=ppt/slides/slide14.xml><?xml version="1.0" encoding="utf-8"?>
+<file path=ppt/slides/slide13.xml><?xml version="1.0" encoding="utf-8"?>
 <p:sld xmlns:a="http://schemas.openxmlformats.org/drawingml/2006/main" xmlns:r="http://schemas.openxmlformats.org/officeDocument/2006/relationships" xmlns:p="http://schemas.openxmlformats.org/presentationml/2006/main">
   <p:cSld>
     <p:spTree>
@@ -6013,100 +5831,6 @@
         <p:cNvGrpSpPr/>
         <p:nvPr/>
       </p:nvGrpSpPr>
-      <p:grpSpPr/>
-      <p:sp>
-        <p:nvSpPr>
-          <p:cNvPr id="4" name="标题 3"/>
-          <p:cNvSpPr>
-            <a:spLocks noGrp="1" noChangeArrowheads="1"/>
-          </p:cNvSpPr>
-          <p:nvPr>
-            <p:ph type="title"/>
-          </p:nvPr>
-        </p:nvSpPr>
-        <p:spPr/>
-        <p:txBody>
-          <a:bodyPr/>
-          <a:p>
-            <a:r>
-              <a:rPr lang="zh-CN" altLang="en-US"/>
-              <a:t>前言</a:t>
-            </a:r>
-            <a:endParaRPr lang="zh-CN" altLang="en-US"/>
-          </a:p>
-        </p:txBody>
-      </p:sp>
-      <p:sp>
-        <p:nvSpPr>
-          <p:cNvPr id="2" name="灯片编号占位符 1"/>
-          <p:cNvSpPr>
-            <a:spLocks noGrp="1"/>
-          </p:cNvSpPr>
-          <p:nvPr>
-            <p:ph type="sldNum" sz="quarter" idx="10"/>
-          </p:nvPr>
-        </p:nvSpPr>
-        <p:spPr/>
-        <p:txBody>
-          <a:bodyPr/>
-          <a:p>
-            <a:pPr>
-              <a:defRPr/>
-            </a:pPr>
-            <a:fld id="{D4FE18B1-0DDD-4E8B-8EAA-9840798265F0}" type="slidenum">
-              <a:rPr lang="en-US" smtClean="0"/>
-            </a:fld>
-            <a:endParaRPr lang="en-US" dirty="0"/>
-          </a:p>
-        </p:txBody>
-      </p:sp>
-      <p:pic>
-        <p:nvPicPr>
-          <p:cNvPr id="4098" name="图片 1" descr="83c6c631d88189afd16e007ba6190f6a"/>
-          <p:cNvPicPr>
-            <a:picLocks noChangeAspect="1"/>
-          </p:cNvPicPr>
-          <p:nvPr>
-            <p:ph idx="1"/>
-          </p:nvPr>
-        </p:nvPicPr>
-        <p:blipFill>
-          <a:blip r:embed="rId1"/>
-          <a:stretch>
-            <a:fillRect/>
-          </a:stretch>
-        </p:blipFill>
-        <p:spPr>
-          <a:xfrm>
-            <a:off x="904240" y="1266190"/>
-            <a:ext cx="7019925" cy="4563110"/>
-          </a:xfrm>
-          <a:prstGeom prst="rect">
-            <a:avLst/>
-          </a:prstGeom>
-          <a:noFill/>
-          <a:ln w="9525">
-            <a:noFill/>
-          </a:ln>
-        </p:spPr>
-      </p:pic>
-    </p:spTree>
-  </p:cSld>
-  <p:clrMapOvr>
-    <a:masterClrMapping/>
-  </p:clrMapOvr>
-</p:sld>
-</file>
-
-<file path=ppt/slides/slide3.xml><?xml version="1.0" encoding="utf-8"?>
-<p:sld xmlns:a="http://schemas.openxmlformats.org/drawingml/2006/main" xmlns:r="http://schemas.openxmlformats.org/officeDocument/2006/relationships" xmlns:p="http://schemas.openxmlformats.org/presentationml/2006/main">
-  <p:cSld>
-    <p:spTree>
-      <p:nvGrpSpPr>
-        <p:cNvPr id="1" name=""/>
-        <p:cNvGrpSpPr/>
-        <p:nvPr/>
-      </p:nvGrpSpPr>
       <p:grpSpPr>
         <a:xfrm>
           <a:off x="0" y="0"/>
@@ -6165,30 +5889,30 @@
       </p:sp>
       <p:pic>
         <p:nvPicPr>
-          <p:cNvPr id="5121" name="图片 3"/>
+          <p:cNvPr id="2" name="图片 1"/>
           <p:cNvPicPr>
             <a:picLocks noChangeAspect="1"/>
           </p:cNvPicPr>
-          <p:nvPr/>
+          <p:nvPr>
+            <p:custDataLst>
+              <p:tags r:id="rId1"/>
+            </p:custDataLst>
+          </p:nvPr>
         </p:nvPicPr>
         <p:blipFill>
-          <a:blip r:embed="rId1"/>
+          <a:blip r:embed="rId2"/>
           <a:stretch>
             <a:fillRect/>
           </a:stretch>
         </p:blipFill>
         <p:spPr>
           <a:xfrm>
-            <a:off x="750570" y="1471295"/>
-            <a:ext cx="6238875" cy="3914775"/>
+            <a:off x="918845" y="1162050"/>
+            <a:ext cx="7305675" cy="4533900"/>
           </a:xfrm>
           <a:prstGeom prst="rect">
             <a:avLst/>
           </a:prstGeom>
-          <a:noFill/>
-          <a:ln w="9525">
-            <a:noFill/>
-          </a:ln>
         </p:spPr>
       </p:pic>
     </p:spTree>
@@ -6206,7 +5930,7 @@
 </p:sld>
 </file>
 
-<file path=ppt/slides/slide4.xml><?xml version="1.0" encoding="utf-8"?>
+<file path=ppt/slides/slide3.xml><?xml version="1.0" encoding="utf-8"?>
 <p:sld xmlns:a="http://schemas.openxmlformats.org/drawingml/2006/main" xmlns:r="http://schemas.openxmlformats.org/officeDocument/2006/relationships" xmlns:p="http://schemas.openxmlformats.org/presentationml/2006/main">
   <p:cSld>
     <p:spTree>
@@ -6600,6 +6324,155 @@
 </p:sld>
 </file>
 
+<file path=ppt/slides/slide4.xml><?xml version="1.0" encoding="utf-8"?>
+<p:sld xmlns:a="http://schemas.openxmlformats.org/drawingml/2006/main" xmlns:r="http://schemas.openxmlformats.org/officeDocument/2006/relationships" xmlns:p="http://schemas.openxmlformats.org/presentationml/2006/main">
+  <p:cSld>
+    <p:spTree>
+      <p:nvGrpSpPr>
+        <p:cNvPr id="1" name=""/>
+        <p:cNvGrpSpPr/>
+        <p:nvPr/>
+      </p:nvGrpSpPr>
+      <p:grpSpPr>
+        <a:xfrm>
+          <a:off x="0" y="0"/>
+          <a:ext cx="0" cy="0"/>
+          <a:chOff x="0" y="0"/>
+          <a:chExt cx="0" cy="0"/>
+        </a:xfrm>
+      </p:grpSpPr>
+      <p:sp>
+        <p:nvSpPr>
+          <p:cNvPr id="3" name="幻灯片编号占位符 2"/>
+          <p:cNvSpPr>
+            <a:spLocks noGrp="1"/>
+          </p:cNvSpPr>
+          <p:nvPr>
+            <p:ph type="sldNum" sz="quarter" idx="10"/>
+          </p:nvPr>
+        </p:nvSpPr>
+        <p:spPr>
+          <a:xfrm>
+            <a:off x="7446645" y="6551930"/>
+            <a:ext cx="1691640" cy="304800"/>
+          </a:xfrm>
+        </p:spPr>
+        <p:txBody>
+          <a:bodyPr/>
+          <a:lstStyle/>
+          <a:p>
+            <a:pPr>
+              <a:defRPr/>
+            </a:pPr>
+            <a:r>
+              <a:rPr lang="en-US" dirty="0"/>
+              <a:t>code1</a:t>
+            </a:r>
+            <a:endParaRPr lang="en-US" dirty="0"/>
+          </a:p>
+        </p:txBody>
+      </p:sp>
+      <p:sp>
+        <p:nvSpPr>
+          <p:cNvPr id="4" name="标题 3"/>
+          <p:cNvSpPr>
+            <a:spLocks noGrp="1"/>
+          </p:cNvSpPr>
+          <p:nvPr>
+            <p:ph type="title"/>
+          </p:nvPr>
+        </p:nvSpPr>
+        <p:spPr/>
+        <p:txBody>
+          <a:bodyPr/>
+          <a:lstStyle/>
+          <a:p>
+            <a:r>
+              <a:rPr lang="en-US" altLang="zh-CN" u="sng" dirty="0">
+                <a:solidFill>
+                  <a:schemeClr val="tx1"/>
+                </a:solidFill>
+                <a:sym typeface="+mn-ea"/>
+              </a:rPr>
+              <a:t>js变量的类型有哪些？</a:t>
+            </a:r>
+            <a:endParaRPr kumimoji="1" lang="zh-CN" altLang="en-US" dirty="0"/>
+          </a:p>
+        </p:txBody>
+      </p:sp>
+      <p:pic>
+        <p:nvPicPr>
+          <p:cNvPr id="8193" name="图片 3"/>
+          <p:cNvPicPr>
+            <a:picLocks noChangeAspect="1"/>
+          </p:cNvPicPr>
+          <p:nvPr>
+            <p:ph idx="1"/>
+          </p:nvPr>
+        </p:nvPicPr>
+        <p:blipFill>
+          <a:blip r:embed="rId1"/>
+          <a:stretch>
+            <a:fillRect/>
+          </a:stretch>
+        </p:blipFill>
+        <p:spPr>
+          <a:xfrm>
+            <a:off x="483870" y="805180"/>
+            <a:ext cx="6120130" cy="2785110"/>
+          </a:xfrm>
+          <a:prstGeom prst="rect">
+            <a:avLst/>
+          </a:prstGeom>
+          <a:noFill/>
+          <a:ln w="9525">
+            <a:noFill/>
+          </a:ln>
+        </p:spPr>
+      </p:pic>
+      <p:pic>
+        <p:nvPicPr>
+          <p:cNvPr id="8195" name="图片 4"/>
+          <p:cNvPicPr>
+            <a:picLocks noChangeAspect="1"/>
+          </p:cNvPicPr>
+          <p:nvPr/>
+        </p:nvPicPr>
+        <p:blipFill>
+          <a:blip r:embed="rId2"/>
+          <a:stretch>
+            <a:fillRect/>
+          </a:stretch>
+        </p:blipFill>
+        <p:spPr>
+          <a:xfrm>
+            <a:off x="483870" y="3658870"/>
+            <a:ext cx="5303838" cy="2767013"/>
+          </a:xfrm>
+          <a:prstGeom prst="rect">
+            <a:avLst/>
+          </a:prstGeom>
+          <a:noFill/>
+          <a:ln w="9525">
+            <a:noFill/>
+          </a:ln>
+        </p:spPr>
+      </p:pic>
+    </p:spTree>
+  </p:cSld>
+  <p:clrMapOvr>
+    <a:masterClrMapping/>
+  </p:clrMapOvr>
+  <p:timing>
+    <p:tnLst>
+      <p:par>
+        <p:cTn id="1" dur="indefinite" restart="never" nodeType="tmRoot"/>
+      </p:par>
+    </p:tnLst>
+  </p:timing>
+</p:sld>
+</file>
+
 <file path=ppt/slides/slide5.xml><?xml version="1.0" encoding="utf-8"?>
 <p:sld xmlns:a="http://schemas.openxmlformats.org/drawingml/2006/main" xmlns:r="http://schemas.openxmlformats.org/officeDocument/2006/relationships" xmlns:p="http://schemas.openxmlformats.org/presentationml/2006/main">
   <p:cSld>
@@ -6619,6 +6492,61 @@
       </p:grpSpPr>
       <p:sp>
         <p:nvSpPr>
+          <p:cNvPr id="2" name="内容占位符 1"/>
+          <p:cNvSpPr>
+            <a:spLocks noGrp="1"/>
+          </p:cNvSpPr>
+          <p:nvPr>
+            <p:ph idx="1"/>
+          </p:nvPr>
+        </p:nvSpPr>
+        <p:spPr>
+          <a:xfrm>
+            <a:off x="467544" y="1124744"/>
+            <a:ext cx="7164456" cy="5031256"/>
+          </a:xfrm>
+        </p:spPr>
+        <p:txBody>
+          <a:bodyPr/>
+          <a:lstStyle/>
+          <a:p>
+            <a:r>
+              <a:rPr kumimoji="1" lang="zh-CN" altLang="en-US" dirty="0"/>
+              <a:t>typeof</a:t>
+            </a:r>
+            <a:endParaRPr kumimoji="1" lang="zh-CN" altLang="en-US" dirty="0"/>
+          </a:p>
+          <a:p>
+            <a:r>
+              <a:rPr kumimoji="1" lang="zh-CN" altLang="en-US" dirty="0"/>
+              <a:t>用于判断一个一个表达式，（对象或者原始值），返回一个字符串。</a:t>
+            </a:r>
+            <a:endParaRPr kumimoji="1" lang="zh-CN" altLang="en-US" dirty="0"/>
+          </a:p>
+          <a:p>
+            <a:endParaRPr kumimoji="1" lang="zh-CN" altLang="en-US" dirty="0"/>
+          </a:p>
+          <a:p>
+            <a:endParaRPr kumimoji="1" lang="zh-CN" altLang="en-US" dirty="0"/>
+          </a:p>
+          <a:p>
+            <a:r>
+              <a:rPr kumimoji="1" lang="zh-CN" altLang="en-US" dirty="0"/>
+              <a:t>instanceof</a:t>
+            </a:r>
+            <a:endParaRPr kumimoji="1" lang="zh-CN" altLang="en-US" dirty="0"/>
+          </a:p>
+          <a:p>
+            <a:r>
+              <a:rPr kumimoji="1" lang="zh-CN" altLang="en-US" dirty="0"/>
+              <a:t>instanceof 运算符用来测试一个对象在其原型链中是否存在一个构造函数的 prototype 属性。</a:t>
+            </a:r>
+            <a:endParaRPr kumimoji="1" lang="zh-CN" altLang="en-US" dirty="0"/>
+          </a:p>
+        </p:txBody>
+      </p:sp>
+      <p:sp>
+        <p:nvSpPr>
           <p:cNvPr id="3" name="幻灯片编号占位符 2"/>
           <p:cNvSpPr>
             <a:spLocks noGrp="1"/>
@@ -6629,8 +6557,8 @@
         </p:nvSpPr>
         <p:spPr>
           <a:xfrm>
-            <a:off x="7446645" y="6551930"/>
-            <a:ext cx="1691640" cy="304800"/>
+            <a:off x="7061835" y="6551930"/>
+            <a:ext cx="2076450" cy="304800"/>
           </a:xfrm>
         </p:spPr>
         <p:txBody>
@@ -6641,7 +6569,7 @@
               <a:defRPr/>
             </a:pPr>
             <a:r>
-              <a:rPr lang="en-US" dirty="0"/>
+              <a:rPr lang="en-US" smtClean="0"/>
               <a:t>code1</a:t>
             </a:r>
             <a:endParaRPr lang="en-US" dirty="0"/>
@@ -6664,76 +6592,28 @@
           <a:lstStyle/>
           <a:p>
             <a:r>
-              <a:rPr lang="en-US" altLang="zh-CN" u="sng" dirty="0">
+              <a:rPr lang="zh-CN" altLang="en-US">
                 <a:solidFill>
                   <a:schemeClr val="tx1"/>
                 </a:solidFill>
+                <a:effectLst>
+                  <a:outerShdw blurRad="38100" dist="19050" dir="2700000" algn="tl" rotWithShape="0">
+                    <a:schemeClr val="dk1">
+                      <a:alpha val="40000"/>
+                    </a:schemeClr>
+                  </a:outerShdw>
+                </a:effectLst>
+                <a:latin typeface="Arial" panose="020B0604020202020204" pitchFamily="34" charset="0"/>
+                <a:ea typeface="宋体" panose="02010600030101010101" pitchFamily="2" charset="-122"/>
+                <a:cs typeface="+mn-cs"/>
                 <a:sym typeface="+mn-ea"/>
               </a:rPr>
-              <a:t>js变量的类型有哪些？</a:t>
+              <a:t>如何判断一个变量的类型</a:t>
             </a:r>
             <a:endParaRPr kumimoji="1" lang="zh-CN" altLang="en-US" dirty="0"/>
           </a:p>
         </p:txBody>
       </p:sp>
-      <p:pic>
-        <p:nvPicPr>
-          <p:cNvPr id="8193" name="图片 3"/>
-          <p:cNvPicPr>
-            <a:picLocks noChangeAspect="1"/>
-          </p:cNvPicPr>
-          <p:nvPr>
-            <p:ph idx="1"/>
-          </p:nvPr>
-        </p:nvPicPr>
-        <p:blipFill>
-          <a:blip r:embed="rId1"/>
-          <a:stretch>
-            <a:fillRect/>
-          </a:stretch>
-        </p:blipFill>
-        <p:spPr>
-          <a:xfrm>
-            <a:off x="483870" y="805180"/>
-            <a:ext cx="6120130" cy="2785110"/>
-          </a:xfrm>
-          <a:prstGeom prst="rect">
-            <a:avLst/>
-          </a:prstGeom>
-          <a:noFill/>
-          <a:ln w="9525">
-            <a:noFill/>
-          </a:ln>
-        </p:spPr>
-      </p:pic>
-      <p:pic>
-        <p:nvPicPr>
-          <p:cNvPr id="8195" name="图片 4"/>
-          <p:cNvPicPr>
-            <a:picLocks noChangeAspect="1"/>
-          </p:cNvPicPr>
-          <p:nvPr/>
-        </p:nvPicPr>
-        <p:blipFill>
-          <a:blip r:embed="rId2"/>
-          <a:stretch>
-            <a:fillRect/>
-          </a:stretch>
-        </p:blipFill>
-        <p:spPr>
-          <a:xfrm>
-            <a:off x="483870" y="3658870"/>
-            <a:ext cx="5303838" cy="2767013"/>
-          </a:xfrm>
-          <a:prstGeom prst="rect">
-            <a:avLst/>
-          </a:prstGeom>
-          <a:noFill/>
-          <a:ln w="9525">
-            <a:noFill/>
-          </a:ln>
-        </p:spPr>
-      </p:pic>
     </p:spTree>
   </p:cSld>
   <p:clrMapOvr>
@@ -6768,73 +6648,18 @@
       </p:grpSpPr>
       <p:sp>
         <p:nvSpPr>
-          <p:cNvPr id="2" name="内容占位符 1"/>
+          <p:cNvPr id="3" name="幻灯片编号占位符 2"/>
           <p:cNvSpPr>
             <a:spLocks noGrp="1"/>
           </p:cNvSpPr>
           <p:nvPr>
-            <p:ph idx="1"/>
+            <p:ph type="sldNum" sz="quarter" idx="10"/>
           </p:nvPr>
         </p:nvSpPr>
         <p:spPr>
           <a:xfrm>
-            <a:off x="467544" y="1124744"/>
-            <a:ext cx="7164456" cy="5031256"/>
-          </a:xfrm>
-        </p:spPr>
-        <p:txBody>
-          <a:bodyPr/>
-          <a:lstStyle/>
-          <a:p>
-            <a:r>
-              <a:rPr kumimoji="1" lang="zh-CN" altLang="en-US" dirty="0"/>
-              <a:t>typeof</a:t>
-            </a:r>
-            <a:endParaRPr kumimoji="1" lang="zh-CN" altLang="en-US" dirty="0"/>
-          </a:p>
-          <a:p>
-            <a:r>
-              <a:rPr kumimoji="1" lang="zh-CN" altLang="en-US" dirty="0"/>
-              <a:t>用于判断一个一个表达式，（对象或者原始值），返回一个字符串。</a:t>
-            </a:r>
-            <a:endParaRPr kumimoji="1" lang="zh-CN" altLang="en-US" dirty="0"/>
-          </a:p>
-          <a:p>
-            <a:endParaRPr kumimoji="1" lang="zh-CN" altLang="en-US" dirty="0"/>
-          </a:p>
-          <a:p>
-            <a:endParaRPr kumimoji="1" lang="zh-CN" altLang="en-US" dirty="0"/>
-          </a:p>
-          <a:p>
-            <a:r>
-              <a:rPr kumimoji="1" lang="zh-CN" altLang="en-US" dirty="0"/>
-              <a:t>instanceof</a:t>
-            </a:r>
-            <a:endParaRPr kumimoji="1" lang="zh-CN" altLang="en-US" dirty="0"/>
-          </a:p>
-          <a:p>
-            <a:r>
-              <a:rPr kumimoji="1" lang="zh-CN" altLang="en-US" dirty="0"/>
-              <a:t>instanceof 运算符用来测试一个对象在其原型链中是否存在一个构造函数的 prototype 属性。</a:t>
-            </a:r>
-            <a:endParaRPr kumimoji="1" lang="zh-CN" altLang="en-US" dirty="0"/>
-          </a:p>
-        </p:txBody>
-      </p:sp>
-      <p:sp>
-        <p:nvSpPr>
-          <p:cNvPr id="3" name="幻灯片编号占位符 2"/>
-          <p:cNvSpPr>
-            <a:spLocks noGrp="1"/>
-          </p:cNvSpPr>
-          <p:nvPr>
-            <p:ph type="sldNum" sz="quarter" idx="10"/>
-          </p:nvPr>
-        </p:nvSpPr>
-        <p:spPr>
-          <a:xfrm>
-            <a:off x="7061835" y="6551930"/>
-            <a:ext cx="2076450" cy="304800"/>
+            <a:off x="7988300" y="6551930"/>
+            <a:ext cx="1149985" cy="304800"/>
           </a:xfrm>
         </p:spPr>
         <p:txBody>
@@ -6846,7 +6671,7 @@
             </a:pPr>
             <a:r>
               <a:rPr lang="en-US" smtClean="0"/>
-              <a:t>code1</a:t>
+              <a:t>code2</a:t>
             </a:r>
             <a:endParaRPr lang="en-US" dirty="0"/>
           </a:p>
@@ -6884,12 +6709,40 @@
                 <a:cs typeface="+mn-cs"/>
                 <a:sym typeface="+mn-ea"/>
               </a:rPr>
-              <a:t>如何判断一个变量的类型</a:t>
+              <a:t>原型和原型链</a:t>
             </a:r>
             <a:endParaRPr kumimoji="1" lang="zh-CN" altLang="en-US" dirty="0"/>
           </a:p>
         </p:txBody>
       </p:sp>
+      <p:pic>
+        <p:nvPicPr>
+          <p:cNvPr id="12290" name="图片 7"/>
+          <p:cNvPicPr>
+            <a:picLocks noChangeAspect="1"/>
+          </p:cNvPicPr>
+          <p:nvPr/>
+        </p:nvPicPr>
+        <p:blipFill>
+          <a:blip r:embed="rId1"/>
+          <a:stretch>
+            <a:fillRect/>
+          </a:stretch>
+        </p:blipFill>
+        <p:spPr>
+          <a:xfrm>
+            <a:off x="360045" y="1169988"/>
+            <a:ext cx="8278813" cy="3971925"/>
+          </a:xfrm>
+          <a:prstGeom prst="rect">
+            <a:avLst/>
+          </a:prstGeom>
+          <a:noFill/>
+          <a:ln w="9525">
+            <a:noFill/>
+          </a:ln>
+        </p:spPr>
+      </p:pic>
     </p:spTree>
   </p:cSld>
   <p:clrMapOvr>
@@ -6914,6 +6767,100 @@
         <p:cNvGrpSpPr/>
         <p:nvPr/>
       </p:nvGrpSpPr>
+      <p:grpSpPr/>
+      <p:sp>
+        <p:nvSpPr>
+          <p:cNvPr id="4" name="标题 3"/>
+          <p:cNvSpPr>
+            <a:spLocks noGrp="1" noChangeArrowheads="1"/>
+          </p:cNvSpPr>
+          <p:nvPr>
+            <p:ph type="title"/>
+          </p:nvPr>
+        </p:nvSpPr>
+        <p:spPr/>
+        <p:txBody>
+          <a:bodyPr/>
+          <a:p>
+            <a:r>
+              <a:rPr lang="zh-CN" altLang="en-US"/>
+              <a:t>原型链</a:t>
+            </a:r>
+            <a:endParaRPr lang="zh-CN" altLang="en-US"/>
+          </a:p>
+        </p:txBody>
+      </p:sp>
+      <p:sp>
+        <p:nvSpPr>
+          <p:cNvPr id="2" name="灯片编号占位符 1"/>
+          <p:cNvSpPr>
+            <a:spLocks noGrp="1"/>
+          </p:cNvSpPr>
+          <p:nvPr>
+            <p:ph type="sldNum" sz="quarter" idx="10"/>
+          </p:nvPr>
+        </p:nvSpPr>
+        <p:spPr/>
+        <p:txBody>
+          <a:bodyPr/>
+          <a:p>
+            <a:pPr>
+              <a:defRPr/>
+            </a:pPr>
+            <a:fld id="{D4FE18B1-0DDD-4E8B-8EAA-9840798265F0}" type="slidenum">
+              <a:rPr lang="en-US" smtClean="0"/>
+            </a:fld>
+            <a:endParaRPr lang="en-US" dirty="0"/>
+          </a:p>
+        </p:txBody>
+      </p:sp>
+      <p:pic>
+        <p:nvPicPr>
+          <p:cNvPr id="14337" name="图片 3"/>
+          <p:cNvPicPr>
+            <a:picLocks noChangeAspect="1"/>
+          </p:cNvPicPr>
+          <p:nvPr>
+            <p:ph idx="1"/>
+          </p:nvPr>
+        </p:nvPicPr>
+        <p:blipFill>
+          <a:blip r:embed="rId1"/>
+          <a:stretch>
+            <a:fillRect/>
+          </a:stretch>
+        </p:blipFill>
+        <p:spPr>
+          <a:xfrm>
+            <a:off x="1324610" y="1502410"/>
+            <a:ext cx="6120130" cy="3048635"/>
+          </a:xfrm>
+          <a:prstGeom prst="rect">
+            <a:avLst/>
+          </a:prstGeom>
+          <a:noFill/>
+          <a:ln w="9525">
+            <a:noFill/>
+          </a:ln>
+        </p:spPr>
+      </p:pic>
+    </p:spTree>
+  </p:cSld>
+  <p:clrMapOvr>
+    <a:masterClrMapping/>
+  </p:clrMapOvr>
+</p:sld>
+</file>
+
+<file path=ppt/slides/slide8.xml><?xml version="1.0" encoding="utf-8"?>
+<p:sld xmlns:a="http://schemas.openxmlformats.org/drawingml/2006/main" xmlns:r="http://schemas.openxmlformats.org/officeDocument/2006/relationships" xmlns:p="http://schemas.openxmlformats.org/presentationml/2006/main">
+  <p:cSld>
+    <p:spTree>
+      <p:nvGrpSpPr>
+        <p:cNvPr id="1" name=""/>
+        <p:cNvGrpSpPr/>
+        <p:nvPr/>
+      </p:nvGrpSpPr>
       <p:grpSpPr>
         <a:xfrm>
           <a:off x="0" y="0"/>
@@ -6924,6 +6871,60 @@
       </p:grpSpPr>
       <p:sp>
         <p:nvSpPr>
+          <p:cNvPr id="2" name="内容占位符 1"/>
+          <p:cNvSpPr>
+            <a:spLocks noGrp="1"/>
+          </p:cNvSpPr>
+          <p:nvPr>
+            <p:ph idx="1"/>
+          </p:nvPr>
+        </p:nvSpPr>
+        <p:spPr>
+          <a:xfrm>
+            <a:off x="611560" y="1196752"/>
+            <a:ext cx="7488832" cy="5040560"/>
+          </a:xfrm>
+        </p:spPr>
+        <p:txBody>
+          <a:bodyPr/>
+          <a:lstStyle/>
+          <a:p>
+            <a:r>
+              <a:rPr kumimoji="1" lang="zh-CN" altLang="en-US" dirty="0"/>
+              <a:t>显式转换</a:t>
+            </a:r>
+            <a:endParaRPr kumimoji="1" lang="zh-CN" altLang="en-US" dirty="0"/>
+          </a:p>
+          <a:p>
+            <a:endParaRPr kumimoji="1" lang="zh-CN" altLang="en-US" dirty="0"/>
+          </a:p>
+          <a:p>
+            <a:r>
+              <a:rPr kumimoji="1" lang="zh-CN" altLang="en-US" dirty="0"/>
+              <a:t> </a:t>
+            </a:r>
+            <a:endParaRPr kumimoji="1" lang="zh-CN" altLang="en-US" dirty="0"/>
+          </a:p>
+          <a:p>
+            <a:endParaRPr kumimoji="1" lang="zh-CN" altLang="en-US" dirty="0"/>
+          </a:p>
+          <a:p>
+            <a:r>
+              <a:rPr kumimoji="1" lang="zh-CN" altLang="en-US" dirty="0"/>
+              <a:t>隐</a:t>
+            </a:r>
+            <a:r>
+              <a:rPr kumimoji="1" lang="zh-CN" altLang="en-US" dirty="0">
+                <a:sym typeface="+mn-ea"/>
+              </a:rPr>
+              <a:t>式转换</a:t>
+            </a:r>
+            <a:endParaRPr kumimoji="1" lang="zh-CN" altLang="en-US" dirty="0"/>
+          </a:p>
+        </p:txBody>
+      </p:sp>
+      <p:sp>
+        <p:nvSpPr>
           <p:cNvPr id="3" name="幻灯片编号占位符 2"/>
           <p:cNvSpPr>
             <a:spLocks noGrp="1"/>
@@ -6934,8 +6935,8 @@
         </p:nvSpPr>
         <p:spPr>
           <a:xfrm>
-            <a:off x="7988300" y="6551930"/>
-            <a:ext cx="1149985" cy="304800"/>
+            <a:off x="7379970" y="6551930"/>
+            <a:ext cx="1758315" cy="304800"/>
           </a:xfrm>
         </p:spPr>
         <p:txBody>
@@ -6946,7 +6947,7 @@
               <a:defRPr/>
             </a:pPr>
             <a:r>
-              <a:rPr lang="en-US" smtClean="0"/>
+              <a:rPr lang="en-US" dirty="0"/>
               <a:t>code2</a:t>
             </a:r>
             <a:endParaRPr lang="en-US" dirty="0"/>
@@ -6969,23 +6970,16 @@
           <a:lstStyle/>
           <a:p>
             <a:r>
-              <a:rPr lang="zh-CN" altLang="en-US">
-                <a:solidFill>
-                  <a:schemeClr val="tx1"/>
-                </a:solidFill>
-                <a:effectLst>
-                  <a:outerShdw blurRad="38100" dist="19050" dir="2700000" algn="tl" rotWithShape="0">
-                    <a:schemeClr val="dk1">
-                      <a:alpha val="40000"/>
-                    </a:schemeClr>
-                  </a:outerShdw>
-                </a:effectLst>
-                <a:latin typeface="Arial" panose="020B0604020202020204" pitchFamily="34" charset="0"/>
-                <a:ea typeface="宋体" panose="02010600030101010101" pitchFamily="2" charset="-122"/>
-                <a:cs typeface="+mn-cs"/>
+              <a:rPr>
                 <a:sym typeface="+mn-ea"/>
               </a:rPr>
-              <a:t>原型和原型链</a:t>
+              <a:t>js的强制类型转换</a:t>
+            </a:r>
+            <a:r>
+              <a:rPr lang="zh-CN">
+                <a:sym typeface="+mn-ea"/>
+              </a:rPr>
+              <a:t>有哪些？</a:t>
             </a:r>
             <a:endParaRPr kumimoji="1" lang="zh-CN" altLang="en-US" dirty="0"/>
           </a:p>
@@ -6993,7 +6987,7 @@
       </p:sp>
       <p:pic>
         <p:nvPicPr>
-          <p:cNvPr id="12290" name="图片 7"/>
+          <p:cNvPr id="15362" name="图片 5" descr="Image"/>
           <p:cNvPicPr>
             <a:picLocks noChangeAspect="1"/>
           </p:cNvPicPr>
@@ -7007,8 +7001,8 @@
         </p:blipFill>
         <p:spPr>
           <a:xfrm>
-            <a:off x="360045" y="1169988"/>
-            <a:ext cx="8278813" cy="3971925"/>
+            <a:off x="690563" y="3049588"/>
+            <a:ext cx="2543175" cy="3295650"/>
           </a:xfrm>
           <a:prstGeom prst="rect">
             <a:avLst/>
@@ -7017,6 +7011,30 @@
           <a:ln w="9525">
             <a:noFill/>
           </a:ln>
+        </p:spPr>
+      </p:pic>
+      <p:pic>
+        <p:nvPicPr>
+          <p:cNvPr id="5" name="图片 4"/>
+          <p:cNvPicPr>
+            <a:picLocks noChangeAspect="1"/>
+          </p:cNvPicPr>
+          <p:nvPr/>
+        </p:nvPicPr>
+        <p:blipFill>
+          <a:blip r:embed="rId2"/>
+          <a:stretch>
+            <a:fillRect/>
+          </a:stretch>
+        </p:blipFill>
+        <p:spPr>
+          <a:xfrm>
+            <a:off x="690880" y="1547495"/>
+            <a:ext cx="3638550" cy="695325"/>
+          </a:xfrm>
+          <a:prstGeom prst="rect">
+            <a:avLst/>
+          </a:prstGeom>
         </p:spPr>
       </p:pic>
     </p:spTree>
@@ -7031,100 +7049,6 @@
       </p:par>
     </p:tnLst>
   </p:timing>
-</p:sld>
-</file>
-
-<file path=ppt/slides/slide8.xml><?xml version="1.0" encoding="utf-8"?>
-<p:sld xmlns:a="http://schemas.openxmlformats.org/drawingml/2006/main" xmlns:r="http://schemas.openxmlformats.org/officeDocument/2006/relationships" xmlns:p="http://schemas.openxmlformats.org/presentationml/2006/main">
-  <p:cSld>
-    <p:spTree>
-      <p:nvGrpSpPr>
-        <p:cNvPr id="1" name=""/>
-        <p:cNvGrpSpPr/>
-        <p:nvPr/>
-      </p:nvGrpSpPr>
-      <p:grpSpPr/>
-      <p:sp>
-        <p:nvSpPr>
-          <p:cNvPr id="4" name="标题 3"/>
-          <p:cNvSpPr>
-            <a:spLocks noGrp="1" noChangeArrowheads="1"/>
-          </p:cNvSpPr>
-          <p:nvPr>
-            <p:ph type="title"/>
-          </p:nvPr>
-        </p:nvSpPr>
-        <p:spPr/>
-        <p:txBody>
-          <a:bodyPr/>
-          <a:p>
-            <a:r>
-              <a:rPr lang="zh-CN" altLang="en-US"/>
-              <a:t>原型链</a:t>
-            </a:r>
-            <a:endParaRPr lang="zh-CN" altLang="en-US"/>
-          </a:p>
-        </p:txBody>
-      </p:sp>
-      <p:sp>
-        <p:nvSpPr>
-          <p:cNvPr id="2" name="灯片编号占位符 1"/>
-          <p:cNvSpPr>
-            <a:spLocks noGrp="1"/>
-          </p:cNvSpPr>
-          <p:nvPr>
-            <p:ph type="sldNum" sz="quarter" idx="10"/>
-          </p:nvPr>
-        </p:nvSpPr>
-        <p:spPr/>
-        <p:txBody>
-          <a:bodyPr/>
-          <a:p>
-            <a:pPr>
-              <a:defRPr/>
-            </a:pPr>
-            <a:fld id="{D4FE18B1-0DDD-4E8B-8EAA-9840798265F0}" type="slidenum">
-              <a:rPr lang="en-US" smtClean="0"/>
-            </a:fld>
-            <a:endParaRPr lang="en-US" dirty="0"/>
-          </a:p>
-        </p:txBody>
-      </p:sp>
-      <p:pic>
-        <p:nvPicPr>
-          <p:cNvPr id="14337" name="图片 3"/>
-          <p:cNvPicPr>
-            <a:picLocks noChangeAspect="1"/>
-          </p:cNvPicPr>
-          <p:nvPr>
-            <p:ph idx="1"/>
-          </p:nvPr>
-        </p:nvPicPr>
-        <p:blipFill>
-          <a:blip r:embed="rId1"/>
-          <a:stretch>
-            <a:fillRect/>
-          </a:stretch>
-        </p:blipFill>
-        <p:spPr>
-          <a:xfrm>
-            <a:off x="1324610" y="1502410"/>
-            <a:ext cx="6120130" cy="3048635"/>
-          </a:xfrm>
-          <a:prstGeom prst="rect">
-            <a:avLst/>
-          </a:prstGeom>
-          <a:noFill/>
-          <a:ln w="9525">
-            <a:noFill/>
-          </a:ln>
-        </p:spPr>
-      </p:pic>
-    </p:spTree>
-  </p:cSld>
-  <p:clrMapOvr>
-    <a:masterClrMapping/>
-  </p:clrMapOvr>
 </p:sld>
 </file>
 
@@ -7147,61 +7071,15 @@
       </p:grpSpPr>
       <p:sp>
         <p:nvSpPr>
-          <p:cNvPr id="2" name="内容占位符 1"/>
+          <p:cNvPr id="2" name="幻灯片编号占位符 1"/>
           <p:cNvSpPr>
             <a:spLocks noGrp="1"/>
           </p:cNvSpPr>
           <p:nvPr>
-            <p:ph idx="1"/>
-          </p:nvPr>
-        </p:nvSpPr>
-        <p:spPr>
-          <a:xfrm>
-            <a:off x="611560" y="1196752"/>
-            <a:ext cx="7488832" cy="5040560"/>
-          </a:xfrm>
-        </p:spPr>
-        <p:txBody>
-          <a:bodyPr/>
-          <a:lstStyle/>
-          <a:p>
-            <a:r>
-              <a:rPr kumimoji="1" lang="zh-CN" altLang="en-US" dirty="0"/>
-              <a:t>显式转换 </a:t>
-            </a:r>
-            <a:endParaRPr kumimoji="1" lang="zh-CN" altLang="en-US" dirty="0"/>
-          </a:p>
-          <a:p>
-            <a:r>
-              <a:rPr kumimoji="1" lang="zh-CN" altLang="en-US" dirty="0"/>
-              <a:t>隐</a:t>
-            </a:r>
-            <a:r>
-              <a:rPr kumimoji="1" lang="zh-CN" altLang="en-US" dirty="0">
-                <a:sym typeface="+mn-ea"/>
-              </a:rPr>
-              <a:t>式转换</a:t>
-            </a:r>
-            <a:endParaRPr kumimoji="1" lang="zh-CN" altLang="en-US" dirty="0"/>
-          </a:p>
-        </p:txBody>
-      </p:sp>
-      <p:sp>
-        <p:nvSpPr>
-          <p:cNvPr id="3" name="幻灯片编号占位符 2"/>
-          <p:cNvSpPr>
-            <a:spLocks noGrp="1"/>
-          </p:cNvSpPr>
-          <p:nvPr>
             <p:ph type="sldNum" sz="quarter" idx="10"/>
           </p:nvPr>
         </p:nvSpPr>
-        <p:spPr>
-          <a:xfrm>
-            <a:off x="7379970" y="6551930"/>
-            <a:ext cx="1758315" cy="304800"/>
-          </a:xfrm>
-        </p:spPr>
+        <p:spPr/>
         <p:txBody>
           <a:bodyPr/>
           <a:lstStyle/>
@@ -7209,17 +7087,16 @@
             <a:pPr>
               <a:defRPr/>
             </a:pPr>
-            <a:r>
-              <a:rPr lang="en-US" dirty="0"/>
-              <a:t>code2</a:t>
-            </a:r>
+            <a:fld id="{05F6A23B-73E6-4DF5-9296-CE83C25FC8C1}" type="slidenum">
+              <a:rPr lang="en-US" smtClean="0"/>
+            </a:fld>
             <a:endParaRPr lang="en-US" dirty="0"/>
           </a:p>
         </p:txBody>
       </p:sp>
       <p:sp>
         <p:nvSpPr>
-          <p:cNvPr id="4" name="标题 3"/>
+          <p:cNvPr id="3" name="标题 2"/>
           <p:cNvSpPr>
             <a:spLocks noGrp="1"/>
           </p:cNvSpPr>
@@ -7233,24 +7110,50 @@
           <a:lstStyle/>
           <a:p>
             <a:r>
-              <a:rPr>
-                <a:sym typeface="+mn-ea"/>
-              </a:rPr>
-              <a:t>js的强制类型转换</a:t>
-            </a:r>
-            <a:r>
-              <a:rPr lang="zh-CN">
-                <a:sym typeface="+mn-ea"/>
-              </a:rPr>
-              <a:t>有哪些？</a:t>
-            </a:r>
+              <a:rPr kumimoji="1" lang="en-US" altLang="zh-CN" dirty="0"/>
+              <a:t>!!</a:t>
+            </a:r>
+            <a:r>
+              <a:rPr kumimoji="1" lang="zh-CN" altLang="en-US" dirty="0"/>
+              <a:t>的使用</a:t>
+            </a:r>
+            <a:endParaRPr kumimoji="1" lang="zh-CN" altLang="en-US" dirty="0"/>
+          </a:p>
+        </p:txBody>
+      </p:sp>
+      <p:sp>
+        <p:nvSpPr>
+          <p:cNvPr id="4" name="内容占位符 3"/>
+          <p:cNvSpPr>
+            <a:spLocks noGrp="1"/>
+          </p:cNvSpPr>
+          <p:nvPr>
+            <p:ph idx="1"/>
+          </p:nvPr>
+        </p:nvSpPr>
+        <p:spPr/>
+        <p:txBody>
+          <a:bodyPr/>
+          <a:lstStyle/>
+          <a:p>
+            <a:pPr marL="450850" lvl="1" indent="0">
+              <a:buNone/>
+            </a:pPr>
+            <a:endParaRPr lang="en-US" altLang="zh-CN" sz="2000" dirty="0" smtClean="0"/>
+          </a:p>
+          <a:p>
+            <a:pPr lvl="1"/>
+            <a:endParaRPr lang="en-US" altLang="zh-CN" dirty="0"/>
+          </a:p>
+          <a:p>
+            <a:pPr lvl="1"/>
             <a:endParaRPr kumimoji="1" lang="zh-CN" altLang="en-US" dirty="0"/>
           </a:p>
         </p:txBody>
       </p:sp>
       <p:pic>
         <p:nvPicPr>
-          <p:cNvPr id="15362" name="图片 5" descr="Image"/>
+          <p:cNvPr id="11267" name="图片 5"/>
           <p:cNvPicPr>
             <a:picLocks noChangeAspect="1"/>
           </p:cNvPicPr>
@@ -7264,8 +7167,36 @@
         </p:blipFill>
         <p:spPr>
           <a:xfrm>
-            <a:off x="811848" y="2242503"/>
-            <a:ext cx="2543175" cy="3295650"/>
+            <a:off x="931545" y="1442720"/>
+            <a:ext cx="1533525" cy="3430905"/>
+          </a:xfrm>
+          <a:prstGeom prst="rect">
+            <a:avLst/>
+          </a:prstGeom>
+          <a:noFill/>
+          <a:ln w="9525">
+            <a:noFill/>
+          </a:ln>
+        </p:spPr>
+      </p:pic>
+      <p:pic>
+        <p:nvPicPr>
+          <p:cNvPr id="11266" name="图片 4"/>
+          <p:cNvPicPr>
+            <a:picLocks noChangeAspect="1"/>
+          </p:cNvPicPr>
+          <p:nvPr/>
+        </p:nvPicPr>
+        <p:blipFill>
+          <a:blip r:embed="rId2"/>
+          <a:stretch>
+            <a:fillRect/>
+          </a:stretch>
+        </p:blipFill>
+        <p:spPr>
+          <a:xfrm>
+            <a:off x="4062413" y="1808798"/>
+            <a:ext cx="2600325" cy="1809750"/>
           </a:xfrm>
           <a:prstGeom prst="rect">
             <a:avLst/>
@@ -7292,6 +7223,13 @@
 </file>
 
 <file path=ppt/tags/tag1.xml><?xml version="1.0" encoding="utf-8"?>
+<p:tagLst xmlns:p="http://schemas.openxmlformats.org/presentationml/2006/main">
+  <p:tag name="REFSHAPE" val="647412948"/>
+  <p:tag name="KSO_WM_UNIT_PLACING_PICTURE_USER_VIEWPORT" val="{&quot;height&quot;:7140,&quot;width&quot;:11505}"/>
+</p:tagLst>
+</file>
+
+<file path=ppt/tags/tag2.xml><?xml version="1.0" encoding="utf-8"?>
 <p:tagLst xmlns:p="http://schemas.openxmlformats.org/presentationml/2006/main">
   <p:tag name="OFFICE" val="Boston"/>
 </p:tagLst>

--- a/javascript技术分享/mui以及推送分享.pptx
+++ b/javascript技术分享/mui以及推送分享.pptx
@@ -8,7 +8,7 @@
     <p:notesMasterId r:id="rId4"/>
   </p:notesMasterIdLst>
   <p:handoutMasterIdLst>
-    <p:handoutMasterId r:id="rId17"/>
+    <p:handoutMasterId r:id="rId27"/>
   </p:handoutMasterIdLst>
   <p:sldIdLst>
     <p:sldId id="465" r:id="rId3"/>
@@ -23,12 +23,22 @@
     <p:sldId id="526" r:id="rId13"/>
     <p:sldId id="527" r:id="rId14"/>
     <p:sldId id="547" r:id="rId15"/>
-    <p:sldId id="412" r:id="rId16"/>
+    <p:sldId id="550" r:id="rId16"/>
+    <p:sldId id="551" r:id="rId17"/>
+    <p:sldId id="552" r:id="rId18"/>
+    <p:sldId id="554" r:id="rId19"/>
+    <p:sldId id="553" r:id="rId20"/>
+    <p:sldId id="555" r:id="rId21"/>
+    <p:sldId id="557" r:id="rId22"/>
+    <p:sldId id="558" r:id="rId23"/>
+    <p:sldId id="560" r:id="rId24"/>
+    <p:sldId id="559" r:id="rId25"/>
+    <p:sldId id="556" r:id="rId26"/>
   </p:sldIdLst>
   <p:sldSz cx="9144000" cy="6858000" type="screen4x3"/>
   <p:notesSz cx="6797675" cy="9928225"/>
   <p:custDataLst>
-    <p:tags r:id="rId22"/>
+    <p:tags r:id="rId32"/>
   </p:custDataLst>
   <p:defaultTextStyle>
     <a:defPPr>
@@ -877,7 +887,491 @@
 </p:notes>
 </file>
 
+<file path=ppt/notesSlides/notesSlide10.xml><?xml version="1.0" encoding="utf-8"?>
+<p:notes xmlns:a="http://schemas.openxmlformats.org/drawingml/2006/main" xmlns:r="http://schemas.openxmlformats.org/officeDocument/2006/relationships" xmlns:p="http://schemas.openxmlformats.org/presentationml/2006/main">
+  <p:cSld>
+    <p:spTree>
+      <p:nvGrpSpPr>
+        <p:cNvPr id="1" name=""/>
+        <p:cNvGrpSpPr/>
+        <p:nvPr/>
+      </p:nvGrpSpPr>
+      <p:grpSpPr/>
+      <p:sp>
+        <p:nvSpPr>
+          <p:cNvPr id="2" name="幻灯片图像占位符 1"/>
+          <p:cNvSpPr/>
+          <p:nvPr>
+            <p:ph type="sldImg" idx="2"/>
+          </p:nvPr>
+        </p:nvSpPr>
+        <p:spPr/>
+      </p:sp>
+      <p:sp>
+        <p:nvSpPr>
+          <p:cNvPr id="3" name="文本占位符 2"/>
+          <p:cNvSpPr/>
+          <p:nvPr>
+            <p:ph type="body" idx="3"/>
+          </p:nvPr>
+        </p:nvSpPr>
+        <p:spPr/>
+        <p:txBody>
+          <a:bodyPr/>
+          <a:p>
+            <a:endParaRPr lang="zh-CN" altLang="en-US"/>
+          </a:p>
+        </p:txBody>
+      </p:sp>
+    </p:spTree>
+  </p:cSld>
+  <p:clrMapOvr>
+    <a:masterClrMapping/>
+  </p:clrMapOvr>
+</p:notes>
+</file>
+
+<file path=ppt/notesSlides/notesSlide11.xml><?xml version="1.0" encoding="utf-8"?>
+<p:notes xmlns:a="http://schemas.openxmlformats.org/drawingml/2006/main" xmlns:r="http://schemas.openxmlformats.org/officeDocument/2006/relationships" xmlns:p="http://schemas.openxmlformats.org/presentationml/2006/main">
+  <p:cSld>
+    <p:spTree>
+      <p:nvGrpSpPr>
+        <p:cNvPr id="1" name=""/>
+        <p:cNvGrpSpPr/>
+        <p:nvPr/>
+      </p:nvGrpSpPr>
+      <p:grpSpPr/>
+      <p:sp>
+        <p:nvSpPr>
+          <p:cNvPr id="2" name="幻灯片图像占位符 1"/>
+          <p:cNvSpPr/>
+          <p:nvPr>
+            <p:ph type="sldImg" idx="2"/>
+          </p:nvPr>
+        </p:nvSpPr>
+        <p:spPr/>
+      </p:sp>
+      <p:sp>
+        <p:nvSpPr>
+          <p:cNvPr id="3" name="文本占位符 2"/>
+          <p:cNvSpPr/>
+          <p:nvPr>
+            <p:ph type="body" idx="3"/>
+          </p:nvPr>
+        </p:nvSpPr>
+        <p:spPr/>
+        <p:txBody>
+          <a:bodyPr/>
+          <a:p>
+            <a:endParaRPr lang="zh-CN" altLang="en-US"/>
+          </a:p>
+        </p:txBody>
+      </p:sp>
+    </p:spTree>
+  </p:cSld>
+  <p:clrMapOvr>
+    <a:masterClrMapping/>
+  </p:clrMapOvr>
+</p:notes>
+</file>
+
+<file path=ppt/notesSlides/notesSlide12.xml><?xml version="1.0" encoding="utf-8"?>
+<p:notes xmlns:a="http://schemas.openxmlformats.org/drawingml/2006/main" xmlns:r="http://schemas.openxmlformats.org/officeDocument/2006/relationships" xmlns:p="http://schemas.openxmlformats.org/presentationml/2006/main">
+  <p:cSld>
+    <p:spTree>
+      <p:nvGrpSpPr>
+        <p:cNvPr id="1" name=""/>
+        <p:cNvGrpSpPr/>
+        <p:nvPr/>
+      </p:nvGrpSpPr>
+      <p:grpSpPr/>
+      <p:sp>
+        <p:nvSpPr>
+          <p:cNvPr id="2" name="幻灯片图像占位符 1"/>
+          <p:cNvSpPr/>
+          <p:nvPr>
+            <p:ph type="sldImg" idx="2"/>
+          </p:nvPr>
+        </p:nvSpPr>
+        <p:spPr/>
+      </p:sp>
+      <p:sp>
+        <p:nvSpPr>
+          <p:cNvPr id="3" name="文本占位符 2"/>
+          <p:cNvSpPr/>
+          <p:nvPr>
+            <p:ph type="body" idx="3"/>
+          </p:nvPr>
+        </p:nvSpPr>
+        <p:spPr/>
+        <p:txBody>
+          <a:bodyPr/>
+          <a:p>
+            <a:endParaRPr lang="zh-CN" altLang="en-US"/>
+          </a:p>
+        </p:txBody>
+      </p:sp>
+    </p:spTree>
+  </p:cSld>
+  <p:clrMapOvr>
+    <a:masterClrMapping/>
+  </p:clrMapOvr>
+</p:notes>
+</file>
+
+<file path=ppt/notesSlides/notesSlide13.xml><?xml version="1.0" encoding="utf-8"?>
+<p:notes xmlns:a="http://schemas.openxmlformats.org/drawingml/2006/main" xmlns:r="http://schemas.openxmlformats.org/officeDocument/2006/relationships" xmlns:p="http://schemas.openxmlformats.org/presentationml/2006/main">
+  <p:cSld>
+    <p:spTree>
+      <p:nvGrpSpPr>
+        <p:cNvPr id="1" name=""/>
+        <p:cNvGrpSpPr/>
+        <p:nvPr/>
+      </p:nvGrpSpPr>
+      <p:grpSpPr/>
+      <p:sp>
+        <p:nvSpPr>
+          <p:cNvPr id="2" name="幻灯片图像占位符 1"/>
+          <p:cNvSpPr/>
+          <p:nvPr>
+            <p:ph type="sldImg" idx="2"/>
+          </p:nvPr>
+        </p:nvSpPr>
+        <p:spPr/>
+      </p:sp>
+      <p:sp>
+        <p:nvSpPr>
+          <p:cNvPr id="3" name="文本占位符 2"/>
+          <p:cNvSpPr/>
+          <p:nvPr>
+            <p:ph type="body" idx="3"/>
+          </p:nvPr>
+        </p:nvSpPr>
+        <p:spPr/>
+        <p:txBody>
+          <a:bodyPr/>
+          <a:p>
+            <a:endParaRPr lang="zh-CN" altLang="en-US"/>
+          </a:p>
+        </p:txBody>
+      </p:sp>
+    </p:spTree>
+  </p:cSld>
+  <p:clrMapOvr>
+    <a:masterClrMapping/>
+  </p:clrMapOvr>
+</p:notes>
+</file>
+
 <file path=ppt/notesSlides/notesSlide2.xml><?xml version="1.0" encoding="utf-8"?>
+<p:notes xmlns:a="http://schemas.openxmlformats.org/drawingml/2006/main" xmlns:r="http://schemas.openxmlformats.org/officeDocument/2006/relationships" xmlns:p="http://schemas.openxmlformats.org/presentationml/2006/main">
+  <p:cSld>
+    <p:spTree>
+      <p:nvGrpSpPr>
+        <p:cNvPr id="1" name=""/>
+        <p:cNvGrpSpPr/>
+        <p:nvPr/>
+      </p:nvGrpSpPr>
+      <p:grpSpPr/>
+      <p:sp>
+        <p:nvSpPr>
+          <p:cNvPr id="2" name="幻灯片图像占位符 1"/>
+          <p:cNvSpPr/>
+          <p:nvPr>
+            <p:ph type="sldImg" idx="2"/>
+          </p:nvPr>
+        </p:nvSpPr>
+        <p:spPr/>
+      </p:sp>
+      <p:sp>
+        <p:nvSpPr>
+          <p:cNvPr id="3" name="文本占位符 2"/>
+          <p:cNvSpPr/>
+          <p:nvPr>
+            <p:ph type="body" idx="3"/>
+          </p:nvPr>
+        </p:nvSpPr>
+        <p:spPr/>
+        <p:txBody>
+          <a:bodyPr/>
+          <a:p>
+            <a:endParaRPr lang="zh-CN" altLang="en-US"/>
+          </a:p>
+        </p:txBody>
+      </p:sp>
+    </p:spTree>
+  </p:cSld>
+  <p:clrMapOvr>
+    <a:masterClrMapping/>
+  </p:clrMapOvr>
+</p:notes>
+</file>
+
+<file path=ppt/notesSlides/notesSlide3.xml><?xml version="1.0" encoding="utf-8"?>
+<p:notes xmlns:a="http://schemas.openxmlformats.org/drawingml/2006/main" xmlns:r="http://schemas.openxmlformats.org/officeDocument/2006/relationships" xmlns:p="http://schemas.openxmlformats.org/presentationml/2006/main">
+  <p:cSld>
+    <p:spTree>
+      <p:nvGrpSpPr>
+        <p:cNvPr id="1" name=""/>
+        <p:cNvGrpSpPr/>
+        <p:nvPr/>
+      </p:nvGrpSpPr>
+      <p:grpSpPr/>
+      <p:sp>
+        <p:nvSpPr>
+          <p:cNvPr id="2" name="幻灯片图像占位符 1"/>
+          <p:cNvSpPr/>
+          <p:nvPr>
+            <p:ph type="sldImg" idx="2"/>
+          </p:nvPr>
+        </p:nvSpPr>
+        <p:spPr/>
+      </p:sp>
+      <p:sp>
+        <p:nvSpPr>
+          <p:cNvPr id="3" name="文本占位符 2"/>
+          <p:cNvSpPr/>
+          <p:nvPr>
+            <p:ph type="body" idx="3"/>
+          </p:nvPr>
+        </p:nvSpPr>
+        <p:spPr/>
+        <p:txBody>
+          <a:bodyPr/>
+          <a:p>
+            <a:endParaRPr lang="zh-CN" altLang="en-US"/>
+          </a:p>
+        </p:txBody>
+      </p:sp>
+    </p:spTree>
+  </p:cSld>
+  <p:clrMapOvr>
+    <a:masterClrMapping/>
+  </p:clrMapOvr>
+</p:notes>
+</file>
+
+<file path=ppt/notesSlides/notesSlide4.xml><?xml version="1.0" encoding="utf-8"?>
+<p:notes xmlns:a="http://schemas.openxmlformats.org/drawingml/2006/main" xmlns:r="http://schemas.openxmlformats.org/officeDocument/2006/relationships" xmlns:p="http://schemas.openxmlformats.org/presentationml/2006/main">
+  <p:cSld>
+    <p:spTree>
+      <p:nvGrpSpPr>
+        <p:cNvPr id="1" name=""/>
+        <p:cNvGrpSpPr/>
+        <p:nvPr/>
+      </p:nvGrpSpPr>
+      <p:grpSpPr/>
+      <p:sp>
+        <p:nvSpPr>
+          <p:cNvPr id="2" name="幻灯片图像占位符 1"/>
+          <p:cNvSpPr/>
+          <p:nvPr>
+            <p:ph type="sldImg" idx="2"/>
+          </p:nvPr>
+        </p:nvSpPr>
+        <p:spPr/>
+      </p:sp>
+      <p:sp>
+        <p:nvSpPr>
+          <p:cNvPr id="3" name="文本占位符 2"/>
+          <p:cNvSpPr/>
+          <p:nvPr>
+            <p:ph type="body" idx="3"/>
+          </p:nvPr>
+        </p:nvSpPr>
+        <p:spPr/>
+        <p:txBody>
+          <a:bodyPr/>
+          <a:p>
+            <a:endParaRPr lang="zh-CN" altLang="en-US"/>
+          </a:p>
+        </p:txBody>
+      </p:sp>
+    </p:spTree>
+  </p:cSld>
+  <p:clrMapOvr>
+    <a:masterClrMapping/>
+  </p:clrMapOvr>
+</p:notes>
+</file>
+
+<file path=ppt/notesSlides/notesSlide5.xml><?xml version="1.0" encoding="utf-8"?>
+<p:notes xmlns:a="http://schemas.openxmlformats.org/drawingml/2006/main" xmlns:r="http://schemas.openxmlformats.org/officeDocument/2006/relationships" xmlns:p="http://schemas.openxmlformats.org/presentationml/2006/main">
+  <p:cSld>
+    <p:spTree>
+      <p:nvGrpSpPr>
+        <p:cNvPr id="1" name=""/>
+        <p:cNvGrpSpPr/>
+        <p:nvPr/>
+      </p:nvGrpSpPr>
+      <p:grpSpPr/>
+      <p:sp>
+        <p:nvSpPr>
+          <p:cNvPr id="2" name="幻灯片图像占位符 1"/>
+          <p:cNvSpPr/>
+          <p:nvPr>
+            <p:ph type="sldImg" idx="2"/>
+          </p:nvPr>
+        </p:nvSpPr>
+        <p:spPr/>
+      </p:sp>
+      <p:sp>
+        <p:nvSpPr>
+          <p:cNvPr id="3" name="文本占位符 2"/>
+          <p:cNvSpPr/>
+          <p:nvPr>
+            <p:ph type="body" idx="3"/>
+          </p:nvPr>
+        </p:nvSpPr>
+        <p:spPr/>
+        <p:txBody>
+          <a:bodyPr/>
+          <a:p>
+            <a:endParaRPr lang="zh-CN" altLang="en-US"/>
+          </a:p>
+        </p:txBody>
+      </p:sp>
+    </p:spTree>
+  </p:cSld>
+  <p:clrMapOvr>
+    <a:masterClrMapping/>
+  </p:clrMapOvr>
+</p:notes>
+</file>
+
+<file path=ppt/notesSlides/notesSlide6.xml><?xml version="1.0" encoding="utf-8"?>
+<p:notes xmlns:a="http://schemas.openxmlformats.org/drawingml/2006/main" xmlns:r="http://schemas.openxmlformats.org/officeDocument/2006/relationships" xmlns:p="http://schemas.openxmlformats.org/presentationml/2006/main">
+  <p:cSld>
+    <p:spTree>
+      <p:nvGrpSpPr>
+        <p:cNvPr id="1" name=""/>
+        <p:cNvGrpSpPr/>
+        <p:nvPr/>
+      </p:nvGrpSpPr>
+      <p:grpSpPr/>
+      <p:sp>
+        <p:nvSpPr>
+          <p:cNvPr id="2" name="幻灯片图像占位符 1"/>
+          <p:cNvSpPr/>
+          <p:nvPr>
+            <p:ph type="sldImg" idx="2"/>
+          </p:nvPr>
+        </p:nvSpPr>
+        <p:spPr/>
+      </p:sp>
+      <p:sp>
+        <p:nvSpPr>
+          <p:cNvPr id="3" name="文本占位符 2"/>
+          <p:cNvSpPr/>
+          <p:nvPr>
+            <p:ph type="body" idx="3"/>
+          </p:nvPr>
+        </p:nvSpPr>
+        <p:spPr/>
+        <p:txBody>
+          <a:bodyPr/>
+          <a:p>
+            <a:endParaRPr lang="zh-CN" altLang="en-US"/>
+          </a:p>
+        </p:txBody>
+      </p:sp>
+    </p:spTree>
+  </p:cSld>
+  <p:clrMapOvr>
+    <a:masterClrMapping/>
+  </p:clrMapOvr>
+</p:notes>
+</file>
+
+<file path=ppt/notesSlides/notesSlide7.xml><?xml version="1.0" encoding="utf-8"?>
+<p:notes xmlns:a="http://schemas.openxmlformats.org/drawingml/2006/main" xmlns:r="http://schemas.openxmlformats.org/officeDocument/2006/relationships" xmlns:p="http://schemas.openxmlformats.org/presentationml/2006/main">
+  <p:cSld>
+    <p:spTree>
+      <p:nvGrpSpPr>
+        <p:cNvPr id="1" name=""/>
+        <p:cNvGrpSpPr/>
+        <p:nvPr/>
+      </p:nvGrpSpPr>
+      <p:grpSpPr/>
+      <p:sp>
+        <p:nvSpPr>
+          <p:cNvPr id="2" name="幻灯片图像占位符 1"/>
+          <p:cNvSpPr/>
+          <p:nvPr>
+            <p:ph type="sldImg" idx="2"/>
+          </p:nvPr>
+        </p:nvSpPr>
+        <p:spPr/>
+      </p:sp>
+      <p:sp>
+        <p:nvSpPr>
+          <p:cNvPr id="3" name="文本占位符 2"/>
+          <p:cNvSpPr/>
+          <p:nvPr>
+            <p:ph type="body" idx="3"/>
+          </p:nvPr>
+        </p:nvSpPr>
+        <p:spPr/>
+        <p:txBody>
+          <a:bodyPr/>
+          <a:p>
+            <a:endParaRPr lang="zh-CN" altLang="en-US"/>
+          </a:p>
+        </p:txBody>
+      </p:sp>
+    </p:spTree>
+  </p:cSld>
+  <p:clrMapOvr>
+    <a:masterClrMapping/>
+  </p:clrMapOvr>
+</p:notes>
+</file>
+
+<file path=ppt/notesSlides/notesSlide8.xml><?xml version="1.0" encoding="utf-8"?>
+<p:notes xmlns:a="http://schemas.openxmlformats.org/drawingml/2006/main" xmlns:r="http://schemas.openxmlformats.org/officeDocument/2006/relationships" xmlns:p="http://schemas.openxmlformats.org/presentationml/2006/main">
+  <p:cSld>
+    <p:spTree>
+      <p:nvGrpSpPr>
+        <p:cNvPr id="1" name=""/>
+        <p:cNvGrpSpPr/>
+        <p:nvPr/>
+      </p:nvGrpSpPr>
+      <p:grpSpPr/>
+      <p:sp>
+        <p:nvSpPr>
+          <p:cNvPr id="2" name="幻灯片图像占位符 1"/>
+          <p:cNvSpPr/>
+          <p:nvPr>
+            <p:ph type="sldImg" idx="2"/>
+          </p:nvPr>
+        </p:nvSpPr>
+        <p:spPr/>
+      </p:sp>
+      <p:sp>
+        <p:nvSpPr>
+          <p:cNvPr id="3" name="文本占位符 2"/>
+          <p:cNvSpPr/>
+          <p:nvPr>
+            <p:ph type="body" idx="3"/>
+          </p:nvPr>
+        </p:nvSpPr>
+        <p:spPr/>
+        <p:txBody>
+          <a:bodyPr/>
+          <a:p>
+            <a:endParaRPr lang="zh-CN" altLang="en-US"/>
+          </a:p>
+        </p:txBody>
+      </p:sp>
+    </p:spTree>
+  </p:cSld>
+  <p:clrMapOvr>
+    <a:masterClrMapping/>
+  </p:clrMapOvr>
+</p:notes>
+</file>
+
+<file path=ppt/notesSlides/notesSlide9.xml><?xml version="1.0" encoding="utf-8"?>
 <p:notes xmlns:a="http://schemas.openxmlformats.org/drawingml/2006/main" xmlns:r="http://schemas.openxmlformats.org/officeDocument/2006/relationships" xmlns:p="http://schemas.openxmlformats.org/presentationml/2006/main">
   <p:cSld>
     <p:spTree>
@@ -5614,13 +6108,66 @@
         </p:nvSpPr>
         <p:spPr>
           <a:xfrm>
-            <a:off x="439420" y="963930"/>
+            <a:off x="431165" y="963930"/>
             <a:ext cx="7192645" cy="5191760"/>
           </a:xfrm>
         </p:spPr>
         <p:txBody>
           <a:bodyPr/>
           <a:p>
+            <a:r>
+              <a:rPr lang="zh-CN" altLang="en-US"/>
+              <a:t>一、变量的作用域</a:t>
+            </a:r>
+            <a:endParaRPr lang="zh-CN" altLang="en-US"/>
+          </a:p>
+          <a:p>
+            <a:r>
+              <a:rPr lang="zh-CN" altLang="en-US"/>
+              <a:t>二、如何从外部读取局部变量？</a:t>
+            </a:r>
+            <a:endParaRPr lang="zh-CN" altLang="en-US"/>
+          </a:p>
+          <a:p>
+            <a:r>
+              <a:rPr lang="zh-CN" altLang="en-US"/>
+              <a:t>三、闭包的概念</a:t>
+            </a:r>
+            <a:endParaRPr lang="zh-CN" altLang="en-US"/>
+          </a:p>
+          <a:p>
+            <a:r>
+              <a:rPr lang="zh-CN" altLang="en-US"/>
+              <a:t>闭包就是能够读取其他函数内部变量的函数，函数没有被释放，整条作用域链上的局部变量都将得到保留。</a:t>
+            </a:r>
+            <a:endParaRPr lang="zh-CN" altLang="en-US"/>
+          </a:p>
+          <a:p>
+            <a:r>
+              <a:rPr lang="zh-CN" altLang="en-US"/>
+              <a:t>由于在javascript语言中，只有函数内部的子函数才能读取局部变量，因此可以把闭包简单理解成‘定义在一个函数内部的函数’。</a:t>
+            </a:r>
+            <a:endParaRPr lang="zh-CN" altLang="en-US"/>
+          </a:p>
+          <a:p>
+            <a:r>
+              <a:rPr lang="zh-CN" altLang="en-US"/>
+              <a:t>所以，在本质上，闭包就是将函数内部和函数外部连接的一座桥梁。</a:t>
+            </a:r>
+            <a:endParaRPr lang="zh-CN" altLang="en-US"/>
+          </a:p>
+          <a:p>
+            <a:r>
+              <a:rPr lang="zh-CN" altLang="en-US"/>
+              <a:t>四、闭包的用途</a:t>
+            </a:r>
+            <a:endParaRPr lang="zh-CN" altLang="en-US"/>
+          </a:p>
+          <a:p>
+            <a:r>
+              <a:rPr lang="zh-CN" altLang="en-US"/>
+              <a:t>闭包可以用在许多地方。它的最大用处有两个，一个是前面提到的可以读取函数内部的变量，另一个就是让这些变量的值始终保持在内存中。</a:t>
+            </a:r>
             <a:endParaRPr lang="zh-CN" altLang="en-US"/>
           </a:p>
         </p:txBody>
@@ -5686,6 +6233,137 @@
           </a:p>
         </p:txBody>
       </p:sp>
+      <p:sp>
+        <p:nvSpPr>
+          <p:cNvPr id="5" name="灯片编号占位符 1"/>
+          <p:cNvSpPr>
+            <a:spLocks noGrp="1"/>
+          </p:cNvSpPr>
+          <p:nvPr/>
+        </p:nvSpPr>
+        <p:spPr>
+          <a:xfrm>
+            <a:off x="7514590" y="6247130"/>
+            <a:ext cx="1313815" cy="304800"/>
+          </a:xfrm>
+          <a:prstGeom prst="rect">
+            <a:avLst/>
+          </a:prstGeom>
+          <a:noFill/>
+          <a:ln>
+            <a:noFill/>
+          </a:ln>
+          <a:effectLst/>
+        </p:spPr>
+        <p:txBody>
+          <a:bodyPr vert="horz" wrap="square" lIns="91440" tIns="45720" rIns="91440" bIns="45720" numCol="1" anchor="t" anchorCtr="0" compatLnSpc="1"/>
+          <a:lstStyle>
+            <a:defPPr>
+              <a:defRPr lang="zh-CN"/>
+            </a:defPPr>
+            <a:lvl1pPr marL="0" algn="ctr" defTabSz="914400" rtl="0" eaLnBrk="0" latinLnBrk="0" hangingPunct="0">
+              <a:defRPr sz="1800" kern="1200">
+                <a:solidFill>
+                  <a:srgbClr val="183884"/>
+                </a:solidFill>
+                <a:latin typeface="+mn-lt"/>
+                <a:ea typeface="+mn-ea"/>
+                <a:cs typeface="+mn-cs"/>
+              </a:defRPr>
+            </a:lvl1pPr>
+            <a:lvl2pPr marL="457200" algn="l" defTabSz="914400" rtl="0" eaLnBrk="1" latinLnBrk="0" hangingPunct="1">
+              <a:defRPr sz="1800" kern="1200">
+                <a:solidFill>
+                  <a:schemeClr val="tx1"/>
+                </a:solidFill>
+                <a:latin typeface="+mn-lt"/>
+                <a:ea typeface="+mn-ea"/>
+                <a:cs typeface="+mn-cs"/>
+              </a:defRPr>
+            </a:lvl2pPr>
+            <a:lvl3pPr marL="914400" algn="l" defTabSz="914400" rtl="0" eaLnBrk="1" latinLnBrk="0" hangingPunct="1">
+              <a:defRPr sz="1800" kern="1200">
+                <a:solidFill>
+                  <a:schemeClr val="tx1"/>
+                </a:solidFill>
+                <a:latin typeface="+mn-lt"/>
+                <a:ea typeface="+mn-ea"/>
+                <a:cs typeface="+mn-cs"/>
+              </a:defRPr>
+            </a:lvl3pPr>
+            <a:lvl4pPr marL="1371600" algn="l" defTabSz="914400" rtl="0" eaLnBrk="1" latinLnBrk="0" hangingPunct="1">
+              <a:defRPr sz="1800" kern="1200">
+                <a:solidFill>
+                  <a:schemeClr val="tx1"/>
+                </a:solidFill>
+                <a:latin typeface="+mn-lt"/>
+                <a:ea typeface="+mn-ea"/>
+                <a:cs typeface="+mn-cs"/>
+              </a:defRPr>
+            </a:lvl4pPr>
+            <a:lvl5pPr marL="1828800" algn="l" defTabSz="914400" rtl="0" eaLnBrk="1" latinLnBrk="0" hangingPunct="1">
+              <a:defRPr sz="1800" kern="1200">
+                <a:solidFill>
+                  <a:schemeClr val="tx1"/>
+                </a:solidFill>
+                <a:latin typeface="+mn-lt"/>
+                <a:ea typeface="+mn-ea"/>
+                <a:cs typeface="+mn-cs"/>
+              </a:defRPr>
+            </a:lvl5pPr>
+            <a:lvl6pPr marL="2286000" algn="l" defTabSz="914400" rtl="0" eaLnBrk="1" latinLnBrk="0" hangingPunct="1">
+              <a:defRPr sz="1800" kern="1200">
+                <a:solidFill>
+                  <a:schemeClr val="tx1"/>
+                </a:solidFill>
+                <a:latin typeface="+mn-lt"/>
+                <a:ea typeface="+mn-ea"/>
+                <a:cs typeface="+mn-cs"/>
+              </a:defRPr>
+            </a:lvl6pPr>
+            <a:lvl7pPr marL="2743200" algn="l" defTabSz="914400" rtl="0" eaLnBrk="1" latinLnBrk="0" hangingPunct="1">
+              <a:defRPr sz="1800" kern="1200">
+                <a:solidFill>
+                  <a:schemeClr val="tx1"/>
+                </a:solidFill>
+                <a:latin typeface="+mn-lt"/>
+                <a:ea typeface="+mn-ea"/>
+                <a:cs typeface="+mn-cs"/>
+              </a:defRPr>
+            </a:lvl7pPr>
+            <a:lvl8pPr marL="3200400" algn="l" defTabSz="914400" rtl="0" eaLnBrk="1" latinLnBrk="0" hangingPunct="1">
+              <a:defRPr sz="1800" kern="1200">
+                <a:solidFill>
+                  <a:schemeClr val="tx1"/>
+                </a:solidFill>
+                <a:latin typeface="+mn-lt"/>
+                <a:ea typeface="+mn-ea"/>
+                <a:cs typeface="+mn-cs"/>
+              </a:defRPr>
+            </a:lvl8pPr>
+            <a:lvl9pPr marL="3657600" algn="l" defTabSz="914400" rtl="0" eaLnBrk="1" latinLnBrk="0" hangingPunct="1">
+              <a:defRPr sz="1800" kern="1200">
+                <a:solidFill>
+                  <a:schemeClr val="tx1"/>
+                </a:solidFill>
+                <a:latin typeface="+mn-lt"/>
+                <a:ea typeface="+mn-ea"/>
+                <a:cs typeface="+mn-cs"/>
+              </a:defRPr>
+            </a:lvl9pPr>
+          </a:lstStyle>
+          <a:p>
+            <a:pPr>
+              <a:defRPr/>
+            </a:pPr>
+            <a:r>
+              <a:rPr lang="en-US" dirty="0"/>
+              <a:t>code3</a:t>
+            </a:r>
+            <a:endParaRPr lang="en-US" dirty="0"/>
+          </a:p>
+        </p:txBody>
+      </p:sp>
     </p:spTree>
   </p:cSld>
   <p:clrMapOvr>
@@ -5703,122 +6381,996 @@
         <p:cNvGrpSpPr/>
         <p:nvPr/>
       </p:nvGrpSpPr>
-      <p:grpSpPr>
-        <a:xfrm>
-          <a:off x="0" y="0"/>
-          <a:ext cx="0" cy="0"/>
-          <a:chOff x="0" y="0"/>
-          <a:chExt cx="0" cy="0"/>
-        </a:xfrm>
-      </p:grpSpPr>
-      <p:sp>
-        <p:nvSpPr>
-          <p:cNvPr id="2" name="文本框 1"/>
-          <p:cNvSpPr txBox="1"/>
+      <p:grpSpPr/>
+      <p:sp>
+        <p:nvSpPr>
+          <p:cNvPr id="3" name="内容占位符 2"/>
+          <p:cNvSpPr>
+            <a:spLocks noGrp="1" noChangeArrowheads="1"/>
+          </p:cNvSpPr>
+          <p:nvPr>
+            <p:ph idx="1"/>
+          </p:nvPr>
+        </p:nvSpPr>
+        <p:spPr>
+          <a:xfrm>
+            <a:off x="431165" y="963930"/>
+            <a:ext cx="7192645" cy="5191760"/>
+          </a:xfrm>
+        </p:spPr>
+        <p:txBody>
+          <a:bodyPr/>
+          <a:p>
+            <a:r>
+              <a:rPr lang="zh-CN" altLang="en-US"/>
+              <a:t>CSRF攻击攻击原理及过程如下：</a:t>
+            </a:r>
+            <a:endParaRPr lang="zh-CN" altLang="en-US"/>
+          </a:p>
+          <a:p>
+            <a:r>
+              <a:rPr lang="zh-CN" altLang="en-US"/>
+              <a:t>       1. 用户C打开浏览器，访问受信任网站A，输入用户名和密码请求登录网站A；</a:t>
+            </a:r>
+            <a:endParaRPr lang="zh-CN" altLang="en-US"/>
+          </a:p>
+          <a:p>
+            <a:r>
+              <a:rPr lang="zh-CN" altLang="en-US"/>
+              <a:t>       2.在用户信息通过验证后，网站A产生Cookie信息并返回给浏览器，此时用户登录网站A成功，可以正常发送请求到网站A；</a:t>
+            </a:r>
+            <a:endParaRPr lang="zh-CN" altLang="en-US"/>
+          </a:p>
+          <a:p>
+            <a:r>
+              <a:rPr lang="zh-CN" altLang="en-US"/>
+              <a:t>       3. 用户未退出网站A之前，在同一浏览器中，打开一个TAB页访问网站B；</a:t>
+            </a:r>
+            <a:endParaRPr lang="zh-CN" altLang="en-US"/>
+          </a:p>
+          <a:p>
+            <a:r>
+              <a:rPr lang="zh-CN" altLang="en-US"/>
+              <a:t>       4. 网站B接收到用户请求后，返回一些攻击性代码，并发出一个请求要求访问第三方站点A；</a:t>
+            </a:r>
+            <a:endParaRPr lang="zh-CN" altLang="en-US"/>
+          </a:p>
+          <a:p>
+            <a:r>
+              <a:rPr lang="zh-CN" altLang="en-US"/>
+              <a:t>       5. 浏览器在接收到这些攻击性代码后，根据网站B的请求，在用户不知情的情况下携带Cookie信息，向网站A发出请求。网站A并不知道该请求其实是由B发起的，所以会根据用户C的Cookie信息以C的权限处理该请求，导致来自网站B的恶意代码被执行。 </a:t>
+            </a:r>
+            <a:endParaRPr lang="zh-CN" altLang="en-US"/>
+          </a:p>
+        </p:txBody>
+      </p:sp>
+      <p:sp>
+        <p:nvSpPr>
+          <p:cNvPr id="4" name="标题 3"/>
+          <p:cNvSpPr>
+            <a:spLocks noGrp="1" noChangeArrowheads="1"/>
+          </p:cNvSpPr>
+          <p:nvPr>
+            <p:ph type="title"/>
+          </p:nvPr>
+        </p:nvSpPr>
+        <p:spPr/>
+        <p:txBody>
+          <a:bodyPr/>
+          <a:p>
+            <a:r>
+              <a:rPr lang="zh-CN" altLang="en-US">
+                <a:solidFill>
+                  <a:schemeClr val="tx1"/>
+                </a:solidFill>
+                <a:effectLst>
+                  <a:outerShdw blurRad="38100" dist="19050" dir="2700000" algn="tl" rotWithShape="0">
+                    <a:schemeClr val="dk1">
+                      <a:alpha val="40000"/>
+                    </a:schemeClr>
+                  </a:outerShdw>
+                </a:effectLst>
+                <a:latin typeface="Arial" panose="020B0604020202020204" pitchFamily="34" charset="0"/>
+                <a:ea typeface="宋体" panose="02010600030101010101" pitchFamily="2" charset="-122"/>
+                <a:cs typeface="+mn-cs"/>
+                <a:sym typeface="+mn-ea"/>
+              </a:rPr>
+              <a:t>CSRF跨站点请求伪造(Cross—Site Request Forgery)</a:t>
+            </a:r>
+            <a:endParaRPr lang="zh-CN" altLang="en-US">
+              <a:solidFill>
+                <a:schemeClr val="tx1"/>
+              </a:solidFill>
+              <a:effectLst>
+                <a:outerShdw blurRad="38100" dist="19050" dir="2700000" algn="tl" rotWithShape="0">
+                  <a:schemeClr val="dk1">
+                    <a:alpha val="40000"/>
+                  </a:schemeClr>
+                </a:outerShdw>
+              </a:effectLst>
+              <a:latin typeface="Arial" panose="020B0604020202020204" pitchFamily="34" charset="0"/>
+              <a:ea typeface="宋体" panose="02010600030101010101" pitchFamily="2" charset="-122"/>
+              <a:cs typeface="+mn-cs"/>
+              <a:sym typeface="+mn-ea"/>
+            </a:endParaRPr>
+          </a:p>
+        </p:txBody>
+      </p:sp>
+      <p:sp>
+        <p:nvSpPr>
+          <p:cNvPr id="2" name="灯片编号占位符 1"/>
+          <p:cNvSpPr>
+            <a:spLocks noGrp="1"/>
+          </p:cNvSpPr>
+          <p:nvPr>
+            <p:ph type="sldNum" sz="quarter" idx="10"/>
+          </p:nvPr>
+        </p:nvSpPr>
+        <p:spPr/>
+        <p:txBody>
+          <a:bodyPr/>
+          <a:p>
+            <a:pPr>
+              <a:defRPr/>
+            </a:pPr>
+            <a:fld id="{D4FE18B1-0DDD-4E8B-8EAA-9840798265F0}" type="slidenum">
+              <a:rPr lang="en-US" smtClean="0"/>
+            </a:fld>
+            <a:endParaRPr lang="en-US" dirty="0"/>
+          </a:p>
+        </p:txBody>
+      </p:sp>
+      <p:pic>
+        <p:nvPicPr>
+          <p:cNvPr id="6" name="图片 5"/>
+          <p:cNvPicPr>
+            <a:picLocks noChangeAspect="1"/>
+          </p:cNvPicPr>
           <p:nvPr/>
-        </p:nvSpPr>
-        <p:spPr bwMode="auto">
-          <a:xfrm>
-            <a:off x="395536" y="4952063"/>
-            <a:ext cx="11628547" cy="1015663"/>
+        </p:nvPicPr>
+        <p:blipFill>
+          <a:blip r:embed="rId1"/>
+          <a:stretch>
+            <a:fillRect/>
+          </a:stretch>
+        </p:blipFill>
+        <p:spPr>
+          <a:xfrm>
+            <a:off x="3479800" y="4686935"/>
+            <a:ext cx="3797300" cy="1997075"/>
           </a:xfrm>
           <a:prstGeom prst="rect">
             <a:avLst/>
           </a:prstGeom>
-          <a:noFill/>
-          <a:ln>
-            <a:noFill/>
-          </a:ln>
-          <a:effectLst/>
-        </p:spPr>
-        <p:txBody>
-          <a:bodyPr vert="horz" wrap="square" lIns="91440" tIns="45720" rIns="91440" bIns="45720" numCol="1" rtlCol="0" anchor="t" anchorCtr="0" compatLnSpc="1">
-            <a:spAutoFit/>
-          </a:bodyPr>
-          <a:lstStyle/>
-          <a:p>
-            <a:r>
-              <a:rPr lang="en-US" altLang="zh-CN" sz="2000" dirty="0" err="1"/>
-              <a:t>mui</a:t>
-            </a:r>
-            <a:r>
-              <a:rPr lang="zh-CN" altLang="en-US" sz="2000" dirty="0"/>
-              <a:t>初级入门的一些</a:t>
-            </a:r>
-            <a:r>
-              <a:rPr lang="zh-CN" altLang="en-US" sz="2000" dirty="0" smtClean="0"/>
-              <a:t>资料：</a:t>
-            </a:r>
-            <a:r>
-              <a:rPr lang="en-US" altLang="zh-CN" sz="2000" dirty="0" smtClean="0">
-                <a:hlinkClick r:id="rId1"/>
-              </a:rPr>
-              <a:t>http</a:t>
-            </a:r>
-            <a:r>
-              <a:rPr lang="en-US" altLang="zh-CN" sz="2000" dirty="0">
-                <a:hlinkClick r:id="rId1"/>
-              </a:rPr>
-              <a:t>://</a:t>
-            </a:r>
-            <a:r>
-              <a:rPr lang="en-US" altLang="zh-CN" sz="2000" dirty="0" smtClean="0">
-                <a:hlinkClick r:id="rId1"/>
-              </a:rPr>
-              <a:t>note.youdao.com/noteshare?id=2aba2041313e76ff083abc4147f5ba2a</a:t>
-            </a:r>
-            <a:endParaRPr lang="en-US" altLang="zh-CN" sz="2000" dirty="0" smtClean="0"/>
-          </a:p>
-          <a:p>
-            <a:endParaRPr lang="en-US" altLang="zh-CN" sz="2000" dirty="0"/>
-          </a:p>
-        </p:txBody>
-      </p:sp>
-      <p:sp>
-        <p:nvSpPr>
-          <p:cNvPr id="3" name="文本框 2"/>
-          <p:cNvSpPr txBox="1"/>
-          <p:nvPr/>
-        </p:nvSpPr>
-        <p:spPr bwMode="auto">
-          <a:xfrm>
-            <a:off x="-85725" y="4729163"/>
-            <a:ext cx="184731" cy="400110"/>
-          </a:xfrm>
-          <a:prstGeom prst="rect">
-            <a:avLst/>
-          </a:prstGeom>
-          <a:noFill/>
-          <a:ln>
-            <a:noFill/>
-          </a:ln>
-          <a:effectLst/>
-        </p:spPr>
-        <p:txBody>
-          <a:bodyPr vert="horz" wrap="none" lIns="91440" tIns="45720" rIns="91440" bIns="45720" numCol="1" rtlCol="0" anchor="t" anchorCtr="0" compatLnSpc="1">
-            <a:spAutoFit/>
-          </a:bodyPr>
-          <a:lstStyle/>
-          <a:p>
-            <a:endParaRPr kumimoji="1" lang="zh-CN" altLang="en-US" sz="2000" dirty="0" smtClean="0">
-              <a:latin typeface="+mj-ea"/>
-              <a:ea typeface="+mj-ea"/>
-            </a:endParaRPr>
-          </a:p>
-        </p:txBody>
-      </p:sp>
+        </p:spPr>
+      </p:pic>
     </p:spTree>
   </p:cSld>
   <p:clrMapOvr>
     <a:masterClrMapping/>
   </p:clrMapOvr>
-  <p:timing>
-    <p:tnLst>
-      <p:par>
-        <p:cTn id="1" dur="indefinite" restart="never" nodeType="tmRoot"/>
-      </p:par>
-    </p:tnLst>
-  </p:timing>
+</p:sld>
+</file>
+
+<file path=ppt/slides/slide14.xml><?xml version="1.0" encoding="utf-8"?>
+<p:sld xmlns:a="http://schemas.openxmlformats.org/drawingml/2006/main" xmlns:r="http://schemas.openxmlformats.org/officeDocument/2006/relationships" xmlns:p="http://schemas.openxmlformats.org/presentationml/2006/main">
+  <p:cSld>
+    <p:spTree>
+      <p:nvGrpSpPr>
+        <p:cNvPr id="1" name=""/>
+        <p:cNvGrpSpPr/>
+        <p:nvPr/>
+      </p:nvGrpSpPr>
+      <p:grpSpPr/>
+      <p:sp>
+        <p:nvSpPr>
+          <p:cNvPr id="4" name="标题 3"/>
+          <p:cNvSpPr>
+            <a:spLocks noGrp="1" noChangeArrowheads="1"/>
+          </p:cNvSpPr>
+          <p:nvPr>
+            <p:ph type="title"/>
+          </p:nvPr>
+        </p:nvSpPr>
+        <p:spPr/>
+        <p:txBody>
+          <a:bodyPr/>
+          <a:p>
+            <a:r>
+              <a:t>　XSS（Cross Site Scripting）</a:t>
+            </a:r>
+          </a:p>
+        </p:txBody>
+      </p:sp>
+      <p:sp>
+        <p:nvSpPr>
+          <p:cNvPr id="2" name="灯片编号占位符 1"/>
+          <p:cNvSpPr>
+            <a:spLocks noGrp="1"/>
+          </p:cNvSpPr>
+          <p:nvPr>
+            <p:ph type="sldNum" sz="quarter" idx="10"/>
+          </p:nvPr>
+        </p:nvSpPr>
+        <p:spPr/>
+        <p:txBody>
+          <a:bodyPr/>
+          <a:p>
+            <a:pPr>
+              <a:defRPr/>
+            </a:pPr>
+            <a:fld id="{D4FE18B1-0DDD-4E8B-8EAA-9840798265F0}" type="slidenum">
+              <a:rPr lang="en-US" smtClean="0"/>
+            </a:fld>
+            <a:endParaRPr lang="en-US" dirty="0"/>
+          </a:p>
+        </p:txBody>
+      </p:sp>
+      <p:sp>
+        <p:nvSpPr>
+          <p:cNvPr id="6" name="内容占位符 5"/>
+          <p:cNvSpPr>
+            <a:spLocks noGrp="1" noChangeArrowheads="1"/>
+          </p:cNvSpPr>
+          <p:nvPr>
+            <p:ph idx="1"/>
+          </p:nvPr>
+        </p:nvSpPr>
+        <p:spPr>
+          <a:xfrm>
+            <a:off x="431165" y="963930"/>
+            <a:ext cx="7192645" cy="5191760"/>
+          </a:xfrm>
+        </p:spPr>
+        <p:txBody>
+          <a:bodyPr/>
+          <a:p>
+            <a:r>
+              <a:rPr lang="zh-CN" altLang="en-US"/>
+              <a:t>　1、盗取各类用户帐号，如机器登录帐号、用户网银帐号、各类管理员帐号</a:t>
+            </a:r>
+            <a:endParaRPr lang="zh-CN" altLang="en-US"/>
+          </a:p>
+          <a:p>
+            <a:r>
+              <a:rPr lang="zh-CN" altLang="en-US"/>
+              <a:t>　　2、控制企业数据，包括读取、篡改、添加、删除企业敏感数据的能力</a:t>
+            </a:r>
+            <a:endParaRPr lang="zh-CN" altLang="en-US"/>
+          </a:p>
+          <a:p>
+            <a:r>
+              <a:rPr lang="zh-CN" altLang="en-US"/>
+              <a:t>　　3、盗窃企业重要的具有商业价值的资料</a:t>
+            </a:r>
+            <a:endParaRPr lang="zh-CN" altLang="en-US"/>
+          </a:p>
+          <a:p>
+            <a:r>
+              <a:rPr lang="zh-CN" altLang="en-US"/>
+              <a:t>　　4、非法转账</a:t>
+            </a:r>
+            <a:endParaRPr lang="zh-CN" altLang="en-US"/>
+          </a:p>
+          <a:p>
+            <a:r>
+              <a:rPr lang="zh-CN" altLang="en-US"/>
+              <a:t>　　5、强制发送电子邮件</a:t>
+            </a:r>
+            <a:endParaRPr lang="zh-CN" altLang="en-US"/>
+          </a:p>
+          <a:p>
+            <a:r>
+              <a:rPr lang="zh-CN" altLang="en-US"/>
+              <a:t>　　6、网站挂马</a:t>
+            </a:r>
+            <a:endParaRPr lang="zh-CN" altLang="en-US"/>
+          </a:p>
+          <a:p>
+            <a:r>
+              <a:rPr lang="zh-CN" altLang="en-US"/>
+              <a:t>　　7、控制受害者机器向其它网站发起攻击</a:t>
+            </a:r>
+            <a:endParaRPr lang="zh-CN" altLang="en-US"/>
+          </a:p>
+        </p:txBody>
+      </p:sp>
+    </p:spTree>
+  </p:cSld>
+  <p:clrMapOvr>
+    <a:masterClrMapping/>
+  </p:clrMapOvr>
+</p:sld>
+</file>
+
+<file path=ppt/slides/slide15.xml><?xml version="1.0" encoding="utf-8"?>
+<p:sld xmlns:a="http://schemas.openxmlformats.org/drawingml/2006/main" xmlns:r="http://schemas.openxmlformats.org/officeDocument/2006/relationships" xmlns:p="http://schemas.openxmlformats.org/presentationml/2006/main">
+  <p:cSld>
+    <p:spTree>
+      <p:nvGrpSpPr>
+        <p:cNvPr id="1" name=""/>
+        <p:cNvGrpSpPr/>
+        <p:nvPr/>
+      </p:nvGrpSpPr>
+      <p:grpSpPr/>
+      <p:sp>
+        <p:nvSpPr>
+          <p:cNvPr id="3" name="内容占位符 2"/>
+          <p:cNvSpPr>
+            <a:spLocks noGrp="1" noChangeArrowheads="1"/>
+          </p:cNvSpPr>
+          <p:nvPr>
+            <p:ph idx="1"/>
+          </p:nvPr>
+        </p:nvSpPr>
+        <p:spPr>
+          <a:xfrm>
+            <a:off x="431165" y="963930"/>
+            <a:ext cx="7192645" cy="5191760"/>
+          </a:xfrm>
+        </p:spPr>
+        <p:txBody>
+          <a:bodyPr/>
+          <a:p>
+            <a:r>
+              <a:rPr lang="zh-CN" altLang="en-US">
+                <a:sym typeface="+mn-ea"/>
+              </a:rPr>
+              <a:t>一、</a:t>
+            </a:r>
+            <a:r>
+              <a:rPr lang="en-US" altLang="zh-CN">
+                <a:sym typeface="+mn-ea"/>
+              </a:rPr>
+              <a:t>DOCTYPE</a:t>
+            </a:r>
+            <a:r>
+              <a:rPr lang="zh-CN" altLang="en-US">
+                <a:sym typeface="+mn-ea"/>
+              </a:rPr>
+              <a:t>的作用</a:t>
+            </a:r>
+            <a:endParaRPr lang="zh-CN" altLang="en-US"/>
+          </a:p>
+          <a:p>
+            <a:r>
+              <a:rPr lang="zh-CN" altLang="en-US"/>
+              <a:t>&lt;!DOCTYPE&gt; 声明必须是 HTML 文档的第一行，位于 &lt;html&gt; 标签之前。</a:t>
+            </a:r>
+            <a:endParaRPr lang="zh-CN" altLang="en-US"/>
+          </a:p>
+          <a:p>
+            <a:r>
+              <a:rPr lang="zh-CN" altLang="en-US"/>
+              <a:t>&lt;!DOCTYPE&gt; 声明不是 HTML 标签；它是指示 web 浏览器关于页面使用哪个 HTML 版本进行编写的指令。</a:t>
+            </a:r>
+            <a:endParaRPr lang="zh-CN" altLang="en-US"/>
+          </a:p>
+          <a:p>
+            <a:r>
+              <a:rPr lang="zh-CN" altLang="en-US"/>
+              <a:t>在 HTML 4.01 中，&lt;!DOCTYPE&gt; 声明引用 DTD，因为 HTML 4.01 基于 SGML。DTD 规定了标记语言的规则，这样浏览器才能正确地呈现内容。</a:t>
+            </a:r>
+            <a:endParaRPr lang="zh-CN" altLang="en-US"/>
+          </a:p>
+          <a:p>
+            <a:r>
+              <a:rPr lang="zh-CN" altLang="en-US"/>
+              <a:t>HTML5 不基于 SGML，所以不需要引用 DTD。</a:t>
+            </a:r>
+            <a:endParaRPr lang="zh-CN" altLang="en-US"/>
+          </a:p>
+        </p:txBody>
+      </p:sp>
+      <p:sp>
+        <p:nvSpPr>
+          <p:cNvPr id="4" name="标题 3"/>
+          <p:cNvSpPr>
+            <a:spLocks noGrp="1" noChangeArrowheads="1"/>
+          </p:cNvSpPr>
+          <p:nvPr>
+            <p:ph type="title"/>
+          </p:nvPr>
+        </p:nvSpPr>
+        <p:spPr/>
+        <p:txBody>
+          <a:bodyPr/>
+          <a:p>
+            <a:r>
+              <a:rPr lang="zh-CN" altLang="en-US"/>
+              <a:t>页面的渲染</a:t>
+            </a:r>
+            <a:endParaRPr lang="zh-CN" altLang="en-US"/>
+          </a:p>
+        </p:txBody>
+      </p:sp>
+      <p:sp>
+        <p:nvSpPr>
+          <p:cNvPr id="2" name="灯片编号占位符 1"/>
+          <p:cNvSpPr>
+            <a:spLocks noGrp="1"/>
+          </p:cNvSpPr>
+          <p:nvPr>
+            <p:ph type="sldNum" sz="quarter" idx="10"/>
+          </p:nvPr>
+        </p:nvSpPr>
+        <p:spPr/>
+        <p:txBody>
+          <a:bodyPr/>
+          <a:p>
+            <a:pPr>
+              <a:defRPr/>
+            </a:pPr>
+            <a:fld id="{D4FE18B1-0DDD-4E8B-8EAA-9840798265F0}" type="slidenum">
+              <a:rPr lang="en-US" smtClean="0"/>
+            </a:fld>
+            <a:endParaRPr lang="en-US" dirty="0"/>
+          </a:p>
+        </p:txBody>
+      </p:sp>
+    </p:spTree>
+  </p:cSld>
+  <p:clrMapOvr>
+    <a:masterClrMapping/>
+  </p:clrMapOvr>
+</p:sld>
+</file>
+
+<file path=ppt/slides/slide16.xml><?xml version="1.0" encoding="utf-8"?>
+<p:sld xmlns:a="http://schemas.openxmlformats.org/drawingml/2006/main" xmlns:r="http://schemas.openxmlformats.org/officeDocument/2006/relationships" xmlns:p="http://schemas.openxmlformats.org/presentationml/2006/main">
+  <p:cSld>
+    <p:spTree>
+      <p:nvGrpSpPr>
+        <p:cNvPr id="1" name=""/>
+        <p:cNvGrpSpPr/>
+        <p:nvPr/>
+      </p:nvGrpSpPr>
+      <p:grpSpPr/>
+      <p:sp>
+        <p:nvSpPr>
+          <p:cNvPr id="3" name="内容占位符 2"/>
+          <p:cNvSpPr>
+            <a:spLocks noGrp="1" noChangeArrowheads="1"/>
+          </p:cNvSpPr>
+          <p:nvPr>
+            <p:ph idx="1"/>
+          </p:nvPr>
+        </p:nvSpPr>
+        <p:spPr>
+          <a:xfrm>
+            <a:off x="431165" y="963930"/>
+            <a:ext cx="7192645" cy="5191760"/>
+          </a:xfrm>
+        </p:spPr>
+        <p:txBody>
+          <a:bodyPr/>
+          <a:p>
+            <a:pPr marL="0" indent="0">
+              <a:buNone/>
+            </a:pPr>
+            <a:endParaRPr lang="zh-CN" altLang="en-US"/>
+          </a:p>
+          <a:p>
+            <a:endParaRPr lang="zh-CN" altLang="en-US"/>
+          </a:p>
+        </p:txBody>
+      </p:sp>
+      <p:sp>
+        <p:nvSpPr>
+          <p:cNvPr id="4" name="标题 3"/>
+          <p:cNvSpPr>
+            <a:spLocks noGrp="1" noChangeArrowheads="1"/>
+          </p:cNvSpPr>
+          <p:nvPr>
+            <p:ph type="title"/>
+          </p:nvPr>
+        </p:nvSpPr>
+        <p:spPr/>
+        <p:txBody>
+          <a:bodyPr/>
+          <a:p>
+            <a:r>
+              <a:rPr lang="en-US" altLang="zh-CN"/>
+              <a:t>html4</a:t>
+            </a:r>
+            <a:r>
+              <a:rPr lang="zh-CN" altLang="en-US"/>
+              <a:t>的类型</a:t>
+            </a:r>
+            <a:endParaRPr lang="zh-CN" altLang="en-US"/>
+          </a:p>
+        </p:txBody>
+      </p:sp>
+      <p:sp>
+        <p:nvSpPr>
+          <p:cNvPr id="2" name="灯片编号占位符 1"/>
+          <p:cNvSpPr>
+            <a:spLocks noGrp="1"/>
+          </p:cNvSpPr>
+          <p:nvPr>
+            <p:ph type="sldNum" sz="quarter" idx="10"/>
+          </p:nvPr>
+        </p:nvSpPr>
+        <p:spPr/>
+        <p:txBody>
+          <a:bodyPr/>
+          <a:p>
+            <a:pPr>
+              <a:defRPr/>
+            </a:pPr>
+            <a:fld id="{D4FE18B1-0DDD-4E8B-8EAA-9840798265F0}" type="slidenum">
+              <a:rPr lang="en-US" smtClean="0"/>
+            </a:fld>
+            <a:endParaRPr lang="en-US" dirty="0"/>
+          </a:p>
+        </p:txBody>
+      </p:sp>
+      <p:pic>
+        <p:nvPicPr>
+          <p:cNvPr id="5" name="图片 4"/>
+          <p:cNvPicPr>
+            <a:picLocks noChangeAspect="1"/>
+          </p:cNvPicPr>
+          <p:nvPr/>
+        </p:nvPicPr>
+        <p:blipFill>
+          <a:blip r:embed="rId1"/>
+          <a:stretch>
+            <a:fillRect/>
+          </a:stretch>
+        </p:blipFill>
+        <p:spPr>
+          <a:xfrm>
+            <a:off x="360045" y="963930"/>
+            <a:ext cx="8029575" cy="4800600"/>
+          </a:xfrm>
+          <a:prstGeom prst="rect">
+            <a:avLst/>
+          </a:prstGeom>
+        </p:spPr>
+      </p:pic>
+    </p:spTree>
+  </p:cSld>
+  <p:clrMapOvr>
+    <a:masterClrMapping/>
+  </p:clrMapOvr>
+</p:sld>
+</file>
+
+<file path=ppt/slides/slide17.xml><?xml version="1.0" encoding="utf-8"?>
+<p:sld xmlns:a="http://schemas.openxmlformats.org/drawingml/2006/main" xmlns:r="http://schemas.openxmlformats.org/officeDocument/2006/relationships" xmlns:p="http://schemas.openxmlformats.org/presentationml/2006/main">
+  <p:cSld>
+    <p:spTree>
+      <p:nvGrpSpPr>
+        <p:cNvPr id="1" name=""/>
+        <p:cNvGrpSpPr/>
+        <p:nvPr/>
+      </p:nvGrpSpPr>
+      <p:grpSpPr/>
+      <p:sp>
+        <p:nvSpPr>
+          <p:cNvPr id="3" name="内容占位符 2"/>
+          <p:cNvSpPr>
+            <a:spLocks noGrp="1" noChangeArrowheads="1"/>
+          </p:cNvSpPr>
+          <p:nvPr>
+            <p:ph idx="1"/>
+          </p:nvPr>
+        </p:nvSpPr>
+        <p:spPr>
+          <a:xfrm>
+            <a:off x="431165" y="963930"/>
+            <a:ext cx="7192645" cy="5191760"/>
+          </a:xfrm>
+        </p:spPr>
+        <p:txBody>
+          <a:bodyPr/>
+          <a:p>
+            <a:r>
+              <a:rPr lang="zh-CN" altLang="en-US"/>
+              <a:t>二、页面的渲染</a:t>
+            </a:r>
+            <a:endParaRPr lang="zh-CN" altLang="en-US"/>
+          </a:p>
+          <a:p>
+            <a:r>
+              <a:rPr lang="zh-CN" altLang="en-US"/>
+              <a:t>DOM Tree：浏览器将HTML解析成树形的数据结构。</a:t>
+            </a:r>
+            <a:endParaRPr lang="zh-CN" altLang="en-US"/>
+          </a:p>
+          <a:p>
+            <a:r>
+              <a:rPr lang="zh-CN" altLang="en-US"/>
+              <a:t>CSS Rule Tree：浏览器将CSS解析成树形的数据结构。</a:t>
+            </a:r>
+            <a:endParaRPr lang="zh-CN" altLang="en-US"/>
+          </a:p>
+          <a:p>
+            <a:r>
+              <a:rPr lang="zh-CN" altLang="en-US"/>
+              <a:t>Render Tree: DOM和CSSOM合并后生成Render Tree。</a:t>
+            </a:r>
+            <a:endParaRPr lang="zh-CN" altLang="en-US"/>
+          </a:p>
+          <a:p>
+            <a:r>
+              <a:rPr lang="zh-CN" altLang="en-US"/>
+              <a:t>layout: 有了Render Tree，浏览器已经能知道网页中有哪些节点、各个节点的CSS定义以及他们的从属关系，从而去计算出每个节点在屏幕中的位置。</a:t>
+            </a:r>
+            <a:endParaRPr lang="zh-CN" altLang="en-US"/>
+          </a:p>
+          <a:p>
+            <a:r>
+              <a:rPr lang="zh-CN" altLang="en-US"/>
+              <a:t>painting: 按照算出来的规则，通过显卡，把内容画到屏幕上</a:t>
+            </a:r>
+            <a:endParaRPr lang="zh-CN" altLang="en-US"/>
+          </a:p>
+        </p:txBody>
+      </p:sp>
+      <p:sp>
+        <p:nvSpPr>
+          <p:cNvPr id="4" name="标题 3"/>
+          <p:cNvSpPr>
+            <a:spLocks noGrp="1" noChangeArrowheads="1"/>
+          </p:cNvSpPr>
+          <p:nvPr>
+            <p:ph type="title"/>
+          </p:nvPr>
+        </p:nvSpPr>
+        <p:spPr/>
+        <p:txBody>
+          <a:bodyPr/>
+          <a:p>
+            <a:r>
+              <a:rPr lang="zh-CN" altLang="en-US"/>
+              <a:t>页面的渲染</a:t>
+            </a:r>
+            <a:endParaRPr lang="zh-CN" altLang="en-US"/>
+          </a:p>
+        </p:txBody>
+      </p:sp>
+      <p:sp>
+        <p:nvSpPr>
+          <p:cNvPr id="2" name="灯片编号占位符 1"/>
+          <p:cNvSpPr>
+            <a:spLocks noGrp="1"/>
+          </p:cNvSpPr>
+          <p:nvPr>
+            <p:ph type="sldNum" sz="quarter" idx="10"/>
+          </p:nvPr>
+        </p:nvSpPr>
+        <p:spPr/>
+        <p:txBody>
+          <a:bodyPr/>
+          <a:p>
+            <a:pPr>
+              <a:defRPr/>
+            </a:pPr>
+            <a:fld id="{D4FE18B1-0DDD-4E8B-8EAA-9840798265F0}" type="slidenum">
+              <a:rPr lang="en-US" smtClean="0"/>
+            </a:fld>
+            <a:endParaRPr lang="en-US" dirty="0"/>
+          </a:p>
+        </p:txBody>
+      </p:sp>
+      <p:pic>
+        <p:nvPicPr>
+          <p:cNvPr id="8" name="图片 7"/>
+          <p:cNvPicPr>
+            <a:picLocks noChangeAspect="1"/>
+          </p:cNvPicPr>
+          <p:nvPr/>
+        </p:nvPicPr>
+        <p:blipFill>
+          <a:blip r:embed="rId1"/>
+          <a:stretch>
+            <a:fillRect/>
+          </a:stretch>
+        </p:blipFill>
+        <p:spPr>
+          <a:xfrm>
+            <a:off x="1007745" y="3542030"/>
+            <a:ext cx="6372225" cy="3009900"/>
+          </a:xfrm>
+          <a:prstGeom prst="rect">
+            <a:avLst/>
+          </a:prstGeom>
+        </p:spPr>
+      </p:pic>
+    </p:spTree>
+  </p:cSld>
+  <p:clrMapOvr>
+    <a:masterClrMapping/>
+  </p:clrMapOvr>
+</p:sld>
+</file>
+
+<file path=ppt/slides/slide18.xml><?xml version="1.0" encoding="utf-8"?>
+<p:sld xmlns:a="http://schemas.openxmlformats.org/drawingml/2006/main" xmlns:r="http://schemas.openxmlformats.org/officeDocument/2006/relationships" xmlns:p="http://schemas.openxmlformats.org/presentationml/2006/main">
+  <p:cSld>
+    <p:spTree>
+      <p:nvGrpSpPr>
+        <p:cNvPr id="1" name=""/>
+        <p:cNvGrpSpPr/>
+        <p:nvPr/>
+      </p:nvGrpSpPr>
+      <p:grpSpPr/>
+      <p:sp>
+        <p:nvSpPr>
+          <p:cNvPr id="3" name="内容占位符 2"/>
+          <p:cNvSpPr>
+            <a:spLocks noGrp="1" noChangeArrowheads="1"/>
+          </p:cNvSpPr>
+          <p:nvPr>
+            <p:ph idx="1"/>
+          </p:nvPr>
+        </p:nvSpPr>
+        <p:spPr>
+          <a:xfrm>
+            <a:off x="431165" y="963930"/>
+            <a:ext cx="7192645" cy="5191760"/>
+          </a:xfrm>
+        </p:spPr>
+        <p:txBody>
+          <a:bodyPr/>
+          <a:p>
+            <a:r>
+              <a:rPr lang="zh-CN" altLang="en-US"/>
+              <a:t>reflow（回流）：当浏览器发现某个部分发生了点变化影响了布局，需要倒回去重新渲染，内行称这个回退的过程叫 reflow。reflow 会从 &lt;html&gt; 这个 root frame 开始递归往下，依次计算所有的结点几何尺寸和位置。reflow 几乎是无法避免的。现在界面上流行的一些效果，比如树状目录的折叠、展开（实质上是元素的显 示与隐藏）等，都将引起浏览器的 reflow。鼠标滑过、点击……只要这些行为引起了页面上某些元素的占位面积、定位方式、边距等属性的变化，都会引起它内部、周围甚至整个页面的重新渲 染。通常我们都无法预估浏览器到底会 reflow 哪一部分的代码，它们都彼此相互影响着。</a:t>
+            </a:r>
+            <a:endParaRPr lang="zh-CN" altLang="en-US"/>
+          </a:p>
+          <a:p>
+            <a:r>
+              <a:rPr lang="zh-CN" altLang="en-US"/>
+              <a:t>　　repaint（重绘）：改变某个元素的背景色、文字颜色、边框颜色等等不影响它周围或内部布局的属性时，屏幕的一部分要重画，但是元素的几何尺寸没有变。</a:t>
+            </a:r>
+            <a:endParaRPr lang="zh-CN" altLang="en-US"/>
+          </a:p>
+        </p:txBody>
+      </p:sp>
+      <p:sp>
+        <p:nvSpPr>
+          <p:cNvPr id="4" name="标题 3"/>
+          <p:cNvSpPr>
+            <a:spLocks noGrp="1" noChangeArrowheads="1"/>
+          </p:cNvSpPr>
+          <p:nvPr>
+            <p:ph type="title"/>
+          </p:nvPr>
+        </p:nvSpPr>
+        <p:spPr/>
+        <p:txBody>
+          <a:bodyPr/>
+          <a:p>
+            <a:r>
+              <a:rPr lang="zh-CN" altLang="en-US"/>
+              <a:t>页面的渲染</a:t>
+            </a:r>
+            <a:endParaRPr lang="zh-CN" altLang="en-US"/>
+          </a:p>
+        </p:txBody>
+      </p:sp>
+      <p:sp>
+        <p:nvSpPr>
+          <p:cNvPr id="2" name="灯片编号占位符 1"/>
+          <p:cNvSpPr>
+            <a:spLocks noGrp="1"/>
+          </p:cNvSpPr>
+          <p:nvPr>
+            <p:ph type="sldNum" sz="quarter" idx="10"/>
+          </p:nvPr>
+        </p:nvSpPr>
+        <p:spPr/>
+        <p:txBody>
+          <a:bodyPr/>
+          <a:p>
+            <a:pPr>
+              <a:defRPr/>
+            </a:pPr>
+            <a:fld id="{D4FE18B1-0DDD-4E8B-8EAA-9840798265F0}" type="slidenum">
+              <a:rPr lang="en-US" smtClean="0"/>
+            </a:fld>
+            <a:endParaRPr lang="en-US" dirty="0"/>
+          </a:p>
+        </p:txBody>
+      </p:sp>
+    </p:spTree>
+  </p:cSld>
+  <p:clrMapOvr>
+    <a:masterClrMapping/>
+  </p:clrMapOvr>
+</p:sld>
+</file>
+
+<file path=ppt/slides/slide19.xml><?xml version="1.0" encoding="utf-8"?>
+<p:sld xmlns:a="http://schemas.openxmlformats.org/drawingml/2006/main" xmlns:r="http://schemas.openxmlformats.org/officeDocument/2006/relationships" xmlns:p="http://schemas.openxmlformats.org/presentationml/2006/main">
+  <p:cSld>
+    <p:spTree>
+      <p:nvGrpSpPr>
+        <p:cNvPr id="1" name=""/>
+        <p:cNvGrpSpPr/>
+        <p:nvPr/>
+      </p:nvGrpSpPr>
+      <p:grpSpPr/>
+      <p:sp>
+        <p:nvSpPr>
+          <p:cNvPr id="3" name="内容占位符 2"/>
+          <p:cNvSpPr>
+            <a:spLocks noGrp="1" noChangeArrowheads="1"/>
+          </p:cNvSpPr>
+          <p:nvPr>
+            <p:ph idx="1"/>
+          </p:nvPr>
+        </p:nvSpPr>
+        <p:spPr>
+          <a:xfrm>
+            <a:off x="431165" y="963930"/>
+            <a:ext cx="7192645" cy="5191760"/>
+          </a:xfrm>
+        </p:spPr>
+        <p:txBody>
+          <a:bodyPr/>
+          <a:p>
+            <a:r>
+              <a:rPr lang="zh-CN" altLang="en-US"/>
+              <a:t>1.原则</a:t>
+            </a:r>
+            <a:endParaRPr lang="zh-CN" altLang="en-US"/>
+          </a:p>
+          <a:p>
+            <a:r>
+              <a:rPr lang="zh-CN" altLang="en-US"/>
+              <a:t>多使用内存，缓存或者其他方法</a:t>
+            </a:r>
+            <a:endParaRPr lang="zh-CN" altLang="en-US"/>
+          </a:p>
+          <a:p>
+            <a:r>
+              <a:rPr lang="zh-CN" altLang="en-US"/>
+              <a:t>减少CPU计算，减少网络请求</a:t>
+            </a:r>
+            <a:endParaRPr lang="zh-CN" altLang="en-US"/>
+          </a:p>
+          <a:p>
+            <a:r>
+              <a:rPr lang="zh-CN" altLang="en-US"/>
+              <a:t>减少IO操作（硬盘读写）</a:t>
+            </a:r>
+            <a:endParaRPr lang="zh-CN" altLang="en-US"/>
+          </a:p>
+          <a:p>
+            <a:r>
+              <a:rPr lang="zh-CN" altLang="en-US"/>
+              <a:t>2.加载资源优化</a:t>
+            </a:r>
+            <a:endParaRPr lang="zh-CN" altLang="en-US"/>
+          </a:p>
+          <a:p>
+            <a:r>
+              <a:rPr lang="zh-CN" altLang="en-US"/>
+              <a:t>静态资源的合并和压缩。</a:t>
+            </a:r>
+            <a:endParaRPr lang="zh-CN" altLang="en-US"/>
+          </a:p>
+          <a:p>
+            <a:r>
+              <a:rPr lang="zh-CN" altLang="en-US"/>
+              <a:t>静态资源缓存（浏览器缓存策略 强制缓存 协商缓存）。</a:t>
+            </a:r>
+            <a:endParaRPr lang="zh-CN" altLang="en-US"/>
+          </a:p>
+          <a:p>
+            <a:r>
+              <a:rPr lang="zh-CN" altLang="en-US"/>
+              <a:t>使用CDN让静态资源加载更快。</a:t>
+            </a:r>
+            <a:r>
+              <a:rPr lang="en-US" altLang="zh-CN"/>
+              <a:t>bootcdn</a:t>
+            </a:r>
+            <a:endParaRPr lang="en-US" altLang="zh-CN"/>
+          </a:p>
+          <a:p>
+            <a:endParaRPr lang="zh-CN" altLang="en-US"/>
+          </a:p>
+          <a:p>
+            <a:r>
+              <a:rPr lang="zh-CN" altLang="en-US"/>
+              <a:t>3.渲染优化</a:t>
+            </a:r>
+            <a:endParaRPr lang="zh-CN" altLang="en-US"/>
+          </a:p>
+          <a:p>
+            <a:r>
+              <a:rPr lang="zh-CN" altLang="en-US"/>
+              <a:t>CSS放head中，JS放div后</a:t>
+            </a:r>
+            <a:endParaRPr lang="zh-CN" altLang="en-US"/>
+          </a:p>
+          <a:p>
+            <a:r>
+              <a:rPr lang="zh-CN" altLang="en-US"/>
+              <a:t>图片懒加载</a:t>
+            </a:r>
+            <a:endParaRPr lang="zh-CN" altLang="en-US"/>
+          </a:p>
+          <a:p>
+            <a:r>
+              <a:rPr lang="zh-CN" altLang="en-US"/>
+              <a:t>减少DOM操作，对DOM操作做缓存</a:t>
+            </a:r>
+            <a:endParaRPr lang="zh-CN" altLang="en-US"/>
+          </a:p>
+          <a:p>
+            <a:r>
+              <a:rPr lang="zh-CN" altLang="en-US"/>
+              <a:t>减少DOM操作，多个操作尽量合并在一起执行</a:t>
+            </a:r>
+            <a:endParaRPr lang="zh-CN" altLang="en-US"/>
+          </a:p>
+          <a:p>
+            <a:r>
+              <a:rPr lang="zh-CN" altLang="en-US"/>
+              <a:t>事件节流 （input 输入框一秒触发一次）</a:t>
+            </a:r>
+            <a:endParaRPr lang="zh-CN" altLang="en-US"/>
+          </a:p>
+        </p:txBody>
+      </p:sp>
+      <p:sp>
+        <p:nvSpPr>
+          <p:cNvPr id="4" name="标题 3"/>
+          <p:cNvSpPr>
+            <a:spLocks noGrp="1" noChangeArrowheads="1"/>
+          </p:cNvSpPr>
+          <p:nvPr>
+            <p:ph type="title"/>
+          </p:nvPr>
+        </p:nvSpPr>
+        <p:spPr/>
+        <p:txBody>
+          <a:bodyPr/>
+          <a:p>
+            <a:r>
+              <a:rPr lang="zh-CN" altLang="en-US"/>
+              <a:t>网页优化</a:t>
+            </a:r>
+            <a:endParaRPr lang="zh-CN" altLang="en-US"/>
+          </a:p>
+        </p:txBody>
+      </p:sp>
+      <p:sp>
+        <p:nvSpPr>
+          <p:cNvPr id="2" name="灯片编号占位符 1"/>
+          <p:cNvSpPr>
+            <a:spLocks noGrp="1"/>
+          </p:cNvSpPr>
+          <p:nvPr>
+            <p:ph type="sldNum" sz="quarter" idx="10"/>
+          </p:nvPr>
+        </p:nvSpPr>
+        <p:spPr/>
+        <p:txBody>
+          <a:bodyPr/>
+          <a:p>
+            <a:pPr>
+              <a:defRPr/>
+            </a:pPr>
+            <a:fld id="{D4FE18B1-0DDD-4E8B-8EAA-9840798265F0}" type="slidenum">
+              <a:rPr lang="en-US" smtClean="0"/>
+            </a:fld>
+            <a:endParaRPr lang="en-US" dirty="0"/>
+          </a:p>
+        </p:txBody>
+      </p:sp>
+    </p:spTree>
+  </p:cSld>
+  <p:clrMapOvr>
+    <a:masterClrMapping/>
+  </p:clrMapOvr>
 </p:sld>
 </file>
 
@@ -5915,6 +7467,525 @@
           </a:prstGeom>
         </p:spPr>
       </p:pic>
+    </p:spTree>
+  </p:cSld>
+  <p:clrMapOvr>
+    <a:masterClrMapping/>
+  </p:clrMapOvr>
+  <p:timing>
+    <p:tnLst>
+      <p:par>
+        <p:cTn id="1" dur="indefinite" restart="never" nodeType="tmRoot"/>
+      </p:par>
+    </p:tnLst>
+  </p:timing>
+</p:sld>
+</file>
+
+<file path=ppt/slides/slide20.xml><?xml version="1.0" encoding="utf-8"?>
+<p:sld xmlns:a="http://schemas.openxmlformats.org/drawingml/2006/main" xmlns:r="http://schemas.openxmlformats.org/officeDocument/2006/relationships" xmlns:p="http://schemas.openxmlformats.org/presentationml/2006/main">
+  <p:cSld>
+    <p:spTree>
+      <p:nvGrpSpPr>
+        <p:cNvPr id="1" name=""/>
+        <p:cNvGrpSpPr/>
+        <p:nvPr/>
+      </p:nvGrpSpPr>
+      <p:grpSpPr/>
+      <p:sp>
+        <p:nvSpPr>
+          <p:cNvPr id="3" name="内容占位符 2"/>
+          <p:cNvSpPr>
+            <a:spLocks noGrp="1" noChangeArrowheads="1"/>
+          </p:cNvSpPr>
+          <p:nvPr>
+            <p:ph idx="1"/>
+          </p:nvPr>
+        </p:nvSpPr>
+        <p:spPr>
+          <a:xfrm>
+            <a:off x="431165" y="963930"/>
+            <a:ext cx="7192645" cy="5191760"/>
+          </a:xfrm>
+        </p:spPr>
+        <p:txBody>
+          <a:bodyPr/>
+          <a:p>
+            <a:r>
+              <a:rPr lang="zh-CN" altLang="en-US"/>
+              <a:t>可将字典等不变的资源放到缓存中 </a:t>
+            </a:r>
+            <a:r>
+              <a:rPr lang="en-US" altLang="zh-CN"/>
+              <a:t>ECES-WEB</a:t>
+            </a:r>
+            <a:endParaRPr lang="en-US" altLang="zh-CN"/>
+          </a:p>
+          <a:p>
+            <a:endParaRPr lang="en-US" altLang="zh-CN"/>
+          </a:p>
+          <a:p>
+            <a:endParaRPr lang="en-US" altLang="zh-CN"/>
+          </a:p>
+          <a:p>
+            <a:endParaRPr lang="en-US" altLang="zh-CN"/>
+          </a:p>
+          <a:p>
+            <a:endParaRPr lang="en-US" altLang="zh-CN"/>
+          </a:p>
+          <a:p>
+            <a:endParaRPr lang="en-US" altLang="zh-CN"/>
+          </a:p>
+          <a:p>
+            <a:endParaRPr lang="en-US" altLang="zh-CN"/>
+          </a:p>
+          <a:p>
+            <a:r>
+              <a:rPr lang="en-US" altLang="zh-CN"/>
+              <a:t>nginx</a:t>
+            </a:r>
+            <a:r>
+              <a:rPr lang="zh-CN" altLang="en-US"/>
+              <a:t>资源压缩</a:t>
+            </a:r>
+            <a:endParaRPr lang="zh-CN" altLang="en-US"/>
+          </a:p>
+        </p:txBody>
+      </p:sp>
+      <p:sp>
+        <p:nvSpPr>
+          <p:cNvPr id="4" name="标题 3"/>
+          <p:cNvSpPr>
+            <a:spLocks noGrp="1" noChangeArrowheads="1"/>
+          </p:cNvSpPr>
+          <p:nvPr>
+            <p:ph type="title"/>
+          </p:nvPr>
+        </p:nvSpPr>
+        <p:spPr/>
+        <p:txBody>
+          <a:bodyPr/>
+          <a:p>
+            <a:r>
+              <a:rPr lang="zh-CN" altLang="en-US"/>
+              <a:t>网页优化</a:t>
+            </a:r>
+            <a:endParaRPr lang="zh-CN" altLang="en-US"/>
+          </a:p>
+        </p:txBody>
+      </p:sp>
+      <p:sp>
+        <p:nvSpPr>
+          <p:cNvPr id="2" name="灯片编号占位符 1"/>
+          <p:cNvSpPr>
+            <a:spLocks noGrp="1"/>
+          </p:cNvSpPr>
+          <p:nvPr>
+            <p:ph type="sldNum" sz="quarter" idx="10"/>
+          </p:nvPr>
+        </p:nvSpPr>
+        <p:spPr/>
+        <p:txBody>
+          <a:bodyPr/>
+          <a:p>
+            <a:pPr>
+              <a:defRPr/>
+            </a:pPr>
+            <a:fld id="{D4FE18B1-0DDD-4E8B-8EAA-9840798265F0}" type="slidenum">
+              <a:rPr lang="en-US" smtClean="0"/>
+            </a:fld>
+            <a:endParaRPr lang="en-US" dirty="0"/>
+          </a:p>
+        </p:txBody>
+      </p:sp>
+      <p:pic>
+        <p:nvPicPr>
+          <p:cNvPr id="5" name="图片 4"/>
+          <p:cNvPicPr>
+            <a:picLocks noChangeAspect="1"/>
+          </p:cNvPicPr>
+          <p:nvPr/>
+        </p:nvPicPr>
+        <p:blipFill>
+          <a:blip r:embed="rId1"/>
+          <a:stretch>
+            <a:fillRect/>
+          </a:stretch>
+        </p:blipFill>
+        <p:spPr>
+          <a:xfrm>
+            <a:off x="431165" y="3932555"/>
+            <a:ext cx="7867650" cy="2705100"/>
+          </a:xfrm>
+          <a:prstGeom prst="rect">
+            <a:avLst/>
+          </a:prstGeom>
+        </p:spPr>
+      </p:pic>
+    </p:spTree>
+  </p:cSld>
+  <p:clrMapOvr>
+    <a:masterClrMapping/>
+  </p:clrMapOvr>
+</p:sld>
+</file>
+
+<file path=ppt/slides/slide21.xml><?xml version="1.0" encoding="utf-8"?>
+<p:sld xmlns:a="http://schemas.openxmlformats.org/drawingml/2006/main" xmlns:r="http://schemas.openxmlformats.org/officeDocument/2006/relationships" xmlns:p="http://schemas.openxmlformats.org/presentationml/2006/main">
+  <p:cSld>
+    <p:spTree>
+      <p:nvGrpSpPr>
+        <p:cNvPr id="1" name=""/>
+        <p:cNvGrpSpPr/>
+        <p:nvPr/>
+      </p:nvGrpSpPr>
+      <p:grpSpPr/>
+      <p:sp>
+        <p:nvSpPr>
+          <p:cNvPr id="3" name="内容占位符 2"/>
+          <p:cNvSpPr>
+            <a:spLocks noGrp="1" noChangeArrowheads="1"/>
+          </p:cNvSpPr>
+          <p:nvPr>
+            <p:ph idx="1"/>
+          </p:nvPr>
+        </p:nvSpPr>
+        <p:spPr>
+          <a:xfrm>
+            <a:off x="431165" y="963930"/>
+            <a:ext cx="7192645" cy="5191760"/>
+          </a:xfrm>
+        </p:spPr>
+        <p:txBody>
+          <a:bodyPr/>
+          <a:p>
+            <a:r>
+              <a:rPr lang="zh-CN" altLang="en-US"/>
+              <a:t>使用</a:t>
+            </a:r>
+            <a:r>
+              <a:rPr lang="en-US" altLang="zh-CN"/>
+              <a:t>bootcdn</a:t>
+            </a:r>
+            <a:r>
+              <a:rPr lang="zh-CN" altLang="en-US"/>
+              <a:t>的链接来加速资源载入</a:t>
+            </a:r>
+            <a:endParaRPr lang="zh-CN" altLang="en-US"/>
+          </a:p>
+          <a:p>
+            <a:endParaRPr lang="zh-CN" altLang="en-US"/>
+          </a:p>
+        </p:txBody>
+      </p:sp>
+      <p:sp>
+        <p:nvSpPr>
+          <p:cNvPr id="4" name="标题 3"/>
+          <p:cNvSpPr>
+            <a:spLocks noGrp="1" noChangeArrowheads="1"/>
+          </p:cNvSpPr>
+          <p:nvPr>
+            <p:ph type="title"/>
+          </p:nvPr>
+        </p:nvSpPr>
+        <p:spPr/>
+        <p:txBody>
+          <a:bodyPr/>
+          <a:p>
+            <a:r>
+              <a:rPr lang="zh-CN" altLang="en-US"/>
+              <a:t>网页优化</a:t>
+            </a:r>
+            <a:endParaRPr lang="zh-CN" altLang="en-US"/>
+          </a:p>
+        </p:txBody>
+      </p:sp>
+      <p:sp>
+        <p:nvSpPr>
+          <p:cNvPr id="2" name="灯片编号占位符 1"/>
+          <p:cNvSpPr>
+            <a:spLocks noGrp="1"/>
+          </p:cNvSpPr>
+          <p:nvPr>
+            <p:ph type="sldNum" sz="quarter" idx="10"/>
+          </p:nvPr>
+        </p:nvSpPr>
+        <p:spPr/>
+        <p:txBody>
+          <a:bodyPr/>
+          <a:p>
+            <a:pPr>
+              <a:defRPr/>
+            </a:pPr>
+            <a:fld id="{D4FE18B1-0DDD-4E8B-8EAA-9840798265F0}" type="slidenum">
+              <a:rPr lang="en-US" smtClean="0"/>
+            </a:fld>
+            <a:endParaRPr lang="en-US" dirty="0"/>
+          </a:p>
+        </p:txBody>
+      </p:sp>
+      <p:pic>
+        <p:nvPicPr>
+          <p:cNvPr id="6" name="图片 5"/>
+          <p:cNvPicPr>
+            <a:picLocks noChangeAspect="1"/>
+          </p:cNvPicPr>
+          <p:nvPr/>
+        </p:nvPicPr>
+        <p:blipFill>
+          <a:blip r:embed="rId1"/>
+          <a:stretch>
+            <a:fillRect/>
+          </a:stretch>
+        </p:blipFill>
+        <p:spPr>
+          <a:xfrm>
+            <a:off x="655955" y="1497965"/>
+            <a:ext cx="5598795" cy="3169285"/>
+          </a:xfrm>
+          <a:prstGeom prst="rect">
+            <a:avLst/>
+          </a:prstGeom>
+        </p:spPr>
+      </p:pic>
+      <p:pic>
+        <p:nvPicPr>
+          <p:cNvPr id="5" name="图片 4"/>
+          <p:cNvPicPr>
+            <a:picLocks noChangeAspect="1"/>
+          </p:cNvPicPr>
+          <p:nvPr/>
+        </p:nvPicPr>
+        <p:blipFill>
+          <a:blip r:embed="rId2"/>
+          <a:stretch>
+            <a:fillRect/>
+          </a:stretch>
+        </p:blipFill>
+        <p:spPr>
+          <a:xfrm>
+            <a:off x="1784350" y="3075305"/>
+            <a:ext cx="7353935" cy="3215005"/>
+          </a:xfrm>
+          <a:prstGeom prst="rect">
+            <a:avLst/>
+          </a:prstGeom>
+        </p:spPr>
+      </p:pic>
+    </p:spTree>
+  </p:cSld>
+  <p:clrMapOvr>
+    <a:masterClrMapping/>
+  </p:clrMapOvr>
+</p:sld>
+</file>
+
+<file path=ppt/slides/slide22.xml><?xml version="1.0" encoding="utf-8"?>
+<p:sld xmlns:a="http://schemas.openxmlformats.org/drawingml/2006/main" xmlns:r="http://schemas.openxmlformats.org/officeDocument/2006/relationships" xmlns:p="http://schemas.openxmlformats.org/presentationml/2006/main">
+  <p:cSld>
+    <p:spTree>
+      <p:nvGrpSpPr>
+        <p:cNvPr id="1" name=""/>
+        <p:cNvGrpSpPr/>
+        <p:nvPr/>
+      </p:nvGrpSpPr>
+      <p:grpSpPr/>
+      <p:sp>
+        <p:nvSpPr>
+          <p:cNvPr id="3" name="内容占位符 2"/>
+          <p:cNvSpPr>
+            <a:spLocks noGrp="1" noChangeArrowheads="1"/>
+          </p:cNvSpPr>
+          <p:nvPr>
+            <p:ph idx="1"/>
+          </p:nvPr>
+        </p:nvSpPr>
+        <p:spPr>
+          <a:xfrm>
+            <a:off x="431165" y="963930"/>
+            <a:ext cx="7192645" cy="5191760"/>
+          </a:xfrm>
+        </p:spPr>
+        <p:txBody>
+          <a:bodyPr/>
+          <a:p>
+            <a:r>
+              <a:rPr lang="zh-CN" altLang="en-US"/>
+              <a:t>事件节流</a:t>
+            </a:r>
+            <a:endParaRPr lang="zh-CN" altLang="en-US"/>
+          </a:p>
+          <a:p>
+            <a:endParaRPr lang="zh-CN" altLang="en-US"/>
+          </a:p>
+        </p:txBody>
+      </p:sp>
+      <p:sp>
+        <p:nvSpPr>
+          <p:cNvPr id="4" name="标题 3"/>
+          <p:cNvSpPr>
+            <a:spLocks noGrp="1" noChangeArrowheads="1"/>
+          </p:cNvSpPr>
+          <p:nvPr>
+            <p:ph type="title"/>
+          </p:nvPr>
+        </p:nvSpPr>
+        <p:spPr/>
+        <p:txBody>
+          <a:bodyPr/>
+          <a:p>
+            <a:r>
+              <a:rPr lang="zh-CN" altLang="en-US"/>
+              <a:t>网页优化</a:t>
+            </a:r>
+            <a:endParaRPr lang="zh-CN" altLang="en-US"/>
+          </a:p>
+        </p:txBody>
+      </p:sp>
+      <p:sp>
+        <p:nvSpPr>
+          <p:cNvPr id="2" name="灯片编号占位符 1"/>
+          <p:cNvSpPr>
+            <a:spLocks noGrp="1"/>
+          </p:cNvSpPr>
+          <p:nvPr>
+            <p:ph type="sldNum" sz="quarter" idx="10"/>
+          </p:nvPr>
+        </p:nvSpPr>
+        <p:spPr/>
+        <p:txBody>
+          <a:bodyPr/>
+          <a:p>
+            <a:pPr>
+              <a:defRPr/>
+            </a:pPr>
+            <a:fld id="{D4FE18B1-0DDD-4E8B-8EAA-9840798265F0}" type="slidenum">
+              <a:rPr lang="en-US" smtClean="0"/>
+            </a:fld>
+            <a:endParaRPr lang="en-US" dirty="0"/>
+          </a:p>
+        </p:txBody>
+      </p:sp>
+      <p:pic>
+        <p:nvPicPr>
+          <p:cNvPr id="5" name="图片 4"/>
+          <p:cNvPicPr>
+            <a:picLocks noChangeAspect="1"/>
+          </p:cNvPicPr>
+          <p:nvPr/>
+        </p:nvPicPr>
+        <p:blipFill>
+          <a:blip r:embed="rId1"/>
+          <a:stretch>
+            <a:fillRect/>
+          </a:stretch>
+        </p:blipFill>
+        <p:spPr>
+          <a:xfrm>
+            <a:off x="360045" y="1254125"/>
+            <a:ext cx="2886075" cy="1409700"/>
+          </a:xfrm>
+          <a:prstGeom prst="rect">
+            <a:avLst/>
+          </a:prstGeom>
+        </p:spPr>
+      </p:pic>
+    </p:spTree>
+  </p:cSld>
+  <p:clrMapOvr>
+    <a:masterClrMapping/>
+  </p:clrMapOvr>
+</p:sld>
+</file>
+
+<file path=ppt/slides/slide23.xml><?xml version="1.0" encoding="utf-8"?>
+<p:sld xmlns:a="http://schemas.openxmlformats.org/drawingml/2006/main" xmlns:r="http://schemas.openxmlformats.org/officeDocument/2006/relationships" xmlns:p="http://schemas.openxmlformats.org/presentationml/2006/main">
+  <p:cSld>
+    <p:spTree>
+      <p:nvGrpSpPr>
+        <p:cNvPr id="1" name=""/>
+        <p:cNvGrpSpPr/>
+        <p:nvPr/>
+      </p:nvGrpSpPr>
+      <p:grpSpPr>
+        <a:xfrm>
+          <a:off x="0" y="0"/>
+          <a:ext cx="0" cy="0"/>
+          <a:chOff x="0" y="0"/>
+          <a:chExt cx="0" cy="0"/>
+        </a:xfrm>
+      </p:grpSpPr>
+      <p:sp>
+        <p:nvSpPr>
+          <p:cNvPr id="2" name="文本框 1"/>
+          <p:cNvSpPr txBox="1"/>
+          <p:nvPr/>
+        </p:nvSpPr>
+        <p:spPr bwMode="auto">
+          <a:xfrm>
+            <a:off x="395536" y="4952063"/>
+            <a:ext cx="11628547" cy="398780"/>
+          </a:xfrm>
+          <a:prstGeom prst="rect">
+            <a:avLst/>
+          </a:prstGeom>
+          <a:noFill/>
+          <a:ln>
+            <a:noFill/>
+          </a:ln>
+          <a:effectLst/>
+        </p:spPr>
+        <p:txBody>
+          <a:bodyPr vert="horz" wrap="square" lIns="91440" tIns="45720" rIns="91440" bIns="45720" numCol="1" rtlCol="0" anchor="t" anchorCtr="0" compatLnSpc="1">
+            <a:spAutoFit/>
+          </a:bodyPr>
+          <a:lstStyle/>
+          <a:p>
+            <a:r>
+              <a:rPr lang="en-US" altLang="zh-CN" sz="2000" dirty="0" smtClean="0"/>
+              <a:t>bootCDN</a:t>
+            </a:r>
+            <a:r>
+              <a:rPr lang="zh-CN" altLang="en-US" sz="2000" dirty="0" smtClean="0"/>
+              <a:t>地址：http://www.bootcdn.cn/</a:t>
+            </a:r>
+            <a:endParaRPr lang="zh-CN" altLang="en-US" sz="2000" dirty="0" smtClean="0"/>
+          </a:p>
+        </p:txBody>
+      </p:sp>
+      <p:sp>
+        <p:nvSpPr>
+          <p:cNvPr id="3" name="文本框 2"/>
+          <p:cNvSpPr txBox="1"/>
+          <p:nvPr/>
+        </p:nvSpPr>
+        <p:spPr bwMode="auto">
+          <a:xfrm>
+            <a:off x="-85725" y="4729163"/>
+            <a:ext cx="184731" cy="400110"/>
+          </a:xfrm>
+          <a:prstGeom prst="rect">
+            <a:avLst/>
+          </a:prstGeom>
+          <a:noFill/>
+          <a:ln>
+            <a:noFill/>
+          </a:ln>
+          <a:effectLst/>
+        </p:spPr>
+        <p:txBody>
+          <a:bodyPr vert="horz" wrap="none" lIns="91440" tIns="45720" rIns="91440" bIns="45720" numCol="1" rtlCol="0" anchor="t" anchorCtr="0" compatLnSpc="1">
+            <a:spAutoFit/>
+          </a:bodyPr>
+          <a:lstStyle/>
+          <a:p>
+            <a:endParaRPr kumimoji="1" lang="zh-CN" altLang="en-US" sz="2000" dirty="0" smtClean="0">
+              <a:latin typeface="+mj-ea"/>
+              <a:ea typeface="+mj-ea"/>
+            </a:endParaRPr>
+          </a:p>
+        </p:txBody>
+      </p:sp>
     </p:spTree>
   </p:cSld>
   <p:clrMapOvr>
